--- a/prez/112 Aplikacja do zarządzania obiegiem dokumentów.pptx
+++ b/prez/112 Aplikacja do zarządzania obiegiem dokumentów.pptx
@@ -4959,6 +4959,10 @@
           <a:bodyPr/>
           <a:lstStyle/>
           <a:p>
+            <a:r>
+              <a:rPr lang="en-US" dirty="0"/>
+              <a:t>Sprawdza się nieźle, gdy od początku wiadomo co </a:t>
+            </a:r>
             <a:endParaRPr lang="en-US"/>
           </a:p>
         </p:txBody>

--- a/prez/112 Aplikacja do zarządzania obiegiem dokumentów.pptx
+++ b/prez/112 Aplikacja do zarządzania obiegiem dokumentów.pptx
@@ -5,16 +5,30 @@
     <p:sldMasterId id="2147483672" r:id="rId1"/>
   </p:sldMasterIdLst>
   <p:notesMasterIdLst>
-    <p:notesMasterId r:id="rId9"/>
+    <p:notesMasterId r:id="rId23"/>
   </p:notesMasterIdLst>
   <p:sldIdLst>
     <p:sldId id="256" r:id="rId2"/>
     <p:sldId id="266" r:id="rId3"/>
     <p:sldId id="258" r:id="rId4"/>
     <p:sldId id="267" r:id="rId5"/>
-    <p:sldId id="259" r:id="rId6"/>
-    <p:sldId id="264" r:id="rId7"/>
-    <p:sldId id="265" r:id="rId8"/>
+    <p:sldId id="264" r:id="rId6"/>
+    <p:sldId id="268" r:id="rId7"/>
+    <p:sldId id="269" r:id="rId8"/>
+    <p:sldId id="270" r:id="rId9"/>
+    <p:sldId id="274" r:id="rId10"/>
+    <p:sldId id="272" r:id="rId11"/>
+    <p:sldId id="271" r:id="rId12"/>
+    <p:sldId id="273" r:id="rId13"/>
+    <p:sldId id="275" r:id="rId14"/>
+    <p:sldId id="276" r:id="rId15"/>
+    <p:sldId id="277" r:id="rId16"/>
+    <p:sldId id="281" r:id="rId17"/>
+    <p:sldId id="278" r:id="rId18"/>
+    <p:sldId id="279" r:id="rId19"/>
+    <p:sldId id="280" r:id="rId20"/>
+    <p:sldId id="282" r:id="rId21"/>
+    <p:sldId id="265" r:id="rId22"/>
   </p:sldIdLst>
   <p:sldSz cx="9144000" cy="6858000" type="screen4x3"/>
   <p:notesSz cx="6858000" cy="9144000"/>
@@ -565,6 +579,846 @@
 </p:notes>
 </file>
 
+<file path=ppt/notesSlides/notesSlide10.xml><?xml version="1.0" encoding="utf-8"?>
+<p:notes xmlns:a="http://schemas.openxmlformats.org/drawingml/2006/main" xmlns:r="http://schemas.openxmlformats.org/officeDocument/2006/relationships" xmlns:p="http://schemas.openxmlformats.org/presentationml/2006/main">
+  <p:cSld>
+    <p:spTree>
+      <p:nvGrpSpPr>
+        <p:cNvPr id="1" name=""/>
+        <p:cNvGrpSpPr/>
+        <p:nvPr/>
+      </p:nvGrpSpPr>
+      <p:grpSpPr>
+        <a:xfrm>
+          <a:off x="0" y="0"/>
+          <a:ext cx="0" cy="0"/>
+          <a:chOff x="0" y="0"/>
+          <a:chExt cx="0" cy="0"/>
+        </a:xfrm>
+      </p:grpSpPr>
+      <p:sp>
+        <p:nvSpPr>
+          <p:cNvPr id="2" name="Slide Image Placeholder 1"/>
+          <p:cNvSpPr>
+            <a:spLocks noGrp="1" noRot="1" noChangeAspect="1"/>
+          </p:cNvSpPr>
+          <p:nvPr>
+            <p:ph type="sldImg"/>
+          </p:nvPr>
+        </p:nvSpPr>
+        <p:spPr/>
+      </p:sp>
+      <p:sp>
+        <p:nvSpPr>
+          <p:cNvPr id="3" name="Notes Placeholder 2"/>
+          <p:cNvSpPr>
+            <a:spLocks noGrp="1"/>
+          </p:cNvSpPr>
+          <p:nvPr>
+            <p:ph type="body" idx="1"/>
+          </p:nvPr>
+        </p:nvSpPr>
+        <p:spPr/>
+        <p:txBody>
+          <a:bodyPr/>
+          <a:lstStyle/>
+          <a:p>
+            <a:endParaRPr lang="en-US"/>
+          </a:p>
+        </p:txBody>
+      </p:sp>
+      <p:sp>
+        <p:nvSpPr>
+          <p:cNvPr id="4" name="Slide Number Placeholder 3"/>
+          <p:cNvSpPr>
+            <a:spLocks noGrp="1"/>
+          </p:cNvSpPr>
+          <p:nvPr>
+            <p:ph type="sldNum" sz="quarter" idx="10"/>
+          </p:nvPr>
+        </p:nvSpPr>
+        <p:spPr/>
+        <p:txBody>
+          <a:bodyPr/>
+          <a:lstStyle/>
+          <a:p>
+            <a:fld id="{D9D1F544-0881-4744-B3EA-2D6E915275B0}" type="slidenum">
+              <a:rPr lang="en-US"/>
+              <a:t>‹#›</a:t>
+            </a:fld>
+            <a:endParaRPr lang="en-US"/>
+          </a:p>
+        </p:txBody>
+      </p:sp>
+    </p:spTree>
+    <p:extLst>
+      <p:ext uri="{BB962C8B-B14F-4D97-AF65-F5344CB8AC3E}">
+        <p14:creationId xmlns:p14="http://schemas.microsoft.com/office/powerpoint/2010/main" val="2154746678"/>
+      </p:ext>
+    </p:extLst>
+  </p:cSld>
+  <p:clrMapOvr>
+    <a:masterClrMapping/>
+  </p:clrMapOvr>
+</p:notes>
+</file>
+
+<file path=ppt/notesSlides/notesSlide11.xml><?xml version="1.0" encoding="utf-8"?>
+<p:notes xmlns:a="http://schemas.openxmlformats.org/drawingml/2006/main" xmlns:r="http://schemas.openxmlformats.org/officeDocument/2006/relationships" xmlns:p="http://schemas.openxmlformats.org/presentationml/2006/main">
+  <p:cSld>
+    <p:spTree>
+      <p:nvGrpSpPr>
+        <p:cNvPr id="1" name=""/>
+        <p:cNvGrpSpPr/>
+        <p:nvPr/>
+      </p:nvGrpSpPr>
+      <p:grpSpPr>
+        <a:xfrm>
+          <a:off x="0" y="0"/>
+          <a:ext cx="0" cy="0"/>
+          <a:chOff x="0" y="0"/>
+          <a:chExt cx="0" cy="0"/>
+        </a:xfrm>
+      </p:grpSpPr>
+      <p:sp>
+        <p:nvSpPr>
+          <p:cNvPr id="2" name="Slide Image Placeholder 1"/>
+          <p:cNvSpPr>
+            <a:spLocks noGrp="1" noRot="1" noChangeAspect="1"/>
+          </p:cNvSpPr>
+          <p:nvPr>
+            <p:ph type="sldImg"/>
+          </p:nvPr>
+        </p:nvSpPr>
+        <p:spPr/>
+      </p:sp>
+      <p:sp>
+        <p:nvSpPr>
+          <p:cNvPr id="3" name="Notes Placeholder 2"/>
+          <p:cNvSpPr>
+            <a:spLocks noGrp="1"/>
+          </p:cNvSpPr>
+          <p:nvPr>
+            <p:ph type="body" idx="1"/>
+          </p:nvPr>
+        </p:nvSpPr>
+        <p:spPr/>
+        <p:txBody>
+          <a:bodyPr/>
+          <a:lstStyle/>
+          <a:p>
+            <a:endParaRPr lang="en-US"/>
+          </a:p>
+        </p:txBody>
+      </p:sp>
+      <p:sp>
+        <p:nvSpPr>
+          <p:cNvPr id="4" name="Slide Number Placeholder 3"/>
+          <p:cNvSpPr>
+            <a:spLocks noGrp="1"/>
+          </p:cNvSpPr>
+          <p:nvPr>
+            <p:ph type="sldNum" sz="quarter" idx="10"/>
+          </p:nvPr>
+        </p:nvSpPr>
+        <p:spPr/>
+        <p:txBody>
+          <a:bodyPr/>
+          <a:lstStyle/>
+          <a:p>
+            <a:fld id="{D9D1F544-0881-4744-B3EA-2D6E915275B0}" type="slidenum">
+              <a:rPr lang="en-US"/>
+              <a:t>‹#›</a:t>
+            </a:fld>
+            <a:endParaRPr lang="en-US"/>
+          </a:p>
+        </p:txBody>
+      </p:sp>
+    </p:spTree>
+    <p:extLst>
+      <p:ext uri="{BB962C8B-B14F-4D97-AF65-F5344CB8AC3E}">
+        <p14:creationId xmlns:p14="http://schemas.microsoft.com/office/powerpoint/2010/main" val="2993596335"/>
+      </p:ext>
+    </p:extLst>
+  </p:cSld>
+  <p:clrMapOvr>
+    <a:masterClrMapping/>
+  </p:clrMapOvr>
+</p:notes>
+</file>
+
+<file path=ppt/notesSlides/notesSlide12.xml><?xml version="1.0" encoding="utf-8"?>
+<p:notes xmlns:a="http://schemas.openxmlformats.org/drawingml/2006/main" xmlns:r="http://schemas.openxmlformats.org/officeDocument/2006/relationships" xmlns:p="http://schemas.openxmlformats.org/presentationml/2006/main">
+  <p:cSld>
+    <p:spTree>
+      <p:nvGrpSpPr>
+        <p:cNvPr id="1" name=""/>
+        <p:cNvGrpSpPr/>
+        <p:nvPr/>
+      </p:nvGrpSpPr>
+      <p:grpSpPr>
+        <a:xfrm>
+          <a:off x="0" y="0"/>
+          <a:ext cx="0" cy="0"/>
+          <a:chOff x="0" y="0"/>
+          <a:chExt cx="0" cy="0"/>
+        </a:xfrm>
+      </p:grpSpPr>
+      <p:sp>
+        <p:nvSpPr>
+          <p:cNvPr id="2" name="Slide Image Placeholder 1"/>
+          <p:cNvSpPr>
+            <a:spLocks noGrp="1" noRot="1" noChangeAspect="1"/>
+          </p:cNvSpPr>
+          <p:nvPr>
+            <p:ph type="sldImg"/>
+          </p:nvPr>
+        </p:nvSpPr>
+        <p:spPr/>
+      </p:sp>
+      <p:sp>
+        <p:nvSpPr>
+          <p:cNvPr id="3" name="Notes Placeholder 2"/>
+          <p:cNvSpPr>
+            <a:spLocks noGrp="1"/>
+          </p:cNvSpPr>
+          <p:nvPr>
+            <p:ph type="body" idx="1"/>
+          </p:nvPr>
+        </p:nvSpPr>
+        <p:spPr/>
+        <p:txBody>
+          <a:bodyPr/>
+          <a:lstStyle/>
+          <a:p>
+            <a:endParaRPr lang="en-US"/>
+          </a:p>
+        </p:txBody>
+      </p:sp>
+      <p:sp>
+        <p:nvSpPr>
+          <p:cNvPr id="4" name="Slide Number Placeholder 3"/>
+          <p:cNvSpPr>
+            <a:spLocks noGrp="1"/>
+          </p:cNvSpPr>
+          <p:nvPr>
+            <p:ph type="sldNum" sz="quarter" idx="10"/>
+          </p:nvPr>
+        </p:nvSpPr>
+        <p:spPr/>
+        <p:txBody>
+          <a:bodyPr/>
+          <a:lstStyle/>
+          <a:p>
+            <a:fld id="{D9D1F544-0881-4744-B3EA-2D6E915275B0}" type="slidenum">
+              <a:rPr lang="en-US"/>
+              <a:t>‹#›</a:t>
+            </a:fld>
+            <a:endParaRPr lang="en-US"/>
+          </a:p>
+        </p:txBody>
+      </p:sp>
+    </p:spTree>
+    <p:extLst>
+      <p:ext uri="{BB962C8B-B14F-4D97-AF65-F5344CB8AC3E}">
+        <p14:creationId xmlns:p14="http://schemas.microsoft.com/office/powerpoint/2010/main" val="2459416682"/>
+      </p:ext>
+    </p:extLst>
+  </p:cSld>
+  <p:clrMapOvr>
+    <a:masterClrMapping/>
+  </p:clrMapOvr>
+</p:notes>
+</file>
+
+<file path=ppt/notesSlides/notesSlide13.xml><?xml version="1.0" encoding="utf-8"?>
+<p:notes xmlns:a="http://schemas.openxmlformats.org/drawingml/2006/main" xmlns:r="http://schemas.openxmlformats.org/officeDocument/2006/relationships" xmlns:p="http://schemas.openxmlformats.org/presentationml/2006/main">
+  <p:cSld>
+    <p:spTree>
+      <p:nvGrpSpPr>
+        <p:cNvPr id="1" name=""/>
+        <p:cNvGrpSpPr/>
+        <p:nvPr/>
+      </p:nvGrpSpPr>
+      <p:grpSpPr>
+        <a:xfrm>
+          <a:off x="0" y="0"/>
+          <a:ext cx="0" cy="0"/>
+          <a:chOff x="0" y="0"/>
+          <a:chExt cx="0" cy="0"/>
+        </a:xfrm>
+      </p:grpSpPr>
+      <p:sp>
+        <p:nvSpPr>
+          <p:cNvPr id="2" name="Slide Image Placeholder 1"/>
+          <p:cNvSpPr>
+            <a:spLocks noGrp="1" noRot="1" noChangeAspect="1"/>
+          </p:cNvSpPr>
+          <p:nvPr>
+            <p:ph type="sldImg"/>
+          </p:nvPr>
+        </p:nvSpPr>
+        <p:spPr/>
+      </p:sp>
+      <p:sp>
+        <p:nvSpPr>
+          <p:cNvPr id="3" name="Notes Placeholder 2"/>
+          <p:cNvSpPr>
+            <a:spLocks noGrp="1"/>
+          </p:cNvSpPr>
+          <p:nvPr>
+            <p:ph type="body" idx="1"/>
+          </p:nvPr>
+        </p:nvSpPr>
+        <p:spPr/>
+        <p:txBody>
+          <a:bodyPr/>
+          <a:lstStyle/>
+          <a:p>
+            <a:endParaRPr lang="en-US"/>
+          </a:p>
+        </p:txBody>
+      </p:sp>
+      <p:sp>
+        <p:nvSpPr>
+          <p:cNvPr id="4" name="Slide Number Placeholder 3"/>
+          <p:cNvSpPr>
+            <a:spLocks noGrp="1"/>
+          </p:cNvSpPr>
+          <p:nvPr>
+            <p:ph type="sldNum" sz="quarter" idx="10"/>
+          </p:nvPr>
+        </p:nvSpPr>
+        <p:spPr/>
+        <p:txBody>
+          <a:bodyPr/>
+          <a:lstStyle/>
+          <a:p>
+            <a:fld id="{D9D1F544-0881-4744-B3EA-2D6E915275B0}" type="slidenum">
+              <a:rPr lang="en-US"/>
+              <a:t>‹#›</a:t>
+            </a:fld>
+            <a:endParaRPr lang="en-US"/>
+          </a:p>
+        </p:txBody>
+      </p:sp>
+    </p:spTree>
+    <p:extLst>
+      <p:ext uri="{BB962C8B-B14F-4D97-AF65-F5344CB8AC3E}">
+        <p14:creationId xmlns:p14="http://schemas.microsoft.com/office/powerpoint/2010/main" val="2797242382"/>
+      </p:ext>
+    </p:extLst>
+  </p:cSld>
+  <p:clrMapOvr>
+    <a:masterClrMapping/>
+  </p:clrMapOvr>
+</p:notes>
+</file>
+
+<file path=ppt/notesSlides/notesSlide14.xml><?xml version="1.0" encoding="utf-8"?>
+<p:notes xmlns:a="http://schemas.openxmlformats.org/drawingml/2006/main" xmlns:r="http://schemas.openxmlformats.org/officeDocument/2006/relationships" xmlns:p="http://schemas.openxmlformats.org/presentationml/2006/main">
+  <p:cSld>
+    <p:spTree>
+      <p:nvGrpSpPr>
+        <p:cNvPr id="1" name=""/>
+        <p:cNvGrpSpPr/>
+        <p:nvPr/>
+      </p:nvGrpSpPr>
+      <p:grpSpPr>
+        <a:xfrm>
+          <a:off x="0" y="0"/>
+          <a:ext cx="0" cy="0"/>
+          <a:chOff x="0" y="0"/>
+          <a:chExt cx="0" cy="0"/>
+        </a:xfrm>
+      </p:grpSpPr>
+      <p:sp>
+        <p:nvSpPr>
+          <p:cNvPr id="2" name="Slide Image Placeholder 1"/>
+          <p:cNvSpPr>
+            <a:spLocks noGrp="1" noRot="1" noChangeAspect="1"/>
+          </p:cNvSpPr>
+          <p:nvPr>
+            <p:ph type="sldImg"/>
+          </p:nvPr>
+        </p:nvSpPr>
+        <p:spPr/>
+      </p:sp>
+      <p:sp>
+        <p:nvSpPr>
+          <p:cNvPr id="3" name="Notes Placeholder 2"/>
+          <p:cNvSpPr>
+            <a:spLocks noGrp="1"/>
+          </p:cNvSpPr>
+          <p:nvPr>
+            <p:ph type="body" idx="1"/>
+          </p:nvPr>
+        </p:nvSpPr>
+        <p:spPr/>
+        <p:txBody>
+          <a:bodyPr/>
+          <a:lstStyle/>
+          <a:p>
+            <a:endParaRPr lang="en-US"/>
+          </a:p>
+        </p:txBody>
+      </p:sp>
+      <p:sp>
+        <p:nvSpPr>
+          <p:cNvPr id="4" name="Slide Number Placeholder 3"/>
+          <p:cNvSpPr>
+            <a:spLocks noGrp="1"/>
+          </p:cNvSpPr>
+          <p:nvPr>
+            <p:ph type="sldNum" sz="quarter" idx="10"/>
+          </p:nvPr>
+        </p:nvSpPr>
+        <p:spPr/>
+        <p:txBody>
+          <a:bodyPr/>
+          <a:lstStyle/>
+          <a:p>
+            <a:fld id="{D9D1F544-0881-4744-B3EA-2D6E915275B0}" type="slidenum">
+              <a:rPr lang="en-US"/>
+              <a:t>‹#›</a:t>
+            </a:fld>
+            <a:endParaRPr lang="en-US"/>
+          </a:p>
+        </p:txBody>
+      </p:sp>
+    </p:spTree>
+    <p:extLst>
+      <p:ext uri="{BB962C8B-B14F-4D97-AF65-F5344CB8AC3E}">
+        <p14:creationId xmlns:p14="http://schemas.microsoft.com/office/powerpoint/2010/main" val="35931878"/>
+      </p:ext>
+    </p:extLst>
+  </p:cSld>
+  <p:clrMapOvr>
+    <a:masterClrMapping/>
+  </p:clrMapOvr>
+</p:notes>
+</file>
+
+<file path=ppt/notesSlides/notesSlide15.xml><?xml version="1.0" encoding="utf-8"?>
+<p:notes xmlns:a="http://schemas.openxmlformats.org/drawingml/2006/main" xmlns:r="http://schemas.openxmlformats.org/officeDocument/2006/relationships" xmlns:p="http://schemas.openxmlformats.org/presentationml/2006/main">
+  <p:cSld>
+    <p:spTree>
+      <p:nvGrpSpPr>
+        <p:cNvPr id="1" name=""/>
+        <p:cNvGrpSpPr/>
+        <p:nvPr/>
+      </p:nvGrpSpPr>
+      <p:grpSpPr>
+        <a:xfrm>
+          <a:off x="0" y="0"/>
+          <a:ext cx="0" cy="0"/>
+          <a:chOff x="0" y="0"/>
+          <a:chExt cx="0" cy="0"/>
+        </a:xfrm>
+      </p:grpSpPr>
+      <p:sp>
+        <p:nvSpPr>
+          <p:cNvPr id="2" name="Slide Image Placeholder 1"/>
+          <p:cNvSpPr>
+            <a:spLocks noGrp="1" noRot="1" noChangeAspect="1"/>
+          </p:cNvSpPr>
+          <p:nvPr>
+            <p:ph type="sldImg"/>
+          </p:nvPr>
+        </p:nvSpPr>
+        <p:spPr/>
+      </p:sp>
+      <p:sp>
+        <p:nvSpPr>
+          <p:cNvPr id="3" name="Notes Placeholder 2"/>
+          <p:cNvSpPr>
+            <a:spLocks noGrp="1"/>
+          </p:cNvSpPr>
+          <p:nvPr>
+            <p:ph type="body" idx="1"/>
+          </p:nvPr>
+        </p:nvSpPr>
+        <p:spPr/>
+        <p:txBody>
+          <a:bodyPr/>
+          <a:lstStyle/>
+          <a:p>
+            <a:endParaRPr lang="en-US"/>
+          </a:p>
+        </p:txBody>
+      </p:sp>
+      <p:sp>
+        <p:nvSpPr>
+          <p:cNvPr id="4" name="Slide Number Placeholder 3"/>
+          <p:cNvSpPr>
+            <a:spLocks noGrp="1"/>
+          </p:cNvSpPr>
+          <p:nvPr>
+            <p:ph type="sldNum" sz="quarter" idx="10"/>
+          </p:nvPr>
+        </p:nvSpPr>
+        <p:spPr/>
+        <p:txBody>
+          <a:bodyPr/>
+          <a:lstStyle/>
+          <a:p>
+            <a:fld id="{D9D1F544-0881-4744-B3EA-2D6E915275B0}" type="slidenum">
+              <a:rPr lang="en-US"/>
+              <a:t>‹#›</a:t>
+            </a:fld>
+            <a:endParaRPr lang="en-US"/>
+          </a:p>
+        </p:txBody>
+      </p:sp>
+    </p:spTree>
+    <p:extLst>
+      <p:ext uri="{BB962C8B-B14F-4D97-AF65-F5344CB8AC3E}">
+        <p14:creationId xmlns:p14="http://schemas.microsoft.com/office/powerpoint/2010/main" val="3783692262"/>
+      </p:ext>
+    </p:extLst>
+  </p:cSld>
+  <p:clrMapOvr>
+    <a:masterClrMapping/>
+  </p:clrMapOvr>
+</p:notes>
+</file>
+
+<file path=ppt/notesSlides/notesSlide16.xml><?xml version="1.0" encoding="utf-8"?>
+<p:notes xmlns:a="http://schemas.openxmlformats.org/drawingml/2006/main" xmlns:r="http://schemas.openxmlformats.org/officeDocument/2006/relationships" xmlns:p="http://schemas.openxmlformats.org/presentationml/2006/main">
+  <p:cSld>
+    <p:spTree>
+      <p:nvGrpSpPr>
+        <p:cNvPr id="1" name=""/>
+        <p:cNvGrpSpPr/>
+        <p:nvPr/>
+      </p:nvGrpSpPr>
+      <p:grpSpPr>
+        <a:xfrm>
+          <a:off x="0" y="0"/>
+          <a:ext cx="0" cy="0"/>
+          <a:chOff x="0" y="0"/>
+          <a:chExt cx="0" cy="0"/>
+        </a:xfrm>
+      </p:grpSpPr>
+      <p:sp>
+        <p:nvSpPr>
+          <p:cNvPr id="2" name="Slide Image Placeholder 1"/>
+          <p:cNvSpPr>
+            <a:spLocks noGrp="1" noRot="1" noChangeAspect="1"/>
+          </p:cNvSpPr>
+          <p:nvPr>
+            <p:ph type="sldImg"/>
+          </p:nvPr>
+        </p:nvSpPr>
+        <p:spPr/>
+      </p:sp>
+      <p:sp>
+        <p:nvSpPr>
+          <p:cNvPr id="3" name="Notes Placeholder 2"/>
+          <p:cNvSpPr>
+            <a:spLocks noGrp="1"/>
+          </p:cNvSpPr>
+          <p:nvPr>
+            <p:ph type="body" idx="1"/>
+          </p:nvPr>
+        </p:nvSpPr>
+        <p:spPr/>
+        <p:txBody>
+          <a:bodyPr/>
+          <a:lstStyle/>
+          <a:p>
+            <a:endParaRPr lang="en-US"/>
+          </a:p>
+        </p:txBody>
+      </p:sp>
+      <p:sp>
+        <p:nvSpPr>
+          <p:cNvPr id="4" name="Slide Number Placeholder 3"/>
+          <p:cNvSpPr>
+            <a:spLocks noGrp="1"/>
+          </p:cNvSpPr>
+          <p:nvPr>
+            <p:ph type="sldNum" sz="quarter" idx="10"/>
+          </p:nvPr>
+        </p:nvSpPr>
+        <p:spPr/>
+        <p:txBody>
+          <a:bodyPr/>
+          <a:lstStyle/>
+          <a:p>
+            <a:fld id="{D9D1F544-0881-4744-B3EA-2D6E915275B0}" type="slidenum">
+              <a:rPr lang="en-US"/>
+              <a:t>‹#›</a:t>
+            </a:fld>
+            <a:endParaRPr lang="en-US"/>
+          </a:p>
+        </p:txBody>
+      </p:sp>
+    </p:spTree>
+    <p:extLst>
+      <p:ext uri="{BB962C8B-B14F-4D97-AF65-F5344CB8AC3E}">
+        <p14:creationId xmlns:p14="http://schemas.microsoft.com/office/powerpoint/2010/main" val="3990075256"/>
+      </p:ext>
+    </p:extLst>
+  </p:cSld>
+  <p:clrMapOvr>
+    <a:masterClrMapping/>
+  </p:clrMapOvr>
+</p:notes>
+</file>
+
+<file path=ppt/notesSlides/notesSlide17.xml><?xml version="1.0" encoding="utf-8"?>
+<p:notes xmlns:a="http://schemas.openxmlformats.org/drawingml/2006/main" xmlns:r="http://schemas.openxmlformats.org/officeDocument/2006/relationships" xmlns:p="http://schemas.openxmlformats.org/presentationml/2006/main">
+  <p:cSld>
+    <p:spTree>
+      <p:nvGrpSpPr>
+        <p:cNvPr id="1" name=""/>
+        <p:cNvGrpSpPr/>
+        <p:nvPr/>
+      </p:nvGrpSpPr>
+      <p:grpSpPr>
+        <a:xfrm>
+          <a:off x="0" y="0"/>
+          <a:ext cx="0" cy="0"/>
+          <a:chOff x="0" y="0"/>
+          <a:chExt cx="0" cy="0"/>
+        </a:xfrm>
+      </p:grpSpPr>
+      <p:sp>
+        <p:nvSpPr>
+          <p:cNvPr id="2" name="Slide Image Placeholder 1"/>
+          <p:cNvSpPr>
+            <a:spLocks noGrp="1" noRot="1" noChangeAspect="1"/>
+          </p:cNvSpPr>
+          <p:nvPr>
+            <p:ph type="sldImg"/>
+          </p:nvPr>
+        </p:nvSpPr>
+        <p:spPr/>
+      </p:sp>
+      <p:sp>
+        <p:nvSpPr>
+          <p:cNvPr id="3" name="Notes Placeholder 2"/>
+          <p:cNvSpPr>
+            <a:spLocks noGrp="1"/>
+          </p:cNvSpPr>
+          <p:nvPr>
+            <p:ph type="body" idx="1"/>
+          </p:nvPr>
+        </p:nvSpPr>
+        <p:spPr/>
+        <p:txBody>
+          <a:bodyPr/>
+          <a:lstStyle/>
+          <a:p>
+            <a:endParaRPr lang="en-US"/>
+          </a:p>
+        </p:txBody>
+      </p:sp>
+      <p:sp>
+        <p:nvSpPr>
+          <p:cNvPr id="4" name="Slide Number Placeholder 3"/>
+          <p:cNvSpPr>
+            <a:spLocks noGrp="1"/>
+          </p:cNvSpPr>
+          <p:nvPr>
+            <p:ph type="sldNum" sz="quarter" idx="10"/>
+          </p:nvPr>
+        </p:nvSpPr>
+        <p:spPr/>
+        <p:txBody>
+          <a:bodyPr/>
+          <a:lstStyle/>
+          <a:p>
+            <a:fld id="{D9D1F544-0881-4744-B3EA-2D6E915275B0}" type="slidenum">
+              <a:rPr lang="en-US"/>
+              <a:t>‹#›</a:t>
+            </a:fld>
+            <a:endParaRPr lang="en-US"/>
+          </a:p>
+        </p:txBody>
+      </p:sp>
+    </p:spTree>
+    <p:extLst>
+      <p:ext uri="{BB962C8B-B14F-4D97-AF65-F5344CB8AC3E}">
+        <p14:creationId xmlns:p14="http://schemas.microsoft.com/office/powerpoint/2010/main" val="2804650719"/>
+      </p:ext>
+    </p:extLst>
+  </p:cSld>
+  <p:clrMapOvr>
+    <a:masterClrMapping/>
+  </p:clrMapOvr>
+</p:notes>
+</file>
+
+<file path=ppt/notesSlides/notesSlide18.xml><?xml version="1.0" encoding="utf-8"?>
+<p:notes xmlns:a="http://schemas.openxmlformats.org/drawingml/2006/main" xmlns:r="http://schemas.openxmlformats.org/officeDocument/2006/relationships" xmlns:p="http://schemas.openxmlformats.org/presentationml/2006/main">
+  <p:cSld>
+    <p:spTree>
+      <p:nvGrpSpPr>
+        <p:cNvPr id="1" name=""/>
+        <p:cNvGrpSpPr/>
+        <p:nvPr/>
+      </p:nvGrpSpPr>
+      <p:grpSpPr>
+        <a:xfrm>
+          <a:off x="0" y="0"/>
+          <a:ext cx="0" cy="0"/>
+          <a:chOff x="0" y="0"/>
+          <a:chExt cx="0" cy="0"/>
+        </a:xfrm>
+      </p:grpSpPr>
+      <p:sp>
+        <p:nvSpPr>
+          <p:cNvPr id="2" name="Slide Image Placeholder 1"/>
+          <p:cNvSpPr>
+            <a:spLocks noGrp="1" noRot="1" noChangeAspect="1"/>
+          </p:cNvSpPr>
+          <p:nvPr>
+            <p:ph type="sldImg"/>
+          </p:nvPr>
+        </p:nvSpPr>
+        <p:spPr/>
+      </p:sp>
+      <p:sp>
+        <p:nvSpPr>
+          <p:cNvPr id="3" name="Notes Placeholder 2"/>
+          <p:cNvSpPr>
+            <a:spLocks noGrp="1"/>
+          </p:cNvSpPr>
+          <p:nvPr>
+            <p:ph type="body" idx="1"/>
+          </p:nvPr>
+        </p:nvSpPr>
+        <p:spPr/>
+        <p:txBody>
+          <a:bodyPr/>
+          <a:lstStyle/>
+          <a:p>
+            <a:endParaRPr lang="en-US"/>
+          </a:p>
+        </p:txBody>
+      </p:sp>
+      <p:sp>
+        <p:nvSpPr>
+          <p:cNvPr id="4" name="Slide Number Placeholder 3"/>
+          <p:cNvSpPr>
+            <a:spLocks noGrp="1"/>
+          </p:cNvSpPr>
+          <p:nvPr>
+            <p:ph type="sldNum" sz="quarter" idx="10"/>
+          </p:nvPr>
+        </p:nvSpPr>
+        <p:spPr/>
+        <p:txBody>
+          <a:bodyPr/>
+          <a:lstStyle/>
+          <a:p>
+            <a:fld id="{D9D1F544-0881-4744-B3EA-2D6E915275B0}" type="slidenum">
+              <a:rPr lang="en-US"/>
+              <a:t>‹#›</a:t>
+            </a:fld>
+            <a:endParaRPr lang="en-US"/>
+          </a:p>
+        </p:txBody>
+      </p:sp>
+    </p:spTree>
+    <p:extLst>
+      <p:ext uri="{BB962C8B-B14F-4D97-AF65-F5344CB8AC3E}">
+        <p14:creationId xmlns:p14="http://schemas.microsoft.com/office/powerpoint/2010/main" val="4116045293"/>
+      </p:ext>
+    </p:extLst>
+  </p:cSld>
+  <p:clrMapOvr>
+    <a:masterClrMapping/>
+  </p:clrMapOvr>
+</p:notes>
+</file>
+
+<file path=ppt/notesSlides/notesSlide19.xml><?xml version="1.0" encoding="utf-8"?>
+<p:notes xmlns:a="http://schemas.openxmlformats.org/drawingml/2006/main" xmlns:r="http://schemas.openxmlformats.org/officeDocument/2006/relationships" xmlns:p="http://schemas.openxmlformats.org/presentationml/2006/main">
+  <p:cSld>
+    <p:spTree>
+      <p:nvGrpSpPr>
+        <p:cNvPr id="1" name=""/>
+        <p:cNvGrpSpPr/>
+        <p:nvPr/>
+      </p:nvGrpSpPr>
+      <p:grpSpPr>
+        <a:xfrm>
+          <a:off x="0" y="0"/>
+          <a:ext cx="0" cy="0"/>
+          <a:chOff x="0" y="0"/>
+          <a:chExt cx="0" cy="0"/>
+        </a:xfrm>
+      </p:grpSpPr>
+      <p:sp>
+        <p:nvSpPr>
+          <p:cNvPr id="2" name="Slide Image Placeholder 1"/>
+          <p:cNvSpPr>
+            <a:spLocks noGrp="1" noRot="1" noChangeAspect="1"/>
+          </p:cNvSpPr>
+          <p:nvPr>
+            <p:ph type="sldImg"/>
+          </p:nvPr>
+        </p:nvSpPr>
+        <p:spPr/>
+      </p:sp>
+      <p:sp>
+        <p:nvSpPr>
+          <p:cNvPr id="3" name="Notes Placeholder 2"/>
+          <p:cNvSpPr>
+            <a:spLocks noGrp="1"/>
+          </p:cNvSpPr>
+          <p:nvPr>
+            <p:ph type="body" idx="1"/>
+          </p:nvPr>
+        </p:nvSpPr>
+        <p:spPr/>
+        <p:txBody>
+          <a:bodyPr/>
+          <a:lstStyle/>
+          <a:p>
+            <a:endParaRPr lang="en-US"/>
+          </a:p>
+        </p:txBody>
+      </p:sp>
+      <p:sp>
+        <p:nvSpPr>
+          <p:cNvPr id="4" name="Slide Number Placeholder 3"/>
+          <p:cNvSpPr>
+            <a:spLocks noGrp="1"/>
+          </p:cNvSpPr>
+          <p:nvPr>
+            <p:ph type="sldNum" sz="quarter" idx="10"/>
+          </p:nvPr>
+        </p:nvSpPr>
+        <p:spPr/>
+        <p:txBody>
+          <a:bodyPr/>
+          <a:lstStyle/>
+          <a:p>
+            <a:fld id="{D9D1F544-0881-4744-B3EA-2D6E915275B0}" type="slidenum">
+              <a:rPr lang="en-US"/>
+              <a:t>‹#›</a:t>
+            </a:fld>
+            <a:endParaRPr lang="en-US"/>
+          </a:p>
+        </p:txBody>
+      </p:sp>
+    </p:spTree>
+    <p:extLst>
+      <p:ext uri="{BB962C8B-B14F-4D97-AF65-F5344CB8AC3E}">
+        <p14:creationId xmlns:p14="http://schemas.microsoft.com/office/powerpoint/2010/main" val="2783064358"/>
+      </p:ext>
+    </p:extLst>
+  </p:cSld>
+  <p:clrMapOvr>
+    <a:masterClrMapping/>
+  </p:clrMapOvr>
+</p:notes>
+</file>
+
 <file path=ppt/notesSlides/notesSlide2.xml><?xml version="1.0" encoding="utf-8"?>
 <p:notes xmlns:a="http://schemas.openxmlformats.org/drawingml/2006/main" xmlns:r="http://schemas.openxmlformats.org/officeDocument/2006/relationships" xmlns:p="http://schemas.openxmlformats.org/presentationml/2006/main">
   <p:cSld>
@@ -640,6 +1494,174 @@
     <p:extLst>
       <p:ext uri="{BB962C8B-B14F-4D97-AF65-F5344CB8AC3E}">
         <p14:creationId xmlns:p14="http://schemas.microsoft.com/office/powerpoint/2010/main" val="240269988"/>
+      </p:ext>
+    </p:extLst>
+  </p:cSld>
+  <p:clrMapOvr>
+    <a:masterClrMapping/>
+  </p:clrMapOvr>
+</p:notes>
+</file>
+
+<file path=ppt/notesSlides/notesSlide20.xml><?xml version="1.0" encoding="utf-8"?>
+<p:notes xmlns:a="http://schemas.openxmlformats.org/drawingml/2006/main" xmlns:r="http://schemas.openxmlformats.org/officeDocument/2006/relationships" xmlns:p="http://schemas.openxmlformats.org/presentationml/2006/main">
+  <p:cSld>
+    <p:spTree>
+      <p:nvGrpSpPr>
+        <p:cNvPr id="1" name=""/>
+        <p:cNvGrpSpPr/>
+        <p:nvPr/>
+      </p:nvGrpSpPr>
+      <p:grpSpPr>
+        <a:xfrm>
+          <a:off x="0" y="0"/>
+          <a:ext cx="0" cy="0"/>
+          <a:chOff x="0" y="0"/>
+          <a:chExt cx="0" cy="0"/>
+        </a:xfrm>
+      </p:grpSpPr>
+      <p:sp>
+        <p:nvSpPr>
+          <p:cNvPr id="2" name="Slide Image Placeholder 1"/>
+          <p:cNvSpPr>
+            <a:spLocks noGrp="1" noRot="1" noChangeAspect="1"/>
+          </p:cNvSpPr>
+          <p:nvPr>
+            <p:ph type="sldImg"/>
+          </p:nvPr>
+        </p:nvSpPr>
+        <p:spPr/>
+      </p:sp>
+      <p:sp>
+        <p:nvSpPr>
+          <p:cNvPr id="3" name="Notes Placeholder 2"/>
+          <p:cNvSpPr>
+            <a:spLocks noGrp="1"/>
+          </p:cNvSpPr>
+          <p:nvPr>
+            <p:ph type="body" idx="1"/>
+          </p:nvPr>
+        </p:nvSpPr>
+        <p:spPr/>
+        <p:txBody>
+          <a:bodyPr/>
+          <a:lstStyle/>
+          <a:p>
+            <a:endParaRPr lang="en-US"/>
+          </a:p>
+        </p:txBody>
+      </p:sp>
+      <p:sp>
+        <p:nvSpPr>
+          <p:cNvPr id="4" name="Slide Number Placeholder 3"/>
+          <p:cNvSpPr>
+            <a:spLocks noGrp="1"/>
+          </p:cNvSpPr>
+          <p:nvPr>
+            <p:ph type="sldNum" sz="quarter" idx="10"/>
+          </p:nvPr>
+        </p:nvSpPr>
+        <p:spPr/>
+        <p:txBody>
+          <a:bodyPr/>
+          <a:lstStyle/>
+          <a:p>
+            <a:fld id="{D9D1F544-0881-4744-B3EA-2D6E915275B0}" type="slidenum">
+              <a:rPr lang="en-US"/>
+              <a:t>‹#›</a:t>
+            </a:fld>
+            <a:endParaRPr lang="en-US"/>
+          </a:p>
+        </p:txBody>
+      </p:sp>
+    </p:spTree>
+    <p:extLst>
+      <p:ext uri="{BB962C8B-B14F-4D97-AF65-F5344CB8AC3E}">
+        <p14:creationId xmlns:p14="http://schemas.microsoft.com/office/powerpoint/2010/main" val="2068236898"/>
+      </p:ext>
+    </p:extLst>
+  </p:cSld>
+  <p:clrMapOvr>
+    <a:masterClrMapping/>
+  </p:clrMapOvr>
+</p:notes>
+</file>
+
+<file path=ppt/notesSlides/notesSlide21.xml><?xml version="1.0" encoding="utf-8"?>
+<p:notes xmlns:a="http://schemas.openxmlformats.org/drawingml/2006/main" xmlns:r="http://schemas.openxmlformats.org/officeDocument/2006/relationships" xmlns:p="http://schemas.openxmlformats.org/presentationml/2006/main">
+  <p:cSld>
+    <p:spTree>
+      <p:nvGrpSpPr>
+        <p:cNvPr id="1" name=""/>
+        <p:cNvGrpSpPr/>
+        <p:nvPr/>
+      </p:nvGrpSpPr>
+      <p:grpSpPr>
+        <a:xfrm>
+          <a:off x="0" y="0"/>
+          <a:ext cx="0" cy="0"/>
+          <a:chOff x="0" y="0"/>
+          <a:chExt cx="0" cy="0"/>
+        </a:xfrm>
+      </p:grpSpPr>
+      <p:sp>
+        <p:nvSpPr>
+          <p:cNvPr id="2" name="Slide Image Placeholder 1"/>
+          <p:cNvSpPr>
+            <a:spLocks noGrp="1" noRot="1" noChangeAspect="1"/>
+          </p:cNvSpPr>
+          <p:nvPr>
+            <p:ph type="sldImg"/>
+          </p:nvPr>
+        </p:nvSpPr>
+        <p:spPr/>
+      </p:sp>
+      <p:sp>
+        <p:nvSpPr>
+          <p:cNvPr id="3" name="Notes Placeholder 2"/>
+          <p:cNvSpPr>
+            <a:spLocks noGrp="1"/>
+          </p:cNvSpPr>
+          <p:nvPr>
+            <p:ph type="body" idx="1"/>
+          </p:nvPr>
+        </p:nvSpPr>
+        <p:spPr/>
+        <p:txBody>
+          <a:bodyPr/>
+          <a:lstStyle/>
+          <a:p>
+            <a:endParaRPr lang="en-US"/>
+          </a:p>
+        </p:txBody>
+      </p:sp>
+      <p:sp>
+        <p:nvSpPr>
+          <p:cNvPr id="4" name="Slide Number Placeholder 3"/>
+          <p:cNvSpPr>
+            <a:spLocks noGrp="1"/>
+          </p:cNvSpPr>
+          <p:nvPr>
+            <p:ph type="sldNum" sz="quarter" idx="10"/>
+          </p:nvPr>
+        </p:nvSpPr>
+        <p:spPr/>
+        <p:txBody>
+          <a:bodyPr/>
+          <a:lstStyle/>
+          <a:p>
+            <a:fld id="{D9D1F544-0881-4744-B3EA-2D6E915275B0}" type="slidenum">
+              <a:rPr lang="en-US"/>
+              <a:t>7</a:t>
+            </a:fld>
+            <a:endParaRPr lang="en-US"/>
+          </a:p>
+        </p:txBody>
+      </p:sp>
+    </p:spTree>
+    <p:extLst>
+      <p:ext uri="{BB962C8B-B14F-4D97-AF65-F5344CB8AC3E}">
+        <p14:creationId xmlns:p14="http://schemas.microsoft.com/office/powerpoint/2010/main" val="3235877692"/>
       </p:ext>
     </p:extLst>
   </p:cSld>
@@ -882,7 +1904,7 @@
           <a:p>
             <a:fld id="{D9D1F544-0881-4744-B3EA-2D6E915275B0}" type="slidenum">
               <a:rPr lang="en-US"/>
-              <a:t>5</a:t>
+              <a:t>6</a:t>
             </a:fld>
             <a:endParaRPr lang="en-US"/>
           </a:p>
@@ -891,7 +1913,7 @@
     </p:spTree>
     <p:extLst>
       <p:ext uri="{BB962C8B-B14F-4D97-AF65-F5344CB8AC3E}">
-        <p14:creationId xmlns:p14="http://schemas.microsoft.com/office/powerpoint/2010/main" val="576295305"/>
+        <p14:creationId xmlns:p14="http://schemas.microsoft.com/office/powerpoint/2010/main" val="4213467741"/>
       </p:ext>
     </p:extLst>
   </p:cSld>
@@ -966,7 +1988,7 @@
           <a:p>
             <a:fld id="{D9D1F544-0881-4744-B3EA-2D6E915275B0}" type="slidenum">
               <a:rPr lang="en-US"/>
-              <a:t>6</a:t>
+              <a:t>‹#›</a:t>
             </a:fld>
             <a:endParaRPr lang="en-US"/>
           </a:p>
@@ -975,7 +1997,7 @@
     </p:spTree>
     <p:extLst>
       <p:ext uri="{BB962C8B-B14F-4D97-AF65-F5344CB8AC3E}">
-        <p14:creationId xmlns:p14="http://schemas.microsoft.com/office/powerpoint/2010/main" val="4213467741"/>
+        <p14:creationId xmlns:p14="http://schemas.microsoft.com/office/powerpoint/2010/main" val="1837446914"/>
       </p:ext>
     </p:extLst>
   </p:cSld>
@@ -1050,7 +2072,7 @@
           <a:p>
             <a:fld id="{D9D1F544-0881-4744-B3EA-2D6E915275B0}" type="slidenum">
               <a:rPr lang="en-US"/>
-              <a:t>7</a:t>
+              <a:t>‹#›</a:t>
             </a:fld>
             <a:endParaRPr lang="en-US"/>
           </a:p>
@@ -1059,7 +2081,175 @@
     </p:spTree>
     <p:extLst>
       <p:ext uri="{BB962C8B-B14F-4D97-AF65-F5344CB8AC3E}">
-        <p14:creationId xmlns:p14="http://schemas.microsoft.com/office/powerpoint/2010/main" val="3235877692"/>
+        <p14:creationId xmlns:p14="http://schemas.microsoft.com/office/powerpoint/2010/main" val="3275772792"/>
+      </p:ext>
+    </p:extLst>
+  </p:cSld>
+  <p:clrMapOvr>
+    <a:masterClrMapping/>
+  </p:clrMapOvr>
+</p:notes>
+</file>
+
+<file path=ppt/notesSlides/notesSlide8.xml><?xml version="1.0" encoding="utf-8"?>
+<p:notes xmlns:a="http://schemas.openxmlformats.org/drawingml/2006/main" xmlns:r="http://schemas.openxmlformats.org/officeDocument/2006/relationships" xmlns:p="http://schemas.openxmlformats.org/presentationml/2006/main">
+  <p:cSld>
+    <p:spTree>
+      <p:nvGrpSpPr>
+        <p:cNvPr id="1" name=""/>
+        <p:cNvGrpSpPr/>
+        <p:nvPr/>
+      </p:nvGrpSpPr>
+      <p:grpSpPr>
+        <a:xfrm>
+          <a:off x="0" y="0"/>
+          <a:ext cx="0" cy="0"/>
+          <a:chOff x="0" y="0"/>
+          <a:chExt cx="0" cy="0"/>
+        </a:xfrm>
+      </p:grpSpPr>
+      <p:sp>
+        <p:nvSpPr>
+          <p:cNvPr id="2" name="Slide Image Placeholder 1"/>
+          <p:cNvSpPr>
+            <a:spLocks noGrp="1" noRot="1" noChangeAspect="1"/>
+          </p:cNvSpPr>
+          <p:nvPr>
+            <p:ph type="sldImg"/>
+          </p:nvPr>
+        </p:nvSpPr>
+        <p:spPr/>
+      </p:sp>
+      <p:sp>
+        <p:nvSpPr>
+          <p:cNvPr id="3" name="Notes Placeholder 2"/>
+          <p:cNvSpPr>
+            <a:spLocks noGrp="1"/>
+          </p:cNvSpPr>
+          <p:nvPr>
+            <p:ph type="body" idx="1"/>
+          </p:nvPr>
+        </p:nvSpPr>
+        <p:spPr/>
+        <p:txBody>
+          <a:bodyPr/>
+          <a:lstStyle/>
+          <a:p>
+            <a:endParaRPr lang="en-US"/>
+          </a:p>
+        </p:txBody>
+      </p:sp>
+      <p:sp>
+        <p:nvSpPr>
+          <p:cNvPr id="4" name="Slide Number Placeholder 3"/>
+          <p:cNvSpPr>
+            <a:spLocks noGrp="1"/>
+          </p:cNvSpPr>
+          <p:nvPr>
+            <p:ph type="sldNum" sz="quarter" idx="10"/>
+          </p:nvPr>
+        </p:nvSpPr>
+        <p:spPr/>
+        <p:txBody>
+          <a:bodyPr/>
+          <a:lstStyle/>
+          <a:p>
+            <a:fld id="{D9D1F544-0881-4744-B3EA-2D6E915275B0}" type="slidenum">
+              <a:rPr lang="en-US"/>
+              <a:t>‹#›</a:t>
+            </a:fld>
+            <a:endParaRPr lang="en-US"/>
+          </a:p>
+        </p:txBody>
+      </p:sp>
+    </p:spTree>
+    <p:extLst>
+      <p:ext uri="{BB962C8B-B14F-4D97-AF65-F5344CB8AC3E}">
+        <p14:creationId xmlns:p14="http://schemas.microsoft.com/office/powerpoint/2010/main" val="1500883066"/>
+      </p:ext>
+    </p:extLst>
+  </p:cSld>
+  <p:clrMapOvr>
+    <a:masterClrMapping/>
+  </p:clrMapOvr>
+</p:notes>
+</file>
+
+<file path=ppt/notesSlides/notesSlide9.xml><?xml version="1.0" encoding="utf-8"?>
+<p:notes xmlns:a="http://schemas.openxmlformats.org/drawingml/2006/main" xmlns:r="http://schemas.openxmlformats.org/officeDocument/2006/relationships" xmlns:p="http://schemas.openxmlformats.org/presentationml/2006/main">
+  <p:cSld>
+    <p:spTree>
+      <p:nvGrpSpPr>
+        <p:cNvPr id="1" name=""/>
+        <p:cNvGrpSpPr/>
+        <p:nvPr/>
+      </p:nvGrpSpPr>
+      <p:grpSpPr>
+        <a:xfrm>
+          <a:off x="0" y="0"/>
+          <a:ext cx="0" cy="0"/>
+          <a:chOff x="0" y="0"/>
+          <a:chExt cx="0" cy="0"/>
+        </a:xfrm>
+      </p:grpSpPr>
+      <p:sp>
+        <p:nvSpPr>
+          <p:cNvPr id="2" name="Slide Image Placeholder 1"/>
+          <p:cNvSpPr>
+            <a:spLocks noGrp="1" noRot="1" noChangeAspect="1"/>
+          </p:cNvSpPr>
+          <p:nvPr>
+            <p:ph type="sldImg"/>
+          </p:nvPr>
+        </p:nvSpPr>
+        <p:spPr/>
+      </p:sp>
+      <p:sp>
+        <p:nvSpPr>
+          <p:cNvPr id="3" name="Notes Placeholder 2"/>
+          <p:cNvSpPr>
+            <a:spLocks noGrp="1"/>
+          </p:cNvSpPr>
+          <p:nvPr>
+            <p:ph type="body" idx="1"/>
+          </p:nvPr>
+        </p:nvSpPr>
+        <p:spPr/>
+        <p:txBody>
+          <a:bodyPr/>
+          <a:lstStyle/>
+          <a:p>
+            <a:endParaRPr lang="en-US"/>
+          </a:p>
+        </p:txBody>
+      </p:sp>
+      <p:sp>
+        <p:nvSpPr>
+          <p:cNvPr id="4" name="Slide Number Placeholder 3"/>
+          <p:cNvSpPr>
+            <a:spLocks noGrp="1"/>
+          </p:cNvSpPr>
+          <p:nvPr>
+            <p:ph type="sldNum" sz="quarter" idx="10"/>
+          </p:nvPr>
+        </p:nvSpPr>
+        <p:spPr/>
+        <p:txBody>
+          <a:bodyPr/>
+          <a:lstStyle/>
+          <a:p>
+            <a:fld id="{D9D1F544-0881-4744-B3EA-2D6E915275B0}" type="slidenum">
+              <a:rPr lang="en-US"/>
+              <a:t>‹#›</a:t>
+            </a:fld>
+            <a:endParaRPr lang="en-US"/>
+          </a:p>
+        </p:txBody>
+      </p:sp>
+    </p:spTree>
+    <p:extLst>
+      <p:ext uri="{BB962C8B-B14F-4D97-AF65-F5344CB8AC3E}">
+        <p14:creationId xmlns:p14="http://schemas.microsoft.com/office/powerpoint/2010/main" val="3052203197"/>
       </p:ext>
     </p:extLst>
   </p:cSld>
@@ -4708,6 +5898,1094 @@
 </p:sld>
 </file>
 
+<file path=ppt/slides/slide10.xml><?xml version="1.0" encoding="utf-8"?>
+<p:sld xmlns:a="http://schemas.openxmlformats.org/drawingml/2006/main" xmlns:r="http://schemas.openxmlformats.org/officeDocument/2006/relationships" xmlns:p="http://schemas.openxmlformats.org/presentationml/2006/main">
+  <p:cSld>
+    <p:spTree>
+      <p:nvGrpSpPr>
+        <p:cNvPr id="1" name=""/>
+        <p:cNvGrpSpPr/>
+        <p:nvPr/>
+      </p:nvGrpSpPr>
+      <p:grpSpPr>
+        <a:xfrm>
+          <a:off x="0" y="0"/>
+          <a:ext cx="0" cy="0"/>
+          <a:chOff x="0" y="0"/>
+          <a:chExt cx="0" cy="0"/>
+        </a:xfrm>
+      </p:grpSpPr>
+      <p:sp>
+        <p:nvSpPr>
+          <p:cNvPr id="2" name="Title 1"/>
+          <p:cNvSpPr>
+            <a:spLocks noGrp="1"/>
+          </p:cNvSpPr>
+          <p:nvPr>
+            <p:ph type="title"/>
+          </p:nvPr>
+        </p:nvSpPr>
+        <p:spPr/>
+        <p:txBody>
+          <a:bodyPr/>
+          <a:lstStyle/>
+          <a:p>
+            <a:r>
+              <a:rPr lang="en-US" dirty="0"/>
+              <a:t>Identity </a:t>
+            </a:r>
+            <a:r>
+              <a:rPr lang="en-US" dirty="0" err="1"/>
+              <a:t>i</a:t>
+            </a:r>
+            <a:r>
+              <a:rPr lang="en-US" dirty="0"/>
+              <a:t> ID użytkownika</a:t>
+            </a:r>
+          </a:p>
+        </p:txBody>
+      </p:sp>
+      <p:sp>
+        <p:nvSpPr>
+          <p:cNvPr id="3" name="Content Placeholder 2"/>
+          <p:cNvSpPr>
+            <a:spLocks noGrp="1"/>
+          </p:cNvSpPr>
+          <p:nvPr>
+            <p:ph idx="1"/>
+          </p:nvPr>
+        </p:nvSpPr>
+        <p:spPr/>
+        <p:txBody>
+          <a:bodyPr/>
+          <a:lstStyle/>
+          <a:p>
+            <a:r>
+              <a:rPr lang="en-US" dirty="0"/>
+              <a:t>ID użytkownika to ciąg znaków, dokładniej losowy GUID. </a:t>
+            </a:r>
+          </a:p>
+          <a:p>
+            <a:r>
+              <a:rPr lang="en-US" dirty="0"/>
+              <a:t>Entity Framework tego nie polubił za pierwszym spotkaniem.</a:t>
+            </a:r>
+          </a:p>
+          <a:p>
+            <a:r>
+              <a:rPr lang="en-US" dirty="0"/>
+              <a:t>Zmiana string -&gt; int == ~10 klas do zaimplementowania na nowo.</a:t>
+            </a:r>
+          </a:p>
+          <a:p>
+            <a:endParaRPr lang="pl-PL" dirty="0"/>
+          </a:p>
+          <a:p>
+            <a:r>
+              <a:rPr lang="en-US" dirty="0"/>
+              <a:t>Plus dla Code First, że da się do tego dostosować projekt w mniej niż 10 minut.</a:t>
+            </a:r>
+          </a:p>
+        </p:txBody>
+      </p:sp>
+    </p:spTree>
+    <p:extLst>
+      <p:ext uri="{BB962C8B-B14F-4D97-AF65-F5344CB8AC3E}">
+        <p14:creationId xmlns:p14="http://schemas.microsoft.com/office/powerpoint/2010/main" val="3761830177"/>
+      </p:ext>
+    </p:extLst>
+  </p:cSld>
+  <p:clrMapOvr>
+    <a:masterClrMapping/>
+  </p:clrMapOvr>
+</p:sld>
+</file>
+
+<file path=ppt/slides/slide11.xml><?xml version="1.0" encoding="utf-8"?>
+<p:sld xmlns:a="http://schemas.openxmlformats.org/drawingml/2006/main" xmlns:r="http://schemas.openxmlformats.org/officeDocument/2006/relationships" xmlns:p="http://schemas.openxmlformats.org/presentationml/2006/main">
+  <p:cSld>
+    <p:spTree>
+      <p:nvGrpSpPr>
+        <p:cNvPr id="1" name=""/>
+        <p:cNvGrpSpPr/>
+        <p:nvPr/>
+      </p:nvGrpSpPr>
+      <p:grpSpPr>
+        <a:xfrm>
+          <a:off x="0" y="0"/>
+          <a:ext cx="0" cy="0"/>
+          <a:chOff x="0" y="0"/>
+          <a:chExt cx="0" cy="0"/>
+        </a:xfrm>
+      </p:grpSpPr>
+      <p:sp>
+        <p:nvSpPr>
+          <p:cNvPr id="2" name="Title 1"/>
+          <p:cNvSpPr>
+            <a:spLocks noGrp="1"/>
+          </p:cNvSpPr>
+          <p:nvPr>
+            <p:ph type="title"/>
+          </p:nvPr>
+        </p:nvSpPr>
+        <p:spPr>
+          <a:xfrm>
+            <a:off x="-151979" y="-18458"/>
+            <a:ext cx="9137472" cy="1398587"/>
+          </a:xfrm>
+        </p:spPr>
+        <p:txBody>
+          <a:bodyPr/>
+          <a:lstStyle/>
+          <a:p>
+            <a:r>
+              <a:rPr lang="en-US" dirty="0"/>
+              <a:t>Drugie wiadro hejtu...</a:t>
+            </a:r>
+          </a:p>
+        </p:txBody>
+      </p:sp>
+      <p:pic>
+        <p:nvPicPr>
+          <p:cNvPr id="4" name="Content Placeholder 3" descr="83889[1].png"/>
+          <p:cNvPicPr>
+            <a:picLocks noGrp="1" noChangeAspect="1"/>
+          </p:cNvPicPr>
+          <p:nvPr>
+            <p:ph idx="1"/>
+          </p:nvPr>
+        </p:nvPicPr>
+        <p:blipFill>
+          <a:blip r:embed="rId3"/>
+          <a:stretch>
+            <a:fillRect/>
+          </a:stretch>
+        </p:blipFill>
+        <p:spPr>
+          <a:xfrm>
+            <a:off x="1212258" y="1530197"/>
+            <a:ext cx="5050430" cy="5270653"/>
+          </a:xfrm>
+        </p:spPr>
+      </p:pic>
+    </p:spTree>
+    <p:extLst>
+      <p:ext uri="{BB962C8B-B14F-4D97-AF65-F5344CB8AC3E}">
+        <p14:creationId xmlns:p14="http://schemas.microsoft.com/office/powerpoint/2010/main" val="932891477"/>
+      </p:ext>
+    </p:extLst>
+  </p:cSld>
+  <p:clrMapOvr>
+    <a:masterClrMapping/>
+  </p:clrMapOvr>
+</p:sld>
+</file>
+
+<file path=ppt/slides/slide12.xml><?xml version="1.0" encoding="utf-8"?>
+<p:sld xmlns:a="http://schemas.openxmlformats.org/drawingml/2006/main" xmlns:r="http://schemas.openxmlformats.org/officeDocument/2006/relationships" xmlns:p="http://schemas.openxmlformats.org/presentationml/2006/main">
+  <p:cSld>
+    <p:spTree>
+      <p:nvGrpSpPr>
+        <p:cNvPr id="1" name=""/>
+        <p:cNvGrpSpPr/>
+        <p:nvPr/>
+      </p:nvGrpSpPr>
+      <p:grpSpPr>
+        <a:xfrm>
+          <a:off x="0" y="0"/>
+          <a:ext cx="0" cy="0"/>
+          <a:chOff x="0" y="0"/>
+          <a:chExt cx="0" cy="0"/>
+        </a:xfrm>
+      </p:grpSpPr>
+      <p:sp>
+        <p:nvSpPr>
+          <p:cNvPr id="2" name="Title 1"/>
+          <p:cNvSpPr>
+            <a:spLocks noGrp="1"/>
+          </p:cNvSpPr>
+          <p:nvPr>
+            <p:ph type="title"/>
+          </p:nvPr>
+        </p:nvSpPr>
+        <p:spPr/>
+        <p:txBody>
+          <a:bodyPr/>
+          <a:lstStyle/>
+          <a:p>
+            <a:r>
+              <a:rPr lang="en-US" dirty="0"/>
+              <a:t>Entity Framework to ORM</a:t>
+            </a:r>
+          </a:p>
+        </p:txBody>
+      </p:sp>
+      <p:sp>
+        <p:nvSpPr>
+          <p:cNvPr id="3" name="Content Placeholder 2"/>
+          <p:cNvSpPr>
+            <a:spLocks noGrp="1"/>
+          </p:cNvSpPr>
+          <p:nvPr>
+            <p:ph idx="1"/>
+          </p:nvPr>
+        </p:nvSpPr>
+        <p:spPr/>
+        <p:txBody>
+          <a:bodyPr/>
+          <a:lstStyle/>
+          <a:p>
+            <a:r>
+              <a:rPr lang="en-US" dirty="0"/>
+              <a:t>ORM = Object Relational Mapper</a:t>
+            </a:r>
+          </a:p>
+          <a:p>
+            <a:r>
+              <a:rPr lang="en-US" dirty="0"/>
+              <a:t>Szczytna idea bezproblemowej pracy wyłącznie z obiektami wyłącznie w kodzie, bez względu na typ/producenta bazy danych</a:t>
+            </a:r>
+          </a:p>
+          <a:p>
+            <a:r>
+              <a:rPr lang="en-US" i="1" dirty="0"/>
+              <a:t>Słowa kluczowe:</a:t>
+            </a:r>
+            <a:r>
+              <a:rPr lang="en-US" dirty="0"/>
+              <a:t> kłamstwa, szybkość ślimaka, problemy, brak skalowalności (i.e. data sharding), wzrost obciążenia bazy danych, SELECT *</a:t>
+            </a:r>
+          </a:p>
+        </p:txBody>
+      </p:sp>
+    </p:spTree>
+    <p:extLst>
+      <p:ext uri="{BB962C8B-B14F-4D97-AF65-F5344CB8AC3E}">
+        <p14:creationId xmlns:p14="http://schemas.microsoft.com/office/powerpoint/2010/main" val="332076220"/>
+      </p:ext>
+    </p:extLst>
+  </p:cSld>
+  <p:clrMapOvr>
+    <a:masterClrMapping/>
+  </p:clrMapOvr>
+</p:sld>
+</file>
+
+<file path=ppt/slides/slide13.xml><?xml version="1.0" encoding="utf-8"?>
+<p:sld xmlns:a="http://schemas.openxmlformats.org/drawingml/2006/main" xmlns:r="http://schemas.openxmlformats.org/officeDocument/2006/relationships" xmlns:p="http://schemas.openxmlformats.org/presentationml/2006/main">
+  <p:cSld>
+    <p:spTree>
+      <p:nvGrpSpPr>
+        <p:cNvPr id="1" name=""/>
+        <p:cNvGrpSpPr/>
+        <p:nvPr/>
+      </p:nvGrpSpPr>
+      <p:grpSpPr>
+        <a:xfrm>
+          <a:off x="0" y="0"/>
+          <a:ext cx="0" cy="0"/>
+          <a:chOff x="0" y="0"/>
+          <a:chExt cx="0" cy="0"/>
+        </a:xfrm>
+      </p:grpSpPr>
+      <p:sp>
+        <p:nvSpPr>
+          <p:cNvPr id="2" name="Title 1"/>
+          <p:cNvSpPr>
+            <a:spLocks noGrp="1"/>
+          </p:cNvSpPr>
+          <p:nvPr>
+            <p:ph type="title"/>
+          </p:nvPr>
+        </p:nvSpPr>
+        <p:spPr/>
+        <p:txBody>
+          <a:bodyPr/>
+          <a:lstStyle/>
+          <a:p>
+            <a:r>
+              <a:rPr lang="en-US" dirty="0"/>
+              <a:t>Czy EF jest zły?</a:t>
+            </a:r>
+          </a:p>
+        </p:txBody>
+      </p:sp>
+      <p:sp>
+        <p:nvSpPr>
+          <p:cNvPr id="3" name="Content Placeholder 2"/>
+          <p:cNvSpPr>
+            <a:spLocks noGrp="1"/>
+          </p:cNvSpPr>
+          <p:nvPr>
+            <p:ph idx="1"/>
+          </p:nvPr>
+        </p:nvSpPr>
+        <p:spPr/>
+        <p:txBody>
+          <a:bodyPr/>
+          <a:lstStyle/>
+          <a:p>
+            <a:r>
+              <a:rPr lang="en-US" dirty="0"/>
+              <a:t>Cytując klasyka: ma swoje miejsce. </a:t>
+            </a:r>
+          </a:p>
+          <a:p>
+            <a:r>
+              <a:rPr lang="en-US" dirty="0"/>
+              <a:t>Wygoda ma swoją cenę w postaci praktycznie wolniejszej aplikacji, problemów z relacjami między obiektami, procedurami w bazie.</a:t>
+            </a:r>
+          </a:p>
+          <a:p>
+            <a:r>
+              <a:rPr lang="en-US" dirty="0"/>
+              <a:t>O systemie cache'u nawet nie wspominam.</a:t>
+            </a:r>
+          </a:p>
+        </p:txBody>
+      </p:sp>
+    </p:spTree>
+    <p:extLst>
+      <p:ext uri="{BB962C8B-B14F-4D97-AF65-F5344CB8AC3E}">
+        <p14:creationId xmlns:p14="http://schemas.microsoft.com/office/powerpoint/2010/main" val="2545030632"/>
+      </p:ext>
+    </p:extLst>
+  </p:cSld>
+  <p:clrMapOvr>
+    <a:masterClrMapping/>
+  </p:clrMapOvr>
+</p:sld>
+</file>
+
+<file path=ppt/slides/slide14.xml><?xml version="1.0" encoding="utf-8"?>
+<p:sld xmlns:a="http://schemas.openxmlformats.org/drawingml/2006/main" xmlns:r="http://schemas.openxmlformats.org/officeDocument/2006/relationships" xmlns:p="http://schemas.openxmlformats.org/presentationml/2006/main">
+  <p:cSld>
+    <p:spTree>
+      <p:nvGrpSpPr>
+        <p:cNvPr id="1" name=""/>
+        <p:cNvGrpSpPr/>
+        <p:nvPr/>
+      </p:nvGrpSpPr>
+      <p:grpSpPr>
+        <a:xfrm>
+          <a:off x="0" y="0"/>
+          <a:ext cx="0" cy="0"/>
+          <a:chOff x="0" y="0"/>
+          <a:chExt cx="0" cy="0"/>
+        </a:xfrm>
+      </p:grpSpPr>
+      <p:sp>
+        <p:nvSpPr>
+          <p:cNvPr id="2" name="Title 1"/>
+          <p:cNvSpPr>
+            <a:spLocks noGrp="1"/>
+          </p:cNvSpPr>
+          <p:nvPr>
+            <p:ph type="title"/>
+          </p:nvPr>
+        </p:nvSpPr>
+        <p:spPr/>
+        <p:txBody>
+          <a:bodyPr/>
+          <a:lstStyle/>
+          <a:p>
+            <a:r>
+              <a:rPr lang="en-US" dirty="0"/>
+              <a:t>ORM wydajnościowo...</a:t>
+            </a:r>
+          </a:p>
+        </p:txBody>
+      </p:sp>
+      <p:sp>
+        <p:nvSpPr>
+          <p:cNvPr id="3" name="Content Placeholder 2"/>
+          <p:cNvSpPr>
+            <a:spLocks noGrp="1"/>
+          </p:cNvSpPr>
+          <p:nvPr>
+            <p:ph idx="1"/>
+          </p:nvPr>
+        </p:nvSpPr>
+        <p:spPr/>
+        <p:txBody>
+          <a:bodyPr>
+            <a:normAutofit fontScale="92500" lnSpcReduction="20000"/>
+          </a:bodyPr>
+          <a:lstStyle/>
+          <a:p>
+            <a:r>
+              <a:rPr lang="en-US" dirty="0"/>
+              <a:t>... </a:t>
+            </a:r>
+            <a:r>
+              <a:rPr lang="en-US" dirty="0">
+                <a:latin typeface="Century Gothic" charset="0"/>
+              </a:rPr>
+              <a:t>jest kiepski, bo uruchomienie docspin'a zajmuje średnio dwie minuty</a:t>
+            </a:r>
+          </a:p>
+          <a:p>
+            <a:r>
+              <a:rPr lang="en-US" dirty="0">
+                <a:latin typeface="Century Gothic" charset="0"/>
+              </a:rPr>
+              <a:t>... jest dobry, ale tylko </a:t>
+            </a:r>
+            <a:r>
+              <a:rPr lang="en-US" dirty="0"/>
+              <a:t>jeśli jest to</a:t>
+            </a:r>
+            <a:br>
+              <a:rPr lang="en-US" dirty="0"/>
+            </a:br>
+            <a:r>
+              <a:rPr lang="en-US" dirty="0"/>
+              <a:t>tzw "slim </a:t>
+            </a:r>
+            <a:r>
+              <a:rPr lang="en-US" dirty="0" err="1"/>
+              <a:t>ORM</a:t>
+            </a:r>
+            <a:r>
+              <a:rPr lang="en-US" dirty="0"/>
+              <a:t>".</a:t>
+            </a:r>
+          </a:p>
+          <a:p>
+            <a:r>
+              <a:rPr lang="en-US" dirty="0"/>
+              <a:t>Jest to rozwiązanie dobre jeśli wydajność jest kluczowa, a użytkownik wie jak pisać zapytania SQL.</a:t>
+            </a:r>
+          </a:p>
+          <a:p>
+            <a:endParaRPr lang="en-US" dirty="0"/>
+          </a:p>
+          <a:p>
+            <a:r>
+              <a:rPr lang="en-US" dirty="0"/>
+              <a:t>Prosty slim ORM razem z systemem CRUD to jakieś 1,5k linii w PHP (sam pisałem :P ) </a:t>
+            </a:r>
+            <a:r>
+              <a:rPr lang="en-US" dirty="0" err="1"/>
+              <a:t>i</a:t>
+            </a:r>
+            <a:r>
+              <a:rPr lang="en-US" dirty="0"/>
+              <a:t> pomijalny narzut obciążeniowy</a:t>
+            </a:r>
+          </a:p>
+        </p:txBody>
+      </p:sp>
+    </p:spTree>
+    <p:extLst>
+      <p:ext uri="{BB962C8B-B14F-4D97-AF65-F5344CB8AC3E}">
+        <p14:creationId xmlns:p14="http://schemas.microsoft.com/office/powerpoint/2010/main" val="1104519949"/>
+      </p:ext>
+    </p:extLst>
+  </p:cSld>
+  <p:clrMapOvr>
+    <a:masterClrMapping/>
+  </p:clrMapOvr>
+</p:sld>
+</file>
+
+<file path=ppt/slides/slide15.xml><?xml version="1.0" encoding="utf-8"?>
+<p:sld xmlns:a="http://schemas.openxmlformats.org/drawingml/2006/main" xmlns:r="http://schemas.openxmlformats.org/officeDocument/2006/relationships" xmlns:p="http://schemas.openxmlformats.org/presentationml/2006/main">
+  <p:cSld>
+    <p:spTree>
+      <p:nvGrpSpPr>
+        <p:cNvPr id="1" name=""/>
+        <p:cNvGrpSpPr/>
+        <p:nvPr/>
+      </p:nvGrpSpPr>
+      <p:grpSpPr>
+        <a:xfrm>
+          <a:off x="0" y="0"/>
+          <a:ext cx="0" cy="0"/>
+          <a:chOff x="0" y="0"/>
+          <a:chExt cx="0" cy="0"/>
+        </a:xfrm>
+      </p:grpSpPr>
+      <p:sp>
+        <p:nvSpPr>
+          <p:cNvPr id="2" name="Title 1"/>
+          <p:cNvSpPr>
+            <a:spLocks noGrp="1"/>
+          </p:cNvSpPr>
+          <p:nvPr>
+            <p:ph type="title"/>
+          </p:nvPr>
+        </p:nvSpPr>
+        <p:spPr/>
+        <p:txBody>
+          <a:bodyPr/>
+          <a:lstStyle/>
+          <a:p>
+            <a:r>
+              <a:rPr lang="en-US" dirty="0"/>
+              <a:t>Identity, Model First, EF, ...</a:t>
+            </a:r>
+          </a:p>
+        </p:txBody>
+      </p:sp>
+      <p:sp>
+        <p:nvSpPr>
+          <p:cNvPr id="3" name="Content Placeholder 2"/>
+          <p:cNvSpPr>
+            <a:spLocks noGrp="1"/>
+          </p:cNvSpPr>
+          <p:nvPr>
+            <p:ph idx="1"/>
+          </p:nvPr>
+        </p:nvSpPr>
+        <p:spPr>
+          <a:xfrm>
+            <a:off x="457200" y="1524344"/>
+            <a:ext cx="8229600" cy="5121595"/>
+          </a:xfrm>
+        </p:spPr>
+        <p:txBody>
+          <a:bodyPr>
+            <a:normAutofit fontScale="85000" lnSpcReduction="20000"/>
+          </a:bodyPr>
+          <a:lstStyle/>
+          <a:p>
+            <a:r>
+              <a:rPr lang="en-US" dirty="0"/>
+              <a:t>Bindowanie modeli w MVC działa wyłącznie jeśli model ma właściwości a nie zmienne (WTF lvl over 9000)</a:t>
+            </a:r>
+          </a:p>
+          <a:p>
+            <a:r>
+              <a:rPr lang="en-US" dirty="0"/>
+              <a:t>Różnica między zmienną typu instancji obiektu a interfejsem potrafi wysypać całą aplikację</a:t>
+            </a:r>
+          </a:p>
+          <a:p>
+            <a:r>
+              <a:rPr lang="en-US" dirty="0"/>
+              <a:t>Razor błędy w wykonaniu pokazuje dwufazowo: w VS (kompletnie pozbawione sensu </a:t>
+            </a:r>
+            <a:r>
+              <a:rPr lang="en-US" dirty="0" err="1"/>
+              <a:t>i</a:t>
+            </a:r>
+            <a:r>
+              <a:rPr lang="en-US" dirty="0"/>
+              <a:t> kontekstu) oraz w przeglądarce</a:t>
+            </a:r>
+          </a:p>
+          <a:p>
+            <a:r>
+              <a:rPr lang="en-US" dirty="0"/>
+              <a:t>Wczytywanie powiązanych obiektów ma bardzo dziwną składnię</a:t>
+            </a:r>
+          </a:p>
+          <a:p>
+            <a:r>
+              <a:rPr lang="en-US" dirty="0"/>
+              <a:t>Dostęp do obiektów kontekstu Http poza kontrolerem to dość długa linia kodu, a wczytanie obiektu użytkownika bez EF przypomina pisanie poezji (dosłownie)</a:t>
+            </a:r>
+          </a:p>
+        </p:txBody>
+      </p:sp>
+    </p:spTree>
+    <p:extLst>
+      <p:ext uri="{BB962C8B-B14F-4D97-AF65-F5344CB8AC3E}">
+        <p14:creationId xmlns:p14="http://schemas.microsoft.com/office/powerpoint/2010/main" val="4053780431"/>
+      </p:ext>
+    </p:extLst>
+  </p:cSld>
+  <p:clrMapOvr>
+    <a:masterClrMapping/>
+  </p:clrMapOvr>
+</p:sld>
+</file>
+
+<file path=ppt/slides/slide16.xml><?xml version="1.0" encoding="utf-8"?>
+<p:sld xmlns:a="http://schemas.openxmlformats.org/drawingml/2006/main" xmlns:r="http://schemas.openxmlformats.org/officeDocument/2006/relationships" xmlns:p="http://schemas.openxmlformats.org/presentationml/2006/main">
+  <p:cSld>
+    <p:spTree>
+      <p:nvGrpSpPr>
+        <p:cNvPr id="1" name=""/>
+        <p:cNvGrpSpPr/>
+        <p:nvPr/>
+      </p:nvGrpSpPr>
+      <p:grpSpPr>
+        <a:xfrm>
+          <a:off x="0" y="0"/>
+          <a:ext cx="0" cy="0"/>
+          <a:chOff x="0" y="0"/>
+          <a:chExt cx="0" cy="0"/>
+        </a:xfrm>
+      </p:grpSpPr>
+      <p:sp>
+        <p:nvSpPr>
+          <p:cNvPr id="2" name="Title 1"/>
+          <p:cNvSpPr>
+            <a:spLocks noGrp="1"/>
+          </p:cNvSpPr>
+          <p:nvPr>
+            <p:ph type="title"/>
+          </p:nvPr>
+        </p:nvSpPr>
+        <p:spPr/>
+        <p:txBody>
+          <a:bodyPr/>
+          <a:lstStyle/>
+          <a:p>
+            <a:r>
+              <a:rPr lang="en-US" dirty="0"/>
+              <a:t>I tak dalej, </a:t>
+            </a:r>
+            <a:r>
+              <a:rPr lang="en-US" dirty="0" err="1"/>
+              <a:t>i</a:t>
+            </a:r>
+            <a:r>
+              <a:rPr lang="en-US" dirty="0"/>
+              <a:t> tak dalej...</a:t>
+            </a:r>
+          </a:p>
+        </p:txBody>
+      </p:sp>
+      <p:sp>
+        <p:nvSpPr>
+          <p:cNvPr id="3" name="Content Placeholder 2"/>
+          <p:cNvSpPr>
+            <a:spLocks noGrp="1"/>
+          </p:cNvSpPr>
+          <p:nvPr>
+            <p:ph idx="1"/>
+          </p:nvPr>
+        </p:nvSpPr>
+        <p:spPr/>
+        <p:txBody>
+          <a:bodyPr/>
+          <a:lstStyle/>
+          <a:p>
+            <a:r>
+              <a:rPr lang="en-US" dirty="0"/>
+              <a:t>[NotMapped]</a:t>
+            </a:r>
+          </a:p>
+          <a:p>
+            <a:r>
+              <a:rPr lang="en-US" dirty="0"/>
+              <a:t>Konfliktujące konteksty bazy danych</a:t>
+            </a:r>
+          </a:p>
+          <a:p>
+            <a:r>
+              <a:rPr lang="en-US" dirty="0"/>
+              <a:t>@ w Razor</a:t>
+            </a:r>
+          </a:p>
+          <a:p>
+            <a:r>
+              <a:rPr lang="en-US" dirty="0"/>
+              <a:t>Session</a:t>
+            </a:r>
+          </a:p>
+          <a:p>
+            <a:r>
+              <a:rPr lang="en-US" dirty="0"/>
+              <a:t>Migrations</a:t>
+            </a:r>
+          </a:p>
+        </p:txBody>
+      </p:sp>
+      <p:pic>
+        <p:nvPicPr>
+          <p:cNvPr id="4" name="Picture 3" descr="5400783+_bcee43d51b91a12592cc1f87e425789f[1].png"/>
+          <p:cNvPicPr>
+            <a:picLocks noChangeAspect="1"/>
+          </p:cNvPicPr>
+          <p:nvPr/>
+        </p:nvPicPr>
+        <p:blipFill>
+          <a:blip r:embed="rId3"/>
+          <a:stretch>
+            <a:fillRect/>
+          </a:stretch>
+        </p:blipFill>
+        <p:spPr>
+          <a:xfrm>
+            <a:off x="3196015" y="3124697"/>
+            <a:ext cx="1623995" cy="1337450"/>
+          </a:xfrm>
+          <a:prstGeom prst="rect">
+            <a:avLst/>
+          </a:prstGeom>
+        </p:spPr>
+      </p:pic>
+      <p:sp>
+        <p:nvSpPr>
+          <p:cNvPr id="6" name="Rectangle 5"/>
+          <p:cNvSpPr/>
+          <p:nvPr/>
+        </p:nvSpPr>
+        <p:spPr>
+          <a:xfrm>
+            <a:off x="4175678" y="4231102"/>
+            <a:ext cx="663498" cy="233380"/>
+          </a:xfrm>
+          <a:prstGeom prst="rect">
+            <a:avLst/>
+          </a:prstGeom>
+        </p:spPr>
+        <p:style>
+          <a:lnRef idx="2">
+            <a:schemeClr val="accent1">
+              <a:shade val="50000"/>
+            </a:schemeClr>
+          </a:lnRef>
+          <a:fillRef idx="1">
+            <a:schemeClr val="accent1"/>
+          </a:fillRef>
+          <a:effectRef idx="0">
+            <a:schemeClr val="accent1"/>
+          </a:effectRef>
+          <a:fontRef idx="minor">
+            <a:schemeClr val="lt1"/>
+          </a:fontRef>
+        </p:style>
+        <p:txBody>
+          <a:bodyPr rtlCol="0" anchor="ctr"/>
+          <a:lstStyle/>
+          <a:p>
+            <a:pPr algn="ctr"/>
+            <a:endParaRPr lang="en-US"/>
+          </a:p>
+        </p:txBody>
+      </p:sp>
+    </p:spTree>
+    <p:extLst>
+      <p:ext uri="{BB962C8B-B14F-4D97-AF65-F5344CB8AC3E}">
+        <p14:creationId xmlns:p14="http://schemas.microsoft.com/office/powerpoint/2010/main" val="571466273"/>
+      </p:ext>
+    </p:extLst>
+  </p:cSld>
+  <p:clrMapOvr>
+    <a:masterClrMapping/>
+  </p:clrMapOvr>
+</p:sld>
+</file>
+
+<file path=ppt/slides/slide17.xml><?xml version="1.0" encoding="utf-8"?>
+<p:sld xmlns:a="http://schemas.openxmlformats.org/drawingml/2006/main" xmlns:r="http://schemas.openxmlformats.org/officeDocument/2006/relationships" xmlns:p="http://schemas.openxmlformats.org/presentationml/2006/main">
+  <p:cSld>
+    <p:spTree>
+      <p:nvGrpSpPr>
+        <p:cNvPr id="1" name=""/>
+        <p:cNvGrpSpPr/>
+        <p:nvPr/>
+      </p:nvGrpSpPr>
+      <p:grpSpPr>
+        <a:xfrm>
+          <a:off x="0" y="0"/>
+          <a:ext cx="0" cy="0"/>
+          <a:chOff x="0" y="0"/>
+          <a:chExt cx="0" cy="0"/>
+        </a:xfrm>
+      </p:grpSpPr>
+      <p:sp>
+        <p:nvSpPr>
+          <p:cNvPr id="2" name="Title 1"/>
+          <p:cNvSpPr>
+            <a:spLocks noGrp="1"/>
+          </p:cNvSpPr>
+          <p:nvPr>
+            <p:ph type="title"/>
+          </p:nvPr>
+        </p:nvSpPr>
+        <p:spPr>
+          <a:xfrm>
+            <a:off x="1747555" y="1629536"/>
+            <a:ext cx="8229600" cy="1399032"/>
+          </a:xfrm>
+        </p:spPr>
+        <p:txBody>
+          <a:bodyPr/>
+          <a:lstStyle/>
+          <a:p>
+            <a:r>
+              <a:rPr lang="en-US" dirty="0"/>
+              <a:t>Są jednak plusy.</a:t>
+            </a:r>
+          </a:p>
+        </p:txBody>
+      </p:sp>
+      <p:pic>
+        <p:nvPicPr>
+          <p:cNvPr id="4" name="Content Placeholder 3" descr="like[1].png"/>
+          <p:cNvPicPr>
+            <a:picLocks noGrp="1" noChangeAspect="1"/>
+          </p:cNvPicPr>
+          <p:nvPr>
+            <p:ph idx="1"/>
+          </p:nvPr>
+        </p:nvPicPr>
+        <p:blipFill>
+          <a:blip r:embed="rId3"/>
+          <a:stretch>
+            <a:fillRect/>
+          </a:stretch>
+        </p:blipFill>
+        <p:spPr>
+          <a:xfrm>
+            <a:off x="2444572" y="3656997"/>
+            <a:ext cx="3836684" cy="1676417"/>
+          </a:xfrm>
+        </p:spPr>
+      </p:pic>
+    </p:spTree>
+    <p:extLst>
+      <p:ext uri="{BB962C8B-B14F-4D97-AF65-F5344CB8AC3E}">
+        <p14:creationId xmlns:p14="http://schemas.microsoft.com/office/powerpoint/2010/main" val="2616078675"/>
+      </p:ext>
+    </p:extLst>
+  </p:cSld>
+  <p:clrMapOvr>
+    <a:masterClrMapping/>
+  </p:clrMapOvr>
+</p:sld>
+</file>
+
+<file path=ppt/slides/slide18.xml><?xml version="1.0" encoding="utf-8"?>
+<p:sld xmlns:a="http://schemas.openxmlformats.org/drawingml/2006/main" xmlns:r="http://schemas.openxmlformats.org/officeDocument/2006/relationships" xmlns:p="http://schemas.openxmlformats.org/presentationml/2006/main">
+  <p:cSld>
+    <p:spTree>
+      <p:nvGrpSpPr>
+        <p:cNvPr id="1" name=""/>
+        <p:cNvGrpSpPr/>
+        <p:nvPr/>
+      </p:nvGrpSpPr>
+      <p:grpSpPr>
+        <a:xfrm>
+          <a:off x="0" y="0"/>
+          <a:ext cx="0" cy="0"/>
+          <a:chOff x="0" y="0"/>
+          <a:chExt cx="0" cy="0"/>
+        </a:xfrm>
+      </p:grpSpPr>
+      <p:sp>
+        <p:nvSpPr>
+          <p:cNvPr id="2" name="Title 1"/>
+          <p:cNvSpPr>
+            <a:spLocks noGrp="1"/>
+          </p:cNvSpPr>
+          <p:nvPr>
+            <p:ph type="title"/>
+          </p:nvPr>
+        </p:nvSpPr>
+        <p:spPr/>
+        <p:txBody>
+          <a:bodyPr/>
+          <a:lstStyle/>
+          <a:p>
+            <a:r>
+              <a:rPr lang="en-US" dirty="0"/>
+              <a:t>Plusy:</a:t>
+            </a:r>
+          </a:p>
+        </p:txBody>
+      </p:sp>
+      <p:sp>
+        <p:nvSpPr>
+          <p:cNvPr id="3" name="Content Placeholder 2"/>
+          <p:cNvSpPr>
+            <a:spLocks noGrp="1"/>
+          </p:cNvSpPr>
+          <p:nvPr>
+            <p:ph idx="1"/>
+          </p:nvPr>
+        </p:nvSpPr>
+        <p:spPr/>
+        <p:txBody>
+          <a:bodyPr>
+            <a:normAutofit fontScale="85000" lnSpcReduction="10000"/>
+          </a:bodyPr>
+          <a:lstStyle/>
+          <a:p>
+            <a:r>
+              <a:rPr lang="en-US" dirty="0"/>
+              <a:t>Własne bindowanie obiektów to jedna klasa </a:t>
+            </a:r>
+            <a:r>
+              <a:rPr lang="en-US" dirty="0" err="1"/>
+              <a:t>i</a:t>
+            </a:r>
+            <a:r>
+              <a:rPr lang="en-US" dirty="0"/>
+              <a:t> 15 minut pracy</a:t>
+            </a:r>
+          </a:p>
+          <a:p>
+            <a:r>
+              <a:rPr lang="en-US" dirty="0"/>
+              <a:t>Częściowe widoki z toną opcji</a:t>
+            </a:r>
+          </a:p>
+          <a:p>
+            <a:r>
+              <a:rPr lang="en-US" dirty="0"/>
+              <a:t>Dowolność w rozwijaniu domyślnej klasy użytkownika aplikacji (ApplicationUser)</a:t>
+            </a:r>
+          </a:p>
+          <a:p>
+            <a:r>
+              <a:rPr lang="en-US" dirty="0"/>
+              <a:t>Linq </a:t>
+            </a:r>
+            <a:r>
+              <a:rPr lang="en-US" dirty="0">
+                <a:latin typeface="Century Gothic" charset="0"/>
+              </a:rPr>
+              <a:t>♥ (poza tym, że jest woooolny)</a:t>
+            </a:r>
+          </a:p>
+          <a:p>
+            <a:r>
+              <a:rPr lang="en-US" dirty="0"/>
+              <a:t>Potężny routing</a:t>
+            </a:r>
+          </a:p>
+          <a:p>
+            <a:r>
+              <a:rPr lang="en-US" dirty="0"/>
+              <a:t>Gotowe </a:t>
+            </a:r>
+            <a:r>
+              <a:rPr lang="en-US" dirty="0" err="1"/>
+              <a:t>prototypy</a:t>
+            </a:r>
+            <a:r>
+              <a:rPr lang="en-US" dirty="0"/>
+              <a:t> w Razor okrutnie przyspieszają pisanie stron</a:t>
+            </a:r>
+          </a:p>
+          <a:p>
+            <a:r>
+              <a:rPr lang="en-US" dirty="0"/>
+              <a:t>Domyślny 'styl' nowego projektu to Bootstrap</a:t>
+            </a:r>
+          </a:p>
+          <a:p>
+            <a:r>
+              <a:rPr lang="en-US" dirty="0"/>
+              <a:t>Domyślne modele dla widoków</a:t>
+            </a:r>
+          </a:p>
+        </p:txBody>
+      </p:sp>
+    </p:spTree>
+    <p:extLst>
+      <p:ext uri="{BB962C8B-B14F-4D97-AF65-F5344CB8AC3E}">
+        <p14:creationId xmlns:p14="http://schemas.microsoft.com/office/powerpoint/2010/main" val="1363536505"/>
+      </p:ext>
+    </p:extLst>
+  </p:cSld>
+  <p:clrMapOvr>
+    <a:masterClrMapping/>
+  </p:clrMapOvr>
+</p:sld>
+</file>
+
+<file path=ppt/slides/slide19.xml><?xml version="1.0" encoding="utf-8"?>
+<p:sld xmlns:a="http://schemas.openxmlformats.org/drawingml/2006/main" xmlns:r="http://schemas.openxmlformats.org/officeDocument/2006/relationships" xmlns:p="http://schemas.openxmlformats.org/presentationml/2006/main">
+  <p:cSld>
+    <p:spTree>
+      <p:nvGrpSpPr>
+        <p:cNvPr id="1" name=""/>
+        <p:cNvGrpSpPr/>
+        <p:nvPr/>
+      </p:nvGrpSpPr>
+      <p:grpSpPr>
+        <a:xfrm>
+          <a:off x="0" y="0"/>
+          <a:ext cx="0" cy="0"/>
+          <a:chOff x="0" y="0"/>
+          <a:chExt cx="0" cy="0"/>
+        </a:xfrm>
+      </p:grpSpPr>
+      <p:sp>
+        <p:nvSpPr>
+          <p:cNvPr id="2" name="Title 1"/>
+          <p:cNvSpPr>
+            <a:spLocks noGrp="1"/>
+          </p:cNvSpPr>
+          <p:nvPr>
+            <p:ph type="title"/>
+          </p:nvPr>
+        </p:nvSpPr>
+        <p:spPr/>
+        <p:txBody>
+          <a:bodyPr/>
+          <a:lstStyle/>
+          <a:p>
+            <a:r>
+              <a:rPr lang="en-US" dirty="0"/>
+              <a:t>Garść statystyk</a:t>
+            </a:r>
+          </a:p>
+        </p:txBody>
+      </p:sp>
+      <p:sp>
+        <p:nvSpPr>
+          <p:cNvPr id="3" name="Content Placeholder 2"/>
+          <p:cNvSpPr>
+            <a:spLocks noGrp="1"/>
+          </p:cNvSpPr>
+          <p:nvPr>
+            <p:ph idx="1"/>
+          </p:nvPr>
+        </p:nvSpPr>
+        <p:spPr/>
+        <p:txBody>
+          <a:bodyPr>
+            <a:normAutofit fontScale="85000" lnSpcReduction="20000"/>
+          </a:bodyPr>
+          <a:lstStyle/>
+          <a:p>
+            <a:r>
+              <a:rPr lang="en-US" dirty="0"/>
+              <a:t>90% czasu poświęconego na projekt to błędy niezależne od woli twórców</a:t>
+            </a:r>
+          </a:p>
+          <a:p>
+            <a:r>
+              <a:rPr lang="en-US" dirty="0"/>
+              <a:t>System reguł dostępu do obiektów powstał w 10 godzin. W tym czasie aplikacja była uruchamiana tak rzadko, jak to tylko możliwe (żeby nie kusić buga).</a:t>
+            </a:r>
+          </a:p>
+          <a:p>
+            <a:r>
+              <a:rPr lang="en-US" dirty="0"/>
+              <a:t>Połowa problemów projektowych zniknęła po porzuceniu podejścia Model First na rzecz Code First</a:t>
+            </a:r>
+          </a:p>
+          <a:p>
+            <a:r>
+              <a:rPr lang="en-US" dirty="0"/>
+              <a:t>Na mniej niż 24 godziny do oddania projektu Marcin jeszcze bawił się w poprawianie błędów podczas gdy Mikołaj kończył prezentację</a:t>
+            </a:r>
+          </a:p>
+        </p:txBody>
+      </p:sp>
+    </p:spTree>
+    <p:extLst>
+      <p:ext uri="{BB962C8B-B14F-4D97-AF65-F5344CB8AC3E}">
+        <p14:creationId xmlns:p14="http://schemas.microsoft.com/office/powerpoint/2010/main" val="3925434747"/>
+      </p:ext>
+    </p:extLst>
+  </p:cSld>
+  <p:clrMapOvr>
+    <a:masterClrMapping/>
+  </p:clrMapOvr>
+</p:sld>
+</file>
+
 <file path=ppt/slides/slide2.xml><?xml version="1.0" encoding="utf-8"?>
 <p:sld xmlns:a="http://schemas.openxmlformats.org/drawingml/2006/main" xmlns:r="http://schemas.openxmlformats.org/officeDocument/2006/relationships" xmlns:p="http://schemas.openxmlformats.org/presentationml/2006/main">
   <p:cSld>
@@ -4807,6 +7085,125 @@
     <p:extLst>
       <p:ext uri="{BB962C8B-B14F-4D97-AF65-F5344CB8AC3E}">
         <p14:creationId xmlns:p14="http://schemas.microsoft.com/office/powerpoint/2010/main" val="3623837511"/>
+      </p:ext>
+    </p:extLst>
+  </p:cSld>
+  <p:clrMapOvr>
+    <a:masterClrMapping/>
+  </p:clrMapOvr>
+</p:sld>
+</file>
+
+<file path=ppt/slides/slide20.xml><?xml version="1.0" encoding="utf-8"?>
+<p:sld xmlns:a="http://schemas.openxmlformats.org/drawingml/2006/main" xmlns:r="http://schemas.openxmlformats.org/officeDocument/2006/relationships" xmlns:p="http://schemas.openxmlformats.org/presentationml/2006/main">
+  <p:cSld>
+    <p:spTree>
+      <p:nvGrpSpPr>
+        <p:cNvPr id="1" name=""/>
+        <p:cNvGrpSpPr/>
+        <p:nvPr/>
+      </p:nvGrpSpPr>
+      <p:grpSpPr>
+        <a:xfrm>
+          <a:off x="0" y="0"/>
+          <a:ext cx="0" cy="0"/>
+          <a:chOff x="0" y="0"/>
+          <a:chExt cx="0" cy="0"/>
+        </a:xfrm>
+      </p:grpSpPr>
+      <p:sp>
+        <p:nvSpPr>
+          <p:cNvPr id="2" name="Title 1"/>
+          <p:cNvSpPr>
+            <a:spLocks noGrp="1"/>
+          </p:cNvSpPr>
+          <p:nvPr>
+            <p:ph type="title"/>
+          </p:nvPr>
+        </p:nvSpPr>
+        <p:spPr/>
+        <p:txBody>
+          <a:bodyPr/>
+          <a:lstStyle/>
+          <a:p>
+            <a:r>
+              <a:rPr lang="en-US" dirty="0"/>
+              <a:t>Teraz prezentacja całości...</a:t>
+            </a:r>
+          </a:p>
+        </p:txBody>
+      </p:sp>
+    </p:spTree>
+    <p:extLst>
+      <p:ext uri="{BB962C8B-B14F-4D97-AF65-F5344CB8AC3E}">
+        <p14:creationId xmlns:p14="http://schemas.microsoft.com/office/powerpoint/2010/main" val="3750609522"/>
+      </p:ext>
+    </p:extLst>
+  </p:cSld>
+  <p:clrMapOvr>
+    <a:masterClrMapping/>
+  </p:clrMapOvr>
+</p:sld>
+</file>
+
+<file path=ppt/slides/slide21.xml><?xml version="1.0" encoding="utf-8"?>
+<p:sld xmlns:a="http://schemas.openxmlformats.org/drawingml/2006/main" xmlns:r="http://schemas.openxmlformats.org/officeDocument/2006/relationships" xmlns:p="http://schemas.openxmlformats.org/presentationml/2006/main">
+  <p:cSld>
+    <p:spTree>
+      <p:nvGrpSpPr>
+        <p:cNvPr id="1" name=""/>
+        <p:cNvGrpSpPr/>
+        <p:nvPr/>
+      </p:nvGrpSpPr>
+      <p:grpSpPr>
+        <a:xfrm>
+          <a:off x="0" y="0"/>
+          <a:ext cx="0" cy="0"/>
+          <a:chOff x="0" y="0"/>
+          <a:chExt cx="0" cy="0"/>
+        </a:xfrm>
+      </p:grpSpPr>
+      <p:sp>
+        <p:nvSpPr>
+          <p:cNvPr id="2" name="Tytuł 1"/>
+          <p:cNvSpPr>
+            <a:spLocks noGrp="1"/>
+          </p:cNvSpPr>
+          <p:nvPr>
+            <p:ph type="title"/>
+          </p:nvPr>
+        </p:nvSpPr>
+        <p:spPr>
+          <a:xfrm>
+            <a:off x="-475384" y="2799657"/>
+            <a:ext cx="5648065" cy="1398588"/>
+          </a:xfrm>
+        </p:spPr>
+        <p:txBody>
+          <a:bodyPr>
+            <a:normAutofit/>
+          </a:bodyPr>
+          <a:lstStyle/>
+          <a:p>
+            <a:pPr algn="ctr"/>
+            <a:r>
+              <a:rPr lang="pl-PL" dirty="0"/>
+              <a:t>Dziękujemy </a:t>
+            </a:r>
+            <a:br>
+              <a:rPr lang="pl-PL" dirty="0"/>
+            </a:br>
+            <a:r>
+              <a:rPr lang="pl-PL" dirty="0"/>
+              <a:t>               za uwagę</a:t>
+            </a:r>
+          </a:p>
+        </p:txBody>
+      </p:sp>
+    </p:spTree>
+    <p:extLst>
+      <p:ext uri="{BB962C8B-B14F-4D97-AF65-F5344CB8AC3E}">
+        <p14:creationId xmlns:p14="http://schemas.microsoft.com/office/powerpoint/2010/main" val="3354625558"/>
       </p:ext>
     </p:extLst>
   </p:cSld>
@@ -4961,9 +7358,28 @@
           <a:p>
             <a:r>
               <a:rPr lang="en-US" dirty="0"/>
-              <a:t>Sprawdza się nieźle, gdy od początku wiadomo co </a:t>
-            </a:r>
-            <a:endParaRPr lang="en-US"/>
+              <a:t>Sprawdza się nieźle, gdy od początku wiadomo, że projekt działać powinien</a:t>
+            </a:r>
+          </a:p>
+          <a:p>
+            <a:r>
+              <a:rPr lang="en-US" dirty="0"/>
+              <a:t>Problem powstaje, gdy coś nie działa </a:t>
+            </a:r>
+            <a:r>
+              <a:rPr lang="en-US" dirty="0" err="1"/>
+              <a:t>i</a:t>
+            </a:r>
+            <a:r>
+              <a:rPr lang="en-US" dirty="0"/>
+              <a:t> nikt nie wie, dlaczego...</a:t>
+            </a:r>
+          </a:p>
+          <a:p>
+            <a:r>
+              <a:rPr lang="en-US" dirty="0"/>
+              <a:t>... czyli dokładnie ta sytuacja, którą mieliśmy na początku.</a:t>
+            </a:r>
           </a:p>
         </p:txBody>
       </p:sp>
@@ -5007,64 +7423,48 @@
             <p:ph type="title"/>
           </p:nvPr>
         </p:nvSpPr>
-        <p:spPr/>
-        <p:txBody>
-          <a:bodyPr/>
-          <a:lstStyle/>
-          <a:p>
+        <p:spPr>
+          <a:xfrm>
+            <a:off x="559524" y="1245794"/>
+            <a:ext cx="8229600" cy="1399032"/>
+          </a:xfrm>
+        </p:spPr>
+        <p:txBody>
+          <a:bodyPr/>
+          <a:lstStyle/>
+          <a:p>
+            <a:pPr algn="ctr"/>
             <a:r>
               <a:rPr lang="pl-PL" dirty="0"/>
-              <a:t>TODO</a:t>
-            </a:r>
-          </a:p>
-        </p:txBody>
-      </p:sp>
-      <p:sp>
-        <p:nvSpPr>
-          <p:cNvPr id="3" name="Symbol zastępczy zawartości 2"/>
-          <p:cNvSpPr>
-            <a:spLocks noGrp="1"/>
-          </p:cNvSpPr>
-          <p:nvPr>
-            <p:ph idx="1"/>
-          </p:nvPr>
-        </p:nvSpPr>
-        <p:spPr/>
-        <p:txBody>
-          <a:bodyPr/>
-          <a:lstStyle/>
-          <a:p>
-            <a:r>
-              <a:rPr lang="pl-PL" dirty="0"/>
-              <a:t>ACL/ACS &amp;&amp; sprawdzenie w widokach</a:t>
-            </a:r>
-          </a:p>
-          <a:p>
-            <a:r>
-              <a:rPr lang="pl-PL" dirty="0"/>
-              <a:t>Widok administracyjny</a:t>
-            </a:r>
-          </a:p>
-          <a:p>
-            <a:r>
-              <a:rPr lang="pl-PL" dirty="0"/>
-              <a:t>Spięcie wgrywania i wersjonowania dokumentów</a:t>
-            </a:r>
-          </a:p>
-          <a:p>
-            <a:r>
-              <a:rPr lang="pl-PL" dirty="0"/>
-              <a:t>System komentarzy (wymagane do tego działające dokumenty)</a:t>
-            </a:r>
-          </a:p>
-          <a:p>
-            <a:r>
-              <a:rPr lang="pl-PL" dirty="0"/>
-              <a:t>Grafika (bo jest dobrze, ale może być lepiej)</a:t>
-            </a:r>
-          </a:p>
-        </p:txBody>
-      </p:sp>
+              <a:t>Pierwsze wiadro hejtu...</a:t>
+            </a:r>
+          </a:p>
+        </p:txBody>
+      </p:sp>
+      <p:pic>
+        <p:nvPicPr>
+          <p:cNvPr id="3" name="Picture 2" descr="83889[1].png"/>
+          <p:cNvPicPr>
+            <a:picLocks noChangeAspect="1"/>
+          </p:cNvPicPr>
+          <p:nvPr/>
+        </p:nvPicPr>
+        <p:blipFill>
+          <a:blip r:embed="rId3"/>
+          <a:stretch>
+            <a:fillRect/>
+          </a:stretch>
+        </p:blipFill>
+        <p:spPr>
+          <a:xfrm>
+            <a:off x="3236243" y="2986094"/>
+            <a:ext cx="2743200" cy="2869135"/>
+          </a:xfrm>
+          <a:prstGeom prst="rect">
+            <a:avLst/>
+          </a:prstGeom>
+        </p:spPr>
+      </p:pic>
     </p:spTree>
   </p:cSld>
   <p:clrMapOvr>
@@ -5092,7 +7492,7 @@
       </p:grpSpPr>
       <p:sp>
         <p:nvSpPr>
-          <p:cNvPr id="2" name="Tytuł 1"/>
+          <p:cNvPr id="2" name="Title 1"/>
           <p:cNvSpPr>
             <a:spLocks noGrp="1"/>
           </p:cNvSpPr>
@@ -5100,26 +7500,58 @@
             <p:ph type="title"/>
           </p:nvPr>
         </p:nvSpPr>
-        <p:spPr>
-          <a:xfrm>
-            <a:off x="571472" y="2500306"/>
-            <a:ext cx="8229600" cy="1399032"/>
-          </a:xfrm>
-        </p:spPr>
-        <p:txBody>
-          <a:bodyPr/>
-          <a:lstStyle/>
-          <a:p>
-            <a:pPr algn="ctr"/>
-            <a:r>
-              <a:rPr lang="pl-PL"/>
-              <a:t>Teraz krótka prezentacja...</a:t>
-            </a:r>
-            <a:endParaRPr lang="pl-PL" dirty="0"/>
+        <p:spPr/>
+        <p:txBody>
+          <a:bodyPr/>
+          <a:lstStyle/>
+          <a:p>
+            <a:r>
+              <a:rPr lang="en-US" dirty="0"/>
+              <a:t>Entity Framework, Model First</a:t>
+            </a:r>
+          </a:p>
+        </p:txBody>
+      </p:sp>
+      <p:sp>
+        <p:nvSpPr>
+          <p:cNvPr id="3" name="Content Placeholder 2"/>
+          <p:cNvSpPr>
+            <a:spLocks noGrp="1"/>
+          </p:cNvSpPr>
+          <p:nvPr>
+            <p:ph idx="1"/>
+          </p:nvPr>
+        </p:nvSpPr>
+        <p:spPr/>
+        <p:txBody>
+          <a:bodyPr/>
+          <a:lstStyle/>
+          <a:p>
+            <a:r>
+              <a:rPr lang="en-US" dirty="0"/>
+              <a:t>Motto twórców to "Zrób to po naszemu albo nie zrób tego wcale"</a:t>
+            </a:r>
+          </a:p>
+          <a:p>
+            <a:r>
+              <a:rPr lang="en-US" dirty="0"/>
+              <a:t>Dzięki Model First zaprojektujesz graficznie całą bazę danych ale nie zintegrujesz tego z istniejącymi tabelami w bazie</a:t>
+            </a:r>
+          </a:p>
+          <a:p>
+            <a:r>
+              <a:rPr lang="en-US" dirty="0"/>
+              <a:t>Dlaczego? Nie wiem, po tym incydencie projekt powstał od nowa.</a:t>
+            </a:r>
           </a:p>
         </p:txBody>
       </p:sp>
     </p:spTree>
+    <p:extLst>
+      <p:ext uri="{BB962C8B-B14F-4D97-AF65-F5344CB8AC3E}">
+        <p14:creationId xmlns:p14="http://schemas.microsoft.com/office/powerpoint/2010/main" val="4288666204"/>
+      </p:ext>
+    </p:extLst>
   </p:cSld>
   <p:clrMapOvr>
     <a:masterClrMapping/>
@@ -5146,7 +7578,7 @@
       </p:grpSpPr>
       <p:sp>
         <p:nvSpPr>
-          <p:cNvPr id="2" name="Tytuł 1"/>
+          <p:cNvPr id="2" name="Title 1"/>
           <p:cNvSpPr>
             <a:spLocks noGrp="1"/>
           </p:cNvSpPr>
@@ -5154,29 +7586,48 @@
             <p:ph type="title"/>
           </p:nvPr>
         </p:nvSpPr>
-        <p:spPr>
-          <a:xfrm>
-            <a:off x="-475384" y="2799657"/>
-            <a:ext cx="5648065" cy="1398588"/>
-          </a:xfrm>
-        </p:spPr>
-        <p:txBody>
-          <a:bodyPr>
-            <a:normAutofit/>
-          </a:bodyPr>
-          <a:lstStyle/>
-          <a:p>
-            <a:pPr algn="ctr"/>
-            <a:r>
-              <a:rPr lang="pl-PL" dirty="0"/>
-              <a:t>Dziękujemy </a:t>
-            </a:r>
-            <a:br>
-              <a:rPr lang="pl-PL" dirty="0"/>
-            </a:br>
-            <a:r>
-              <a:rPr lang="pl-PL" dirty="0"/>
-              <a:t>               za uwagę</a:t>
+        <p:spPr/>
+        <p:txBody>
+          <a:bodyPr/>
+          <a:lstStyle/>
+          <a:p>
+            <a:r>
+              <a:rPr lang="en-US" dirty="0"/>
+              <a:t>... powstał od nowa...?</a:t>
+            </a:r>
+          </a:p>
+        </p:txBody>
+      </p:sp>
+      <p:sp>
+        <p:nvSpPr>
+          <p:cNvPr id="3" name="Content Placeholder 2"/>
+          <p:cNvSpPr>
+            <a:spLocks noGrp="1"/>
+          </p:cNvSpPr>
+          <p:nvPr>
+            <p:ph idx="1"/>
+          </p:nvPr>
+        </p:nvSpPr>
+        <p:spPr/>
+        <p:txBody>
+          <a:bodyPr/>
+          <a:lstStyle/>
+          <a:p>
+            <a:r>
+              <a:rPr lang="en-US" dirty="0"/>
+              <a:t>Tak, przez kolejny problem.</a:t>
+            </a:r>
+          </a:p>
+          <a:p>
+            <a:r>
+              <a:rPr lang="en-US" dirty="0"/>
+              <a:t>Simple Membership, framework do zarządzania użytkownikami nie mógł się "dogadać" z faktem istnienia Entity Framework w całości projektu.</a:t>
+            </a:r>
+          </a:p>
+          <a:p>
+            <a:r>
+              <a:rPr lang="en-US" dirty="0"/>
+              <a:t>Albo EF z SM, tak czy inaczej nie działało.</a:t>
             </a:r>
           </a:p>
         </p:txBody>
@@ -5184,7 +7635,167 @@
     </p:spTree>
     <p:extLst>
       <p:ext uri="{BB962C8B-B14F-4D97-AF65-F5344CB8AC3E}">
-        <p14:creationId xmlns:p14="http://schemas.microsoft.com/office/powerpoint/2010/main" val="3354625558"/>
+        <p14:creationId xmlns:p14="http://schemas.microsoft.com/office/powerpoint/2010/main" val="2208058564"/>
+      </p:ext>
+    </p:extLst>
+  </p:cSld>
+  <p:clrMapOvr>
+    <a:masterClrMapping/>
+  </p:clrMapOvr>
+</p:sld>
+</file>
+
+<file path=ppt/slides/slide8.xml><?xml version="1.0" encoding="utf-8"?>
+<p:sld xmlns:a="http://schemas.openxmlformats.org/drawingml/2006/main" xmlns:r="http://schemas.openxmlformats.org/officeDocument/2006/relationships" xmlns:p="http://schemas.openxmlformats.org/presentationml/2006/main">
+  <p:cSld>
+    <p:spTree>
+      <p:nvGrpSpPr>
+        <p:cNvPr id="1" name=""/>
+        <p:cNvGrpSpPr/>
+        <p:nvPr/>
+      </p:nvGrpSpPr>
+      <p:grpSpPr>
+        <a:xfrm>
+          <a:off x="0" y="0"/>
+          <a:ext cx="0" cy="0"/>
+          <a:chOff x="0" y="0"/>
+          <a:chExt cx="0" cy="0"/>
+        </a:xfrm>
+      </p:grpSpPr>
+      <p:sp>
+        <p:nvSpPr>
+          <p:cNvPr id="2" name="Title 1"/>
+          <p:cNvSpPr>
+            <a:spLocks noGrp="1"/>
+          </p:cNvSpPr>
+          <p:nvPr>
+            <p:ph type="title"/>
+          </p:nvPr>
+        </p:nvSpPr>
+        <p:spPr>
+          <a:xfrm>
+            <a:off x="457200" y="268288"/>
+            <a:ext cx="8492450" cy="1398587"/>
+          </a:xfrm>
+        </p:spPr>
+        <p:txBody>
+          <a:bodyPr/>
+          <a:lstStyle/>
+          <a:p>
+            <a:r>
+              <a:rPr lang="en-US" dirty="0"/>
+              <a:t>Nowy projekt, nowe możliwości</a:t>
+            </a:r>
+          </a:p>
+        </p:txBody>
+      </p:sp>
+      <p:sp>
+        <p:nvSpPr>
+          <p:cNvPr id="3" name="Content Placeholder 2"/>
+          <p:cNvSpPr>
+            <a:spLocks noGrp="1"/>
+          </p:cNvSpPr>
+          <p:nvPr>
+            <p:ph idx="1"/>
+          </p:nvPr>
+        </p:nvSpPr>
+        <p:spPr/>
+        <p:txBody>
+          <a:bodyPr/>
+          <a:lstStyle/>
+          <a:p>
+            <a:r>
+              <a:rPr lang="en-US" dirty="0"/>
+              <a:t>Przestawiliśmy się na Identity, nowy flagowy framework z toną opcji dostosowania. I miał możliwość integracji z Entity Framework...!</a:t>
+            </a:r>
+          </a:p>
+          <a:p>
+            <a:r>
+              <a:rPr lang="en-US" dirty="0"/>
+              <a:t>Jest jedno 'ale'.</a:t>
+            </a:r>
+          </a:p>
+        </p:txBody>
+      </p:sp>
+    </p:spTree>
+    <p:extLst>
+      <p:ext uri="{BB962C8B-B14F-4D97-AF65-F5344CB8AC3E}">
+        <p14:creationId xmlns:p14="http://schemas.microsoft.com/office/powerpoint/2010/main" val="1616709199"/>
+      </p:ext>
+    </p:extLst>
+  </p:cSld>
+  <p:clrMapOvr>
+    <a:masterClrMapping/>
+  </p:clrMapOvr>
+</p:sld>
+</file>
+
+<file path=ppt/slides/slide9.xml><?xml version="1.0" encoding="utf-8"?>
+<p:sld xmlns:a="http://schemas.openxmlformats.org/drawingml/2006/main" xmlns:r="http://schemas.openxmlformats.org/officeDocument/2006/relationships" xmlns:p="http://schemas.openxmlformats.org/presentationml/2006/main">
+  <p:cSld>
+    <p:spTree>
+      <p:nvGrpSpPr>
+        <p:cNvPr id="1" name=""/>
+        <p:cNvGrpSpPr/>
+        <p:nvPr/>
+      </p:nvGrpSpPr>
+      <p:grpSpPr>
+        <a:xfrm>
+          <a:off x="0" y="0"/>
+          <a:ext cx="0" cy="0"/>
+          <a:chOff x="0" y="0"/>
+          <a:chExt cx="0" cy="0"/>
+        </a:xfrm>
+      </p:grpSpPr>
+      <p:sp>
+        <p:nvSpPr>
+          <p:cNvPr id="2" name="Title 1"/>
+          <p:cNvSpPr>
+            <a:spLocks noGrp="1"/>
+          </p:cNvSpPr>
+          <p:nvPr>
+            <p:ph type="title"/>
+          </p:nvPr>
+        </p:nvSpPr>
+        <p:spPr/>
+        <p:txBody>
+          <a:bodyPr/>
+          <a:lstStyle/>
+          <a:p>
+            <a:r>
+              <a:rPr lang="en-US" dirty="0"/>
+              <a:t>ID użytkownika to string.</a:t>
+            </a:r>
+          </a:p>
+        </p:txBody>
+      </p:sp>
+      <p:pic>
+        <p:nvPicPr>
+          <p:cNvPr id="4" name="Content Placeholder 3" descr="steamworkshop_webupload_previewfile_393207598_preview.png"/>
+          <p:cNvPicPr>
+            <a:picLocks noGrp="1" noChangeAspect="1"/>
+          </p:cNvPicPr>
+          <p:nvPr>
+            <p:ph idx="1"/>
+          </p:nvPr>
+        </p:nvPicPr>
+        <p:blipFill>
+          <a:blip r:embed="rId3"/>
+          <a:stretch>
+            <a:fillRect/>
+          </a:stretch>
+        </p:blipFill>
+        <p:spPr>
+          <a:xfrm>
+            <a:off x="2276819" y="1882775"/>
+            <a:ext cx="4590361" cy="4572000"/>
+          </a:xfrm>
+        </p:spPr>
+      </p:pic>
+    </p:spTree>
+    <p:extLst>
+      <p:ext uri="{BB962C8B-B14F-4D97-AF65-F5344CB8AC3E}">
+        <p14:creationId xmlns:p14="http://schemas.microsoft.com/office/powerpoint/2010/main" val="726893608"/>
       </p:ext>
     </p:extLst>
   </p:cSld>

--- a/prez/112 Aplikacja do zarządzania obiegiem dokumentów.pptx
+++ b/prez/112 Aplikacja do zarządzania obiegiem dokumentów.pptx
@@ -5,30 +5,33 @@
     <p:sldMasterId id="2147483672" r:id="rId1"/>
   </p:sldMasterIdLst>
   <p:notesMasterIdLst>
-    <p:notesMasterId r:id="rId23"/>
+    <p:notesMasterId r:id="rId26"/>
   </p:notesMasterIdLst>
   <p:sldIdLst>
     <p:sldId id="256" r:id="rId2"/>
     <p:sldId id="266" r:id="rId3"/>
     <p:sldId id="258" r:id="rId4"/>
     <p:sldId id="267" r:id="rId5"/>
-    <p:sldId id="264" r:id="rId6"/>
+    <p:sldId id="283" r:id="rId6"/>
     <p:sldId id="268" r:id="rId7"/>
-    <p:sldId id="269" r:id="rId8"/>
-    <p:sldId id="270" r:id="rId9"/>
-    <p:sldId id="274" r:id="rId10"/>
-    <p:sldId id="272" r:id="rId11"/>
-    <p:sldId id="271" r:id="rId12"/>
-    <p:sldId id="273" r:id="rId13"/>
-    <p:sldId id="275" r:id="rId14"/>
-    <p:sldId id="276" r:id="rId15"/>
-    <p:sldId id="277" r:id="rId16"/>
-    <p:sldId id="281" r:id="rId17"/>
-    <p:sldId id="278" r:id="rId18"/>
-    <p:sldId id="279" r:id="rId19"/>
-    <p:sldId id="280" r:id="rId20"/>
-    <p:sldId id="282" r:id="rId21"/>
-    <p:sldId id="265" r:id="rId22"/>
+    <p:sldId id="285" r:id="rId8"/>
+    <p:sldId id="264" r:id="rId9"/>
+    <p:sldId id="269" r:id="rId10"/>
+    <p:sldId id="270" r:id="rId11"/>
+    <p:sldId id="274" r:id="rId12"/>
+    <p:sldId id="272" r:id="rId13"/>
+    <p:sldId id="271" r:id="rId14"/>
+    <p:sldId id="273" r:id="rId15"/>
+    <p:sldId id="275" r:id="rId16"/>
+    <p:sldId id="276" r:id="rId17"/>
+    <p:sldId id="284" r:id="rId18"/>
+    <p:sldId id="277" r:id="rId19"/>
+    <p:sldId id="281" r:id="rId20"/>
+    <p:sldId id="278" r:id="rId21"/>
+    <p:sldId id="279" r:id="rId22"/>
+    <p:sldId id="280" r:id="rId23"/>
+    <p:sldId id="282" r:id="rId24"/>
+    <p:sldId id="265" r:id="rId25"/>
   </p:sldIdLst>
   <p:sldSz cx="9144000" cy="6858000" type="screen4x3"/>
   <p:notesSz cx="6858000" cy="9144000"/>
@@ -228,7 +231,7 @@
           <a:p>
             <a:fld id="{31C8A376-28AF-443E-83BD-60BFDDD200B4}" type="datetimeFigureOut">
               <a:rPr lang="en-US"/>
-              <a:t>6/10/2015</a:t>
+              <a:t>6/11/2015</a:t>
             </a:fld>
             <a:endParaRPr lang="en-US"/>
           </a:p>
@@ -644,7 +647,7 @@
           <a:p>
             <a:fld id="{D9D1F544-0881-4744-B3EA-2D6E915275B0}" type="slidenum">
               <a:rPr lang="en-US"/>
-              <a:t>‹#›</a:t>
+              <a:t>8</a:t>
             </a:fld>
             <a:endParaRPr lang="en-US"/>
           </a:p>
@@ -653,7 +656,7 @@
     </p:spTree>
     <p:extLst>
       <p:ext uri="{BB962C8B-B14F-4D97-AF65-F5344CB8AC3E}">
-        <p14:creationId xmlns:p14="http://schemas.microsoft.com/office/powerpoint/2010/main" val="2154746678"/>
+        <p14:creationId xmlns:p14="http://schemas.microsoft.com/office/powerpoint/2010/main" val="1500883066"/>
       </p:ext>
     </p:extLst>
   </p:cSld>
@@ -728,7 +731,7 @@
           <a:p>
             <a:fld id="{D9D1F544-0881-4744-B3EA-2D6E915275B0}" type="slidenum">
               <a:rPr lang="en-US"/>
-              <a:t>‹#›</a:t>
+              <a:t>9</a:t>
             </a:fld>
             <a:endParaRPr lang="en-US"/>
           </a:p>
@@ -737,7 +740,7 @@
     </p:spTree>
     <p:extLst>
       <p:ext uri="{BB962C8B-B14F-4D97-AF65-F5344CB8AC3E}">
-        <p14:creationId xmlns:p14="http://schemas.microsoft.com/office/powerpoint/2010/main" val="2993596335"/>
+        <p14:creationId xmlns:p14="http://schemas.microsoft.com/office/powerpoint/2010/main" val="3052203197"/>
       </p:ext>
     </p:extLst>
   </p:cSld>
@@ -812,7 +815,7 @@
           <a:p>
             <a:fld id="{D9D1F544-0881-4744-B3EA-2D6E915275B0}" type="slidenum">
               <a:rPr lang="en-US"/>
-              <a:t>‹#›</a:t>
+              <a:t>10</a:t>
             </a:fld>
             <a:endParaRPr lang="en-US"/>
           </a:p>
@@ -821,7 +824,7 @@
     </p:spTree>
     <p:extLst>
       <p:ext uri="{BB962C8B-B14F-4D97-AF65-F5344CB8AC3E}">
-        <p14:creationId xmlns:p14="http://schemas.microsoft.com/office/powerpoint/2010/main" val="2459416682"/>
+        <p14:creationId xmlns:p14="http://schemas.microsoft.com/office/powerpoint/2010/main" val="2154746678"/>
       </p:ext>
     </p:extLst>
   </p:cSld>
@@ -896,7 +899,7 @@
           <a:p>
             <a:fld id="{D9D1F544-0881-4744-B3EA-2D6E915275B0}" type="slidenum">
               <a:rPr lang="en-US"/>
-              <a:t>‹#›</a:t>
+              <a:t>11</a:t>
             </a:fld>
             <a:endParaRPr lang="en-US"/>
           </a:p>
@@ -905,7 +908,7 @@
     </p:spTree>
     <p:extLst>
       <p:ext uri="{BB962C8B-B14F-4D97-AF65-F5344CB8AC3E}">
-        <p14:creationId xmlns:p14="http://schemas.microsoft.com/office/powerpoint/2010/main" val="2797242382"/>
+        <p14:creationId xmlns:p14="http://schemas.microsoft.com/office/powerpoint/2010/main" val="2993596335"/>
       </p:ext>
     </p:extLst>
   </p:cSld>
@@ -980,7 +983,7 @@
           <a:p>
             <a:fld id="{D9D1F544-0881-4744-B3EA-2D6E915275B0}" type="slidenum">
               <a:rPr lang="en-US"/>
-              <a:t>‹#›</a:t>
+              <a:t>13</a:t>
             </a:fld>
             <a:endParaRPr lang="en-US"/>
           </a:p>
@@ -989,7 +992,7 @@
     </p:spTree>
     <p:extLst>
       <p:ext uri="{BB962C8B-B14F-4D97-AF65-F5344CB8AC3E}">
-        <p14:creationId xmlns:p14="http://schemas.microsoft.com/office/powerpoint/2010/main" val="35931878"/>
+        <p14:creationId xmlns:p14="http://schemas.microsoft.com/office/powerpoint/2010/main" val="2459416682"/>
       </p:ext>
     </p:extLst>
   </p:cSld>
@@ -1064,7 +1067,7 @@
           <a:p>
             <a:fld id="{D9D1F544-0881-4744-B3EA-2D6E915275B0}" type="slidenum">
               <a:rPr lang="en-US"/>
-              <a:t>‹#›</a:t>
+              <a:t>14</a:t>
             </a:fld>
             <a:endParaRPr lang="en-US"/>
           </a:p>
@@ -1073,7 +1076,7 @@
     </p:spTree>
     <p:extLst>
       <p:ext uri="{BB962C8B-B14F-4D97-AF65-F5344CB8AC3E}">
-        <p14:creationId xmlns:p14="http://schemas.microsoft.com/office/powerpoint/2010/main" val="3783692262"/>
+        <p14:creationId xmlns:p14="http://schemas.microsoft.com/office/powerpoint/2010/main" val="2797242382"/>
       </p:ext>
     </p:extLst>
   </p:cSld>
@@ -1148,7 +1151,7 @@
           <a:p>
             <a:fld id="{D9D1F544-0881-4744-B3EA-2D6E915275B0}" type="slidenum">
               <a:rPr lang="en-US"/>
-              <a:t>‹#›</a:t>
+              <a:t>15</a:t>
             </a:fld>
             <a:endParaRPr lang="en-US"/>
           </a:p>
@@ -1157,7 +1160,7 @@
     </p:spTree>
     <p:extLst>
       <p:ext uri="{BB962C8B-B14F-4D97-AF65-F5344CB8AC3E}">
-        <p14:creationId xmlns:p14="http://schemas.microsoft.com/office/powerpoint/2010/main" val="3990075256"/>
+        <p14:creationId xmlns:p14="http://schemas.microsoft.com/office/powerpoint/2010/main" val="35931878"/>
       </p:ext>
     </p:extLst>
   </p:cSld>
@@ -1241,7 +1244,7 @@
     </p:spTree>
     <p:extLst>
       <p:ext uri="{BB962C8B-B14F-4D97-AF65-F5344CB8AC3E}">
-        <p14:creationId xmlns:p14="http://schemas.microsoft.com/office/powerpoint/2010/main" val="2804650719"/>
+        <p14:creationId xmlns:p14="http://schemas.microsoft.com/office/powerpoint/2010/main" val="557347938"/>
       </p:ext>
     </p:extLst>
   </p:cSld>
@@ -1316,7 +1319,7 @@
           <a:p>
             <a:fld id="{D9D1F544-0881-4744-B3EA-2D6E915275B0}" type="slidenum">
               <a:rPr lang="en-US"/>
-              <a:t>‹#›</a:t>
+              <a:t>16</a:t>
             </a:fld>
             <a:endParaRPr lang="en-US"/>
           </a:p>
@@ -1325,7 +1328,7 @@
     </p:spTree>
     <p:extLst>
       <p:ext uri="{BB962C8B-B14F-4D97-AF65-F5344CB8AC3E}">
-        <p14:creationId xmlns:p14="http://schemas.microsoft.com/office/powerpoint/2010/main" val="4116045293"/>
+        <p14:creationId xmlns:p14="http://schemas.microsoft.com/office/powerpoint/2010/main" val="3783692262"/>
       </p:ext>
     </p:extLst>
   </p:cSld>
@@ -1400,7 +1403,7 @@
           <a:p>
             <a:fld id="{D9D1F544-0881-4744-B3EA-2D6E915275B0}" type="slidenum">
               <a:rPr lang="en-US"/>
-              <a:t>‹#›</a:t>
+              <a:t>17</a:t>
             </a:fld>
             <a:endParaRPr lang="en-US"/>
           </a:p>
@@ -1409,7 +1412,7 @@
     </p:spTree>
     <p:extLst>
       <p:ext uri="{BB962C8B-B14F-4D97-AF65-F5344CB8AC3E}">
-        <p14:creationId xmlns:p14="http://schemas.microsoft.com/office/powerpoint/2010/main" val="2783064358"/>
+        <p14:creationId xmlns:p14="http://schemas.microsoft.com/office/powerpoint/2010/main" val="3990075256"/>
       </p:ext>
     </p:extLst>
   </p:cSld>
@@ -1568,7 +1571,7 @@
           <a:p>
             <a:fld id="{D9D1F544-0881-4744-B3EA-2D6E915275B0}" type="slidenum">
               <a:rPr lang="en-US"/>
-              <a:t>‹#›</a:t>
+              <a:t>18</a:t>
             </a:fld>
             <a:endParaRPr lang="en-US"/>
           </a:p>
@@ -1577,7 +1580,7 @@
     </p:spTree>
     <p:extLst>
       <p:ext uri="{BB962C8B-B14F-4D97-AF65-F5344CB8AC3E}">
-        <p14:creationId xmlns:p14="http://schemas.microsoft.com/office/powerpoint/2010/main" val="2068236898"/>
+        <p14:creationId xmlns:p14="http://schemas.microsoft.com/office/powerpoint/2010/main" val="2804650719"/>
       </p:ext>
     </p:extLst>
   </p:cSld>
@@ -1652,7 +1655,259 @@
           <a:p>
             <a:fld id="{D9D1F544-0881-4744-B3EA-2D6E915275B0}" type="slidenum">
               <a:rPr lang="en-US"/>
-              <a:t>7</a:t>
+              <a:t>19</a:t>
+            </a:fld>
+            <a:endParaRPr lang="en-US"/>
+          </a:p>
+        </p:txBody>
+      </p:sp>
+    </p:spTree>
+    <p:extLst>
+      <p:ext uri="{BB962C8B-B14F-4D97-AF65-F5344CB8AC3E}">
+        <p14:creationId xmlns:p14="http://schemas.microsoft.com/office/powerpoint/2010/main" val="4116045293"/>
+      </p:ext>
+    </p:extLst>
+  </p:cSld>
+  <p:clrMapOvr>
+    <a:masterClrMapping/>
+  </p:clrMapOvr>
+</p:notes>
+</file>
+
+<file path=ppt/notesSlides/notesSlide22.xml><?xml version="1.0" encoding="utf-8"?>
+<p:notes xmlns:a="http://schemas.openxmlformats.org/drawingml/2006/main" xmlns:r="http://schemas.openxmlformats.org/officeDocument/2006/relationships" xmlns:p="http://schemas.openxmlformats.org/presentationml/2006/main">
+  <p:cSld>
+    <p:spTree>
+      <p:nvGrpSpPr>
+        <p:cNvPr id="1" name=""/>
+        <p:cNvGrpSpPr/>
+        <p:nvPr/>
+      </p:nvGrpSpPr>
+      <p:grpSpPr>
+        <a:xfrm>
+          <a:off x="0" y="0"/>
+          <a:ext cx="0" cy="0"/>
+          <a:chOff x="0" y="0"/>
+          <a:chExt cx="0" cy="0"/>
+        </a:xfrm>
+      </p:grpSpPr>
+      <p:sp>
+        <p:nvSpPr>
+          <p:cNvPr id="2" name="Slide Image Placeholder 1"/>
+          <p:cNvSpPr>
+            <a:spLocks noGrp="1" noRot="1" noChangeAspect="1"/>
+          </p:cNvSpPr>
+          <p:nvPr>
+            <p:ph type="sldImg"/>
+          </p:nvPr>
+        </p:nvSpPr>
+        <p:spPr/>
+      </p:sp>
+      <p:sp>
+        <p:nvSpPr>
+          <p:cNvPr id="3" name="Notes Placeholder 2"/>
+          <p:cNvSpPr>
+            <a:spLocks noGrp="1"/>
+          </p:cNvSpPr>
+          <p:nvPr>
+            <p:ph type="body" idx="1"/>
+          </p:nvPr>
+        </p:nvSpPr>
+        <p:spPr/>
+        <p:txBody>
+          <a:bodyPr/>
+          <a:lstStyle/>
+          <a:p>
+            <a:endParaRPr lang="en-US"/>
+          </a:p>
+        </p:txBody>
+      </p:sp>
+      <p:sp>
+        <p:nvSpPr>
+          <p:cNvPr id="4" name="Slide Number Placeholder 3"/>
+          <p:cNvSpPr>
+            <a:spLocks noGrp="1"/>
+          </p:cNvSpPr>
+          <p:nvPr>
+            <p:ph type="sldNum" sz="quarter" idx="10"/>
+          </p:nvPr>
+        </p:nvSpPr>
+        <p:spPr/>
+        <p:txBody>
+          <a:bodyPr/>
+          <a:lstStyle/>
+          <a:p>
+            <a:fld id="{D9D1F544-0881-4744-B3EA-2D6E915275B0}" type="slidenum">
+              <a:rPr lang="en-US"/>
+              <a:t>20</a:t>
+            </a:fld>
+            <a:endParaRPr lang="en-US"/>
+          </a:p>
+        </p:txBody>
+      </p:sp>
+    </p:spTree>
+    <p:extLst>
+      <p:ext uri="{BB962C8B-B14F-4D97-AF65-F5344CB8AC3E}">
+        <p14:creationId xmlns:p14="http://schemas.microsoft.com/office/powerpoint/2010/main" val="2783064358"/>
+      </p:ext>
+    </p:extLst>
+  </p:cSld>
+  <p:clrMapOvr>
+    <a:masterClrMapping/>
+  </p:clrMapOvr>
+</p:notes>
+</file>
+
+<file path=ppt/notesSlides/notesSlide23.xml><?xml version="1.0" encoding="utf-8"?>
+<p:notes xmlns:a="http://schemas.openxmlformats.org/drawingml/2006/main" xmlns:r="http://schemas.openxmlformats.org/officeDocument/2006/relationships" xmlns:p="http://schemas.openxmlformats.org/presentationml/2006/main">
+  <p:cSld>
+    <p:spTree>
+      <p:nvGrpSpPr>
+        <p:cNvPr id="1" name=""/>
+        <p:cNvGrpSpPr/>
+        <p:nvPr/>
+      </p:nvGrpSpPr>
+      <p:grpSpPr>
+        <a:xfrm>
+          <a:off x="0" y="0"/>
+          <a:ext cx="0" cy="0"/>
+          <a:chOff x="0" y="0"/>
+          <a:chExt cx="0" cy="0"/>
+        </a:xfrm>
+      </p:grpSpPr>
+      <p:sp>
+        <p:nvSpPr>
+          <p:cNvPr id="2" name="Slide Image Placeholder 1"/>
+          <p:cNvSpPr>
+            <a:spLocks noGrp="1" noRot="1" noChangeAspect="1"/>
+          </p:cNvSpPr>
+          <p:nvPr>
+            <p:ph type="sldImg"/>
+          </p:nvPr>
+        </p:nvSpPr>
+        <p:spPr/>
+      </p:sp>
+      <p:sp>
+        <p:nvSpPr>
+          <p:cNvPr id="3" name="Notes Placeholder 2"/>
+          <p:cNvSpPr>
+            <a:spLocks noGrp="1"/>
+          </p:cNvSpPr>
+          <p:nvPr>
+            <p:ph type="body" idx="1"/>
+          </p:nvPr>
+        </p:nvSpPr>
+        <p:spPr/>
+        <p:txBody>
+          <a:bodyPr/>
+          <a:lstStyle/>
+          <a:p>
+            <a:endParaRPr lang="en-US"/>
+          </a:p>
+        </p:txBody>
+      </p:sp>
+      <p:sp>
+        <p:nvSpPr>
+          <p:cNvPr id="4" name="Slide Number Placeholder 3"/>
+          <p:cNvSpPr>
+            <a:spLocks noGrp="1"/>
+          </p:cNvSpPr>
+          <p:nvPr>
+            <p:ph type="sldNum" sz="quarter" idx="10"/>
+          </p:nvPr>
+        </p:nvSpPr>
+        <p:spPr/>
+        <p:txBody>
+          <a:bodyPr/>
+          <a:lstStyle/>
+          <a:p>
+            <a:fld id="{D9D1F544-0881-4744-B3EA-2D6E915275B0}" type="slidenum">
+              <a:rPr lang="en-US"/>
+              <a:t>21</a:t>
+            </a:fld>
+            <a:endParaRPr lang="en-US"/>
+          </a:p>
+        </p:txBody>
+      </p:sp>
+    </p:spTree>
+    <p:extLst>
+      <p:ext uri="{BB962C8B-B14F-4D97-AF65-F5344CB8AC3E}">
+        <p14:creationId xmlns:p14="http://schemas.microsoft.com/office/powerpoint/2010/main" val="2068236898"/>
+      </p:ext>
+    </p:extLst>
+  </p:cSld>
+  <p:clrMapOvr>
+    <a:masterClrMapping/>
+  </p:clrMapOvr>
+</p:notes>
+</file>
+
+<file path=ppt/notesSlides/notesSlide24.xml><?xml version="1.0" encoding="utf-8"?>
+<p:notes xmlns:a="http://schemas.openxmlformats.org/drawingml/2006/main" xmlns:r="http://schemas.openxmlformats.org/officeDocument/2006/relationships" xmlns:p="http://schemas.openxmlformats.org/presentationml/2006/main">
+  <p:cSld>
+    <p:spTree>
+      <p:nvGrpSpPr>
+        <p:cNvPr id="1" name=""/>
+        <p:cNvGrpSpPr/>
+        <p:nvPr/>
+      </p:nvGrpSpPr>
+      <p:grpSpPr>
+        <a:xfrm>
+          <a:off x="0" y="0"/>
+          <a:ext cx="0" cy="0"/>
+          <a:chOff x="0" y="0"/>
+          <a:chExt cx="0" cy="0"/>
+        </a:xfrm>
+      </p:grpSpPr>
+      <p:sp>
+        <p:nvSpPr>
+          <p:cNvPr id="2" name="Slide Image Placeholder 1"/>
+          <p:cNvSpPr>
+            <a:spLocks noGrp="1" noRot="1" noChangeAspect="1"/>
+          </p:cNvSpPr>
+          <p:nvPr>
+            <p:ph type="sldImg"/>
+          </p:nvPr>
+        </p:nvSpPr>
+        <p:spPr/>
+      </p:sp>
+      <p:sp>
+        <p:nvSpPr>
+          <p:cNvPr id="3" name="Notes Placeholder 2"/>
+          <p:cNvSpPr>
+            <a:spLocks noGrp="1"/>
+          </p:cNvSpPr>
+          <p:nvPr>
+            <p:ph type="body" idx="1"/>
+          </p:nvPr>
+        </p:nvSpPr>
+        <p:spPr/>
+        <p:txBody>
+          <a:bodyPr/>
+          <a:lstStyle/>
+          <a:p>
+            <a:endParaRPr lang="en-US"/>
+          </a:p>
+        </p:txBody>
+      </p:sp>
+      <p:sp>
+        <p:nvSpPr>
+          <p:cNvPr id="4" name="Slide Number Placeholder 3"/>
+          <p:cNvSpPr>
+            <a:spLocks noGrp="1"/>
+          </p:cNvSpPr>
+          <p:nvPr>
+            <p:ph type="sldNum" sz="quarter" idx="10"/>
+          </p:nvPr>
+        </p:nvSpPr>
+        <p:spPr/>
+        <p:txBody>
+          <a:bodyPr/>
+          <a:lstStyle/>
+          <a:p>
+            <a:fld id="{D9D1F544-0881-4744-B3EA-2D6E915275B0}" type="slidenum">
+              <a:rPr lang="en-US"/>
+              <a:t>22</a:t>
             </a:fld>
             <a:endParaRPr lang="en-US"/>
           </a:p>
@@ -1904,7 +2159,7 @@
           <a:p>
             <a:fld id="{D9D1F544-0881-4744-B3EA-2D6E915275B0}" type="slidenum">
               <a:rPr lang="en-US"/>
-              <a:t>6</a:t>
+              <a:t>‹#›</a:t>
             </a:fld>
             <a:endParaRPr lang="en-US"/>
           </a:p>
@@ -1913,7 +2168,7 @@
     </p:spTree>
     <p:extLst>
       <p:ext uri="{BB962C8B-B14F-4D97-AF65-F5344CB8AC3E}">
-        <p14:creationId xmlns:p14="http://schemas.microsoft.com/office/powerpoint/2010/main" val="4213467741"/>
+        <p14:creationId xmlns:p14="http://schemas.microsoft.com/office/powerpoint/2010/main" val="4206869494"/>
       </p:ext>
     </p:extLst>
   </p:cSld>
@@ -1988,7 +2243,7 @@
           <a:p>
             <a:fld id="{D9D1F544-0881-4744-B3EA-2D6E915275B0}" type="slidenum">
               <a:rPr lang="en-US"/>
-              <a:t>‹#›</a:t>
+              <a:t>6</a:t>
             </a:fld>
             <a:endParaRPr lang="en-US"/>
           </a:p>
@@ -2081,7 +2336,7 @@
     </p:spTree>
     <p:extLst>
       <p:ext uri="{BB962C8B-B14F-4D97-AF65-F5344CB8AC3E}">
-        <p14:creationId xmlns:p14="http://schemas.microsoft.com/office/powerpoint/2010/main" val="3275772792"/>
+        <p14:creationId xmlns:p14="http://schemas.microsoft.com/office/powerpoint/2010/main" val="3148570077"/>
       </p:ext>
     </p:extLst>
   </p:cSld>
@@ -2156,7 +2411,7 @@
           <a:p>
             <a:fld id="{D9D1F544-0881-4744-B3EA-2D6E915275B0}" type="slidenum">
               <a:rPr lang="en-US"/>
-              <a:t>‹#›</a:t>
+              <a:t>5</a:t>
             </a:fld>
             <a:endParaRPr lang="en-US"/>
           </a:p>
@@ -2165,7 +2420,7 @@
     </p:spTree>
     <p:extLst>
       <p:ext uri="{BB962C8B-B14F-4D97-AF65-F5344CB8AC3E}">
-        <p14:creationId xmlns:p14="http://schemas.microsoft.com/office/powerpoint/2010/main" val="1500883066"/>
+        <p14:creationId xmlns:p14="http://schemas.microsoft.com/office/powerpoint/2010/main" val="4213467741"/>
       </p:ext>
     </p:extLst>
   </p:cSld>
@@ -2240,7 +2495,7 @@
           <a:p>
             <a:fld id="{D9D1F544-0881-4744-B3EA-2D6E915275B0}" type="slidenum">
               <a:rPr lang="en-US"/>
-              <a:t>‹#›</a:t>
+              <a:t>7</a:t>
             </a:fld>
             <a:endParaRPr lang="en-US"/>
           </a:p>
@@ -2249,7 +2504,7 @@
     </p:spTree>
     <p:extLst>
       <p:ext uri="{BB962C8B-B14F-4D97-AF65-F5344CB8AC3E}">
-        <p14:creationId xmlns:p14="http://schemas.microsoft.com/office/powerpoint/2010/main" val="3052203197"/>
+        <p14:creationId xmlns:p14="http://schemas.microsoft.com/office/powerpoint/2010/main" val="3275772792"/>
       </p:ext>
     </p:extLst>
   </p:cSld>
@@ -2478,7 +2733,7 @@
           <a:p>
             <a:fld id="{094F66E7-E840-4DB3-BB40-051D0E02F274}" type="datetimeFigureOut">
               <a:rPr lang="pl-PL" smtClean="0"/>
-              <a:t>2015-06-10</a:t>
+              <a:t>2015-06-11</a:t>
             </a:fld>
             <a:endParaRPr lang="pl-PL"/>
           </a:p>
@@ -2665,7 +2920,7 @@
           <a:p>
             <a:fld id="{094F66E7-E840-4DB3-BB40-051D0E02F274}" type="datetimeFigureOut">
               <a:rPr lang="pl-PL" smtClean="0"/>
-              <a:t>2015-06-10</a:t>
+              <a:t>2015-06-11</a:t>
             </a:fld>
             <a:endParaRPr lang="pl-PL"/>
           </a:p>
@@ -2840,7 +3095,7 @@
           <a:p>
             <a:fld id="{094F66E7-E840-4DB3-BB40-051D0E02F274}" type="datetimeFigureOut">
               <a:rPr lang="pl-PL" smtClean="0"/>
-              <a:t>2015-06-10</a:t>
+              <a:t>2015-06-11</a:t>
             </a:fld>
             <a:endParaRPr lang="pl-PL"/>
           </a:p>
@@ -3020,7 +3275,7 @@
           <a:p>
             <a:fld id="{094F66E7-E840-4DB3-BB40-051D0E02F274}" type="datetimeFigureOut">
               <a:rPr lang="pl-PL" smtClean="0"/>
-              <a:t>2015-06-10</a:t>
+              <a:t>2015-06-11</a:t>
             </a:fld>
             <a:endParaRPr lang="pl-PL"/>
           </a:p>
@@ -3267,7 +3522,7 @@
           <a:p>
             <a:fld id="{094F66E7-E840-4DB3-BB40-051D0E02F274}" type="datetimeFigureOut">
               <a:rPr lang="pl-PL" smtClean="0"/>
-              <a:t>2015-06-10</a:t>
+              <a:t>2015-06-11</a:t>
             </a:fld>
             <a:endParaRPr lang="pl-PL"/>
           </a:p>
@@ -3741,7 +3996,7 @@
           <a:p>
             <a:fld id="{094F66E7-E840-4DB3-BB40-051D0E02F274}" type="datetimeFigureOut">
               <a:rPr lang="pl-PL" smtClean="0"/>
-              <a:t>2015-06-10</a:t>
+              <a:t>2015-06-11</a:t>
             </a:fld>
             <a:endParaRPr lang="pl-PL"/>
           </a:p>
@@ -4156,7 +4411,7 @@
           <a:p>
             <a:fld id="{094F66E7-E840-4DB3-BB40-051D0E02F274}" type="datetimeFigureOut">
               <a:rPr lang="pl-PL" smtClean="0"/>
-              <a:t>2015-06-10</a:t>
+              <a:t>2015-06-11</a:t>
             </a:fld>
             <a:endParaRPr lang="pl-PL"/>
           </a:p>
@@ -4287,7 +4542,7 @@
           <a:p>
             <a:fld id="{094F66E7-E840-4DB3-BB40-051D0E02F274}" type="datetimeFigureOut">
               <a:rPr lang="pl-PL" smtClean="0"/>
-              <a:t>2015-06-10</a:t>
+              <a:t>2015-06-11</a:t>
             </a:fld>
             <a:endParaRPr lang="pl-PL"/>
           </a:p>
@@ -4382,7 +4637,7 @@
           <a:p>
             <a:fld id="{094F66E7-E840-4DB3-BB40-051D0E02F274}" type="datetimeFigureOut">
               <a:rPr lang="pl-PL" smtClean="0"/>
-              <a:t>2015-06-10</a:t>
+              <a:t>2015-06-11</a:t>
             </a:fld>
             <a:endParaRPr lang="pl-PL"/>
           </a:p>
@@ -4660,7 +4915,7 @@
           <a:p>
             <a:fld id="{094F66E7-E840-4DB3-BB40-051D0E02F274}" type="datetimeFigureOut">
               <a:rPr lang="pl-PL" smtClean="0"/>
-              <a:t>2015-06-10</a:t>
+              <a:t>2015-06-11</a:t>
             </a:fld>
             <a:endParaRPr lang="pl-PL"/>
           </a:p>
@@ -4912,7 +5167,7 @@
           <a:p>
             <a:fld id="{094F66E7-E840-4DB3-BB40-051D0E02F274}" type="datetimeFigureOut">
               <a:rPr lang="pl-PL" smtClean="0"/>
-              <a:t>2015-06-10</a:t>
+              <a:t>2015-06-11</a:t>
             </a:fld>
             <a:endParaRPr lang="pl-PL"/>
           </a:p>
@@ -5284,7 +5539,7 @@
           <a:p>
             <a:fld id="{094F66E7-E840-4DB3-BB40-051D0E02F274}" type="datetimeFigureOut">
               <a:rPr lang="pl-PL" smtClean="0"/>
-              <a:t>2015-06-10</a:t>
+              <a:t>2015-06-11</a:t>
             </a:fld>
             <a:endParaRPr lang="pl-PL"/>
           </a:p>
@@ -5925,6 +6180,166 @@
             <p:ph type="title"/>
           </p:nvPr>
         </p:nvSpPr>
+        <p:spPr>
+          <a:xfrm>
+            <a:off x="457200" y="268288"/>
+            <a:ext cx="8492450" cy="1398587"/>
+          </a:xfrm>
+        </p:spPr>
+        <p:txBody>
+          <a:bodyPr/>
+          <a:lstStyle/>
+          <a:p>
+            <a:r>
+              <a:rPr lang="en-US" dirty="0"/>
+              <a:t>Nowy projekt, nowe możliwości</a:t>
+            </a:r>
+          </a:p>
+        </p:txBody>
+      </p:sp>
+      <p:sp>
+        <p:nvSpPr>
+          <p:cNvPr id="3" name="Content Placeholder 2"/>
+          <p:cNvSpPr>
+            <a:spLocks noGrp="1"/>
+          </p:cNvSpPr>
+          <p:nvPr>
+            <p:ph idx="1"/>
+          </p:nvPr>
+        </p:nvSpPr>
+        <p:spPr/>
+        <p:txBody>
+          <a:bodyPr/>
+          <a:lstStyle/>
+          <a:p>
+            <a:r>
+              <a:rPr lang="en-US" dirty="0"/>
+              <a:t>Przestawiliśmy się na Identity, nowy flagowy framework z toną opcji dostosowania. I miał możliwość integracji z Entity Framework...!</a:t>
+            </a:r>
+          </a:p>
+          <a:p>
+            <a:r>
+              <a:rPr lang="en-US" dirty="0"/>
+              <a:t>Jest jedno 'ale'.</a:t>
+            </a:r>
+          </a:p>
+        </p:txBody>
+      </p:sp>
+    </p:spTree>
+    <p:extLst>
+      <p:ext uri="{BB962C8B-B14F-4D97-AF65-F5344CB8AC3E}">
+        <p14:creationId xmlns:p14="http://schemas.microsoft.com/office/powerpoint/2010/main" val="1616709199"/>
+      </p:ext>
+    </p:extLst>
+  </p:cSld>
+  <p:clrMapOvr>
+    <a:masterClrMapping/>
+  </p:clrMapOvr>
+</p:sld>
+</file>
+
+<file path=ppt/slides/slide11.xml><?xml version="1.0" encoding="utf-8"?>
+<p:sld xmlns:a="http://schemas.openxmlformats.org/drawingml/2006/main" xmlns:r="http://schemas.openxmlformats.org/officeDocument/2006/relationships" xmlns:p="http://schemas.openxmlformats.org/presentationml/2006/main">
+  <p:cSld>
+    <p:spTree>
+      <p:nvGrpSpPr>
+        <p:cNvPr id="1" name=""/>
+        <p:cNvGrpSpPr/>
+        <p:nvPr/>
+      </p:nvGrpSpPr>
+      <p:grpSpPr>
+        <a:xfrm>
+          <a:off x="0" y="0"/>
+          <a:ext cx="0" cy="0"/>
+          <a:chOff x="0" y="0"/>
+          <a:chExt cx="0" cy="0"/>
+        </a:xfrm>
+      </p:grpSpPr>
+      <p:sp>
+        <p:nvSpPr>
+          <p:cNvPr id="2" name="Title 1"/>
+          <p:cNvSpPr>
+            <a:spLocks noGrp="1"/>
+          </p:cNvSpPr>
+          <p:nvPr>
+            <p:ph type="title"/>
+          </p:nvPr>
+        </p:nvSpPr>
+        <p:spPr/>
+        <p:txBody>
+          <a:bodyPr/>
+          <a:lstStyle/>
+          <a:p>
+            <a:r>
+              <a:rPr lang="en-US" dirty="0"/>
+              <a:t>ID użytkownika to string.</a:t>
+            </a:r>
+          </a:p>
+        </p:txBody>
+      </p:sp>
+      <p:pic>
+        <p:nvPicPr>
+          <p:cNvPr id="4" name="Content Placeholder 3" descr="steamworkshop_webupload_previewfile_393207598_preview.png"/>
+          <p:cNvPicPr>
+            <a:picLocks noGrp="1" noChangeAspect="1"/>
+          </p:cNvPicPr>
+          <p:nvPr>
+            <p:ph idx="1"/>
+          </p:nvPr>
+        </p:nvPicPr>
+        <p:blipFill>
+          <a:blip r:embed="rId3"/>
+          <a:stretch>
+            <a:fillRect/>
+          </a:stretch>
+        </p:blipFill>
+        <p:spPr>
+          <a:xfrm>
+            <a:off x="2276819" y="1882775"/>
+            <a:ext cx="4590361" cy="4572000"/>
+          </a:xfrm>
+        </p:spPr>
+      </p:pic>
+    </p:spTree>
+    <p:extLst>
+      <p:ext uri="{BB962C8B-B14F-4D97-AF65-F5344CB8AC3E}">
+        <p14:creationId xmlns:p14="http://schemas.microsoft.com/office/powerpoint/2010/main" val="726893608"/>
+      </p:ext>
+    </p:extLst>
+  </p:cSld>
+  <p:clrMapOvr>
+    <a:masterClrMapping/>
+  </p:clrMapOvr>
+</p:sld>
+</file>
+
+<file path=ppt/slides/slide12.xml><?xml version="1.0" encoding="utf-8"?>
+<p:sld xmlns:a="http://schemas.openxmlformats.org/drawingml/2006/main" xmlns:r="http://schemas.openxmlformats.org/officeDocument/2006/relationships" xmlns:p="http://schemas.openxmlformats.org/presentationml/2006/main">
+  <p:cSld>
+    <p:spTree>
+      <p:nvGrpSpPr>
+        <p:cNvPr id="1" name=""/>
+        <p:cNvGrpSpPr/>
+        <p:nvPr/>
+      </p:nvGrpSpPr>
+      <p:grpSpPr>
+        <a:xfrm>
+          <a:off x="0" y="0"/>
+          <a:ext cx="0" cy="0"/>
+          <a:chOff x="0" y="0"/>
+          <a:chExt cx="0" cy="0"/>
+        </a:xfrm>
+      </p:grpSpPr>
+      <p:sp>
+        <p:nvSpPr>
+          <p:cNvPr id="2" name="Title 1"/>
+          <p:cNvSpPr>
+            <a:spLocks noGrp="1"/>
+          </p:cNvSpPr>
+          <p:nvPr>
+            <p:ph type="title"/>
+          </p:nvPr>
+        </p:nvSpPr>
         <p:spPr/>
         <p:txBody>
           <a:bodyPr/>
@@ -5957,7 +6372,9 @@
         </p:nvSpPr>
         <p:spPr/>
         <p:txBody>
-          <a:bodyPr/>
+          <a:bodyPr>
+            <a:normAutofit fontScale="85000" lnSpcReduction="10000"/>
+          </a:bodyPr>
           <a:lstStyle/>
           <a:p>
             <a:r>
@@ -5975,6 +6392,20 @@
             <a:r>
               <a:rPr lang="en-US" dirty="0"/>
               <a:t>Zmiana string -&gt; int == ~10 klas do zaimplementowania na nowo.</a:t>
+            </a:r>
+          </a:p>
+          <a:p>
+            <a:r>
+              <a:rPr lang="en-US" dirty="0"/>
+              <a:t>Czy ktokolwiek uczył inżynierów MS o skalowalności, wydajności </a:t>
+            </a:r>
+            <a:r>
+              <a:rPr lang="en-US" dirty="0" err="1"/>
+              <a:t>i</a:t>
+            </a:r>
+            <a:r>
+              <a:rPr lang="en-US" dirty="0"/>
+              <a:t> optymalizacji...?!</a:t>
             </a:r>
           </a:p>
           <a:p>
@@ -6001,7 +6432,7 @@
 </p:sld>
 </file>
 
-<file path=ppt/slides/slide11.xml><?xml version="1.0" encoding="utf-8"?>
+<file path=ppt/slides/slide13.xml><?xml version="1.0" encoding="utf-8"?>
 <p:sld xmlns:a="http://schemas.openxmlformats.org/drawingml/2006/main" xmlns:r="http://schemas.openxmlformats.org/officeDocument/2006/relationships" xmlns:p="http://schemas.openxmlformats.org/presentationml/2006/main">
   <p:cSld>
     <p:spTree>
@@ -6081,182 +6512,6 @@
 </p:sld>
 </file>
 
-<file path=ppt/slides/slide12.xml><?xml version="1.0" encoding="utf-8"?>
-<p:sld xmlns:a="http://schemas.openxmlformats.org/drawingml/2006/main" xmlns:r="http://schemas.openxmlformats.org/officeDocument/2006/relationships" xmlns:p="http://schemas.openxmlformats.org/presentationml/2006/main">
-  <p:cSld>
-    <p:spTree>
-      <p:nvGrpSpPr>
-        <p:cNvPr id="1" name=""/>
-        <p:cNvGrpSpPr/>
-        <p:nvPr/>
-      </p:nvGrpSpPr>
-      <p:grpSpPr>
-        <a:xfrm>
-          <a:off x="0" y="0"/>
-          <a:ext cx="0" cy="0"/>
-          <a:chOff x="0" y="0"/>
-          <a:chExt cx="0" cy="0"/>
-        </a:xfrm>
-      </p:grpSpPr>
-      <p:sp>
-        <p:nvSpPr>
-          <p:cNvPr id="2" name="Title 1"/>
-          <p:cNvSpPr>
-            <a:spLocks noGrp="1"/>
-          </p:cNvSpPr>
-          <p:nvPr>
-            <p:ph type="title"/>
-          </p:nvPr>
-        </p:nvSpPr>
-        <p:spPr/>
-        <p:txBody>
-          <a:bodyPr/>
-          <a:lstStyle/>
-          <a:p>
-            <a:r>
-              <a:rPr lang="en-US" dirty="0"/>
-              <a:t>Entity Framework to ORM</a:t>
-            </a:r>
-          </a:p>
-        </p:txBody>
-      </p:sp>
-      <p:sp>
-        <p:nvSpPr>
-          <p:cNvPr id="3" name="Content Placeholder 2"/>
-          <p:cNvSpPr>
-            <a:spLocks noGrp="1"/>
-          </p:cNvSpPr>
-          <p:nvPr>
-            <p:ph idx="1"/>
-          </p:nvPr>
-        </p:nvSpPr>
-        <p:spPr/>
-        <p:txBody>
-          <a:bodyPr/>
-          <a:lstStyle/>
-          <a:p>
-            <a:r>
-              <a:rPr lang="en-US" dirty="0"/>
-              <a:t>ORM = Object Relational Mapper</a:t>
-            </a:r>
-          </a:p>
-          <a:p>
-            <a:r>
-              <a:rPr lang="en-US" dirty="0"/>
-              <a:t>Szczytna idea bezproblemowej pracy wyłącznie z obiektami wyłącznie w kodzie, bez względu na typ/producenta bazy danych</a:t>
-            </a:r>
-          </a:p>
-          <a:p>
-            <a:r>
-              <a:rPr lang="en-US" i="1" dirty="0"/>
-              <a:t>Słowa kluczowe:</a:t>
-            </a:r>
-            <a:r>
-              <a:rPr lang="en-US" dirty="0"/>
-              <a:t> kłamstwa, szybkość ślimaka, problemy, brak skalowalności (i.e. data sharding), wzrost obciążenia bazy danych, SELECT *</a:t>
-            </a:r>
-          </a:p>
-        </p:txBody>
-      </p:sp>
-    </p:spTree>
-    <p:extLst>
-      <p:ext uri="{BB962C8B-B14F-4D97-AF65-F5344CB8AC3E}">
-        <p14:creationId xmlns:p14="http://schemas.microsoft.com/office/powerpoint/2010/main" val="332076220"/>
-      </p:ext>
-    </p:extLst>
-  </p:cSld>
-  <p:clrMapOvr>
-    <a:masterClrMapping/>
-  </p:clrMapOvr>
-</p:sld>
-</file>
-
-<file path=ppt/slides/slide13.xml><?xml version="1.0" encoding="utf-8"?>
-<p:sld xmlns:a="http://schemas.openxmlformats.org/drawingml/2006/main" xmlns:r="http://schemas.openxmlformats.org/officeDocument/2006/relationships" xmlns:p="http://schemas.openxmlformats.org/presentationml/2006/main">
-  <p:cSld>
-    <p:spTree>
-      <p:nvGrpSpPr>
-        <p:cNvPr id="1" name=""/>
-        <p:cNvGrpSpPr/>
-        <p:nvPr/>
-      </p:nvGrpSpPr>
-      <p:grpSpPr>
-        <a:xfrm>
-          <a:off x="0" y="0"/>
-          <a:ext cx="0" cy="0"/>
-          <a:chOff x="0" y="0"/>
-          <a:chExt cx="0" cy="0"/>
-        </a:xfrm>
-      </p:grpSpPr>
-      <p:sp>
-        <p:nvSpPr>
-          <p:cNvPr id="2" name="Title 1"/>
-          <p:cNvSpPr>
-            <a:spLocks noGrp="1"/>
-          </p:cNvSpPr>
-          <p:nvPr>
-            <p:ph type="title"/>
-          </p:nvPr>
-        </p:nvSpPr>
-        <p:spPr/>
-        <p:txBody>
-          <a:bodyPr/>
-          <a:lstStyle/>
-          <a:p>
-            <a:r>
-              <a:rPr lang="en-US" dirty="0"/>
-              <a:t>Czy EF jest zły?</a:t>
-            </a:r>
-          </a:p>
-        </p:txBody>
-      </p:sp>
-      <p:sp>
-        <p:nvSpPr>
-          <p:cNvPr id="3" name="Content Placeholder 2"/>
-          <p:cNvSpPr>
-            <a:spLocks noGrp="1"/>
-          </p:cNvSpPr>
-          <p:nvPr>
-            <p:ph idx="1"/>
-          </p:nvPr>
-        </p:nvSpPr>
-        <p:spPr/>
-        <p:txBody>
-          <a:bodyPr/>
-          <a:lstStyle/>
-          <a:p>
-            <a:r>
-              <a:rPr lang="en-US" dirty="0"/>
-              <a:t>Cytując klasyka: ma swoje miejsce. </a:t>
-            </a:r>
-          </a:p>
-          <a:p>
-            <a:r>
-              <a:rPr lang="en-US" dirty="0"/>
-              <a:t>Wygoda ma swoją cenę w postaci praktycznie wolniejszej aplikacji, problemów z relacjami między obiektami, procedurami w bazie.</a:t>
-            </a:r>
-          </a:p>
-          <a:p>
-            <a:r>
-              <a:rPr lang="en-US" dirty="0"/>
-              <a:t>O systemie cache'u nawet nie wspominam.</a:t>
-            </a:r>
-          </a:p>
-        </p:txBody>
-      </p:sp>
-    </p:spTree>
-    <p:extLst>
-      <p:ext uri="{BB962C8B-B14F-4D97-AF65-F5344CB8AC3E}">
-        <p14:creationId xmlns:p14="http://schemas.microsoft.com/office/powerpoint/2010/main" val="2545030632"/>
-      </p:ext>
-    </p:extLst>
-  </p:cSld>
-  <p:clrMapOvr>
-    <a:masterClrMapping/>
-  </p:clrMapOvr>
-</p:sld>
-</file>
-
 <file path=ppt/slides/slide14.xml><?xml version="1.0" encoding="utf-8"?>
 <p:sld xmlns:a="http://schemas.openxmlformats.org/drawingml/2006/main" xmlns:r="http://schemas.openxmlformats.org/officeDocument/2006/relationships" xmlns:p="http://schemas.openxmlformats.org/presentationml/2006/main">
   <p:cSld>
@@ -6291,7 +6546,7 @@
           <a:p>
             <a:r>
               <a:rPr lang="en-US" dirty="0"/>
-              <a:t>ORM wydajnościowo...</a:t>
+              <a:t>Entity Framework to ORM</a:t>
             </a:r>
           </a:p>
         </p:txBody>
@@ -6308,70 +6563,28 @@
         </p:nvSpPr>
         <p:spPr/>
         <p:txBody>
-          <a:bodyPr>
-            <a:normAutofit fontScale="92500" lnSpcReduction="20000"/>
-          </a:bodyPr>
+          <a:bodyPr/>
           <a:lstStyle/>
           <a:p>
             <a:r>
               <a:rPr lang="en-US" dirty="0"/>
-              <a:t>... </a:t>
-            </a:r>
-            <a:r>
-              <a:rPr lang="en-US" dirty="0">
-                <a:latin typeface="Century Gothic" charset="0"/>
-              </a:rPr>
-              <a:t>jest kiepski, bo uruchomienie docspin'a zajmuje średnio dwie minuty</a:t>
-            </a:r>
-          </a:p>
-          <a:p>
-            <a:r>
-              <a:rPr lang="en-US" dirty="0">
-                <a:latin typeface="Century Gothic" charset="0"/>
-              </a:rPr>
-              <a:t>... jest dobry, ale tylko </a:t>
-            </a:r>
+              <a:t>ORM = Object Relational Mapper</a:t>
+            </a:r>
+          </a:p>
+          <a:p>
             <a:r>
               <a:rPr lang="en-US" dirty="0"/>
-              <a:t>jeśli jest to</a:t>
-            </a:r>
-            <a:br>
+              <a:t>Szczytna idea bezproblemowej pracy wyłącznie z obiektami wyłącznie w kodzie, bez względu na typ/producenta bazy danych</a:t>
+            </a:r>
+          </a:p>
+          <a:p>
+            <a:r>
+              <a:rPr lang="en-US" i="1" dirty="0"/>
+              <a:t>Słowa kluczowe:</a:t>
+            </a:r>
+            <a:r>
               <a:rPr lang="en-US" dirty="0"/>
-            </a:br>
-            <a:r>
-              <a:rPr lang="en-US" dirty="0"/>
-              <a:t>tzw "slim </a:t>
-            </a:r>
-            <a:r>
-              <a:rPr lang="en-US" dirty="0" err="1"/>
-              <a:t>ORM</a:t>
-            </a:r>
-            <a:r>
-              <a:rPr lang="en-US" dirty="0"/>
-              <a:t>".</a:t>
-            </a:r>
-          </a:p>
-          <a:p>
-            <a:r>
-              <a:rPr lang="en-US" dirty="0"/>
-              <a:t>Jest to rozwiązanie dobre jeśli wydajność jest kluczowa, a użytkownik wie jak pisać zapytania SQL.</a:t>
-            </a:r>
-          </a:p>
-          <a:p>
-            <a:endParaRPr lang="en-US" dirty="0"/>
-          </a:p>
-          <a:p>
-            <a:r>
-              <a:rPr lang="en-US" dirty="0"/>
-              <a:t>Prosty slim ORM razem z systemem CRUD to jakieś 1,5k linii w PHP (sam pisałem :P ) </a:t>
-            </a:r>
-            <a:r>
-              <a:rPr lang="en-US" dirty="0" err="1"/>
-              <a:t>i</a:t>
-            </a:r>
-            <a:r>
-              <a:rPr lang="en-US" dirty="0"/>
-              <a:t> pomijalny narzut obciążeniowy</a:t>
+              <a:t> kłamstwa, szybkość ślimaka, problemy, brak skalowalności (i.e. data sharding), wzrost obciążenia, SELECT *</a:t>
             </a:r>
           </a:p>
         </p:txBody>
@@ -6379,7 +6592,7 @@
     </p:spTree>
     <p:extLst>
       <p:ext uri="{BB962C8B-B14F-4D97-AF65-F5344CB8AC3E}">
-        <p14:creationId xmlns:p14="http://schemas.microsoft.com/office/powerpoint/2010/main" val="1104519949"/>
+        <p14:creationId xmlns:p14="http://schemas.microsoft.com/office/powerpoint/2010/main" val="332076220"/>
       </p:ext>
     </p:extLst>
   </p:cSld>
@@ -6423,7 +6636,7 @@
           <a:p>
             <a:r>
               <a:rPr lang="en-US" dirty="0"/>
-              <a:t>Identity, Model First, EF, ...</a:t>
+              <a:t>Czy EF jest zły?</a:t>
             </a:r>
           </a:p>
         </p:txBody>
@@ -6438,53 +6651,26 @@
             <p:ph idx="1"/>
           </p:nvPr>
         </p:nvSpPr>
-        <p:spPr>
-          <a:xfrm>
-            <a:off x="457200" y="1524344"/>
-            <a:ext cx="8229600" cy="5121595"/>
-          </a:xfrm>
-        </p:spPr>
-        <p:txBody>
-          <a:bodyPr>
-            <a:normAutofit fontScale="85000" lnSpcReduction="20000"/>
-          </a:bodyPr>
+        <p:spPr/>
+        <p:txBody>
+          <a:bodyPr/>
           <a:lstStyle/>
           <a:p>
             <a:r>
               <a:rPr lang="en-US" dirty="0"/>
-              <a:t>Bindowanie modeli w MVC działa wyłącznie jeśli model ma właściwości a nie zmienne (WTF lvl over 9000)</a:t>
+              <a:t>Cytując klasyka: ma swoje miejsce. </a:t>
             </a:r>
           </a:p>
           <a:p>
             <a:r>
               <a:rPr lang="en-US" dirty="0"/>
-              <a:t>Różnica między zmienną typu instancji obiektu a interfejsem potrafi wysypać całą aplikację</a:t>
+              <a:t>Wygoda ma swoją cenę w postaci praktycznie wolniejszej aplikacji, problemów z relacjami między obiektami, procedurami w bazie, optymalizacją zapytań.</a:t>
             </a:r>
           </a:p>
           <a:p>
             <a:r>
               <a:rPr lang="en-US" dirty="0"/>
-              <a:t>Razor błędy w wykonaniu pokazuje dwufazowo: w VS (kompletnie pozbawione sensu </a:t>
-            </a:r>
-            <a:r>
-              <a:rPr lang="en-US" dirty="0" err="1"/>
-              <a:t>i</a:t>
-            </a:r>
-            <a:r>
-              <a:rPr lang="en-US" dirty="0"/>
-              <a:t> kontekstu) oraz w przeglądarce</a:t>
-            </a:r>
-          </a:p>
-          <a:p>
-            <a:r>
-              <a:rPr lang="en-US" dirty="0"/>
-              <a:t>Wczytywanie powiązanych obiektów ma bardzo dziwną składnię</a:t>
-            </a:r>
-          </a:p>
-          <a:p>
-            <a:r>
-              <a:rPr lang="en-US" dirty="0"/>
-              <a:t>Dostęp do obiektów kontekstu Http poza kontrolerem to dość długa linia kodu, a wczytanie obiektu użytkownika bez EF przypomina pisanie poezji (dosłownie)</a:t>
+              <a:t>O systemie cache'u nawet nie wspominam.</a:t>
             </a:r>
           </a:p>
         </p:txBody>
@@ -6492,7 +6678,7 @@
     </p:spTree>
     <p:extLst>
       <p:ext uri="{BB962C8B-B14F-4D97-AF65-F5344CB8AC3E}">
-        <p14:creationId xmlns:p14="http://schemas.microsoft.com/office/powerpoint/2010/main" val="4053780431"/>
+        <p14:creationId xmlns:p14="http://schemas.microsoft.com/office/powerpoint/2010/main" val="2545030632"/>
       </p:ext>
     </p:extLst>
   </p:cSld>
@@ -6536,7 +6722,79 @@
           <a:p>
             <a:r>
               <a:rPr lang="en-US" dirty="0"/>
-              <a:t>I tak dalej, </a:t>
+              <a:t>ORM wydajnościowo...</a:t>
+            </a:r>
+          </a:p>
+        </p:txBody>
+      </p:sp>
+      <p:sp>
+        <p:nvSpPr>
+          <p:cNvPr id="3" name="Content Placeholder 2"/>
+          <p:cNvSpPr>
+            <a:spLocks noGrp="1"/>
+          </p:cNvSpPr>
+          <p:nvPr>
+            <p:ph idx="1"/>
+          </p:nvPr>
+        </p:nvSpPr>
+        <p:spPr/>
+        <p:txBody>
+          <a:bodyPr>
+            <a:normAutofit fontScale="92500" lnSpcReduction="20000"/>
+          </a:bodyPr>
+          <a:lstStyle/>
+          <a:p>
+            <a:r>
+              <a:rPr lang="en-US" dirty="0"/>
+              <a:t>... </a:t>
+            </a:r>
+            <a:r>
+              <a:rPr lang="en-US" dirty="0">
+                <a:latin typeface="Century Gothic" charset="0"/>
+              </a:rPr>
+              <a:t>jest kiepski, bo uruchomienie docspin'a zajmuje średnio dwie minuty </a:t>
+            </a:r>
+          </a:p>
+          <a:p>
+            <a:r>
+              <a:rPr lang="en-US" dirty="0">
+                <a:latin typeface="Century Gothic" charset="0"/>
+              </a:rPr>
+              <a:t>... jest dobry, ale tylko </a:t>
+            </a:r>
+            <a:r>
+              <a:rPr lang="en-US" dirty="0"/>
+              <a:t>jeśli jest to</a:t>
+            </a:r>
+            <a:br>
+              <a:rPr lang="en-US" dirty="0"/>
+            </a:br>
+            <a:r>
+              <a:rPr lang="en-US" dirty="0"/>
+              <a:t>tzw "slim </a:t>
+            </a:r>
+            <a:r>
+              <a:rPr lang="en-US" dirty="0" err="1"/>
+              <a:t>ORM</a:t>
+            </a:r>
+            <a:r>
+              <a:rPr lang="en-US" dirty="0"/>
+              <a:t>".</a:t>
+            </a:r>
+          </a:p>
+          <a:p>
+            <a:r>
+              <a:rPr lang="en-US" dirty="0"/>
+              <a:t>Jest to rozwiązanie dobre jeśli wydajność jest kluczowa, a użytkownik wie jak pisać zapytania SQL.</a:t>
+            </a:r>
+          </a:p>
+          <a:p>
+            <a:endParaRPr lang="en-US" dirty="0"/>
+          </a:p>
+          <a:p>
+            <a:r>
+              <a:rPr lang="en-US" dirty="0"/>
+              <a:t>Prosty slim ORM razem z systemem CRUD to jakieś 1,5k linii w PHP (sam pisałem :P ) </a:t>
             </a:r>
             <a:r>
               <a:rPr lang="en-US" dirty="0" err="1"/>
@@ -6544,125 +6802,15 @@
             </a:r>
             <a:r>
               <a:rPr lang="en-US" dirty="0"/>
-              <a:t> tak dalej...</a:t>
-            </a:r>
-          </a:p>
-        </p:txBody>
-      </p:sp>
-      <p:sp>
-        <p:nvSpPr>
-          <p:cNvPr id="3" name="Content Placeholder 2"/>
-          <p:cNvSpPr>
-            <a:spLocks noGrp="1"/>
-          </p:cNvSpPr>
-          <p:nvPr>
-            <p:ph idx="1"/>
-          </p:nvPr>
-        </p:nvSpPr>
-        <p:spPr/>
-        <p:txBody>
-          <a:bodyPr/>
-          <a:lstStyle/>
-          <a:p>
-            <a:r>
-              <a:rPr lang="en-US" dirty="0"/>
-              <a:t>[NotMapped]</a:t>
-            </a:r>
-          </a:p>
-          <a:p>
-            <a:r>
-              <a:rPr lang="en-US" dirty="0"/>
-              <a:t>Konfliktujące konteksty bazy danych</a:t>
-            </a:r>
-          </a:p>
-          <a:p>
-            <a:r>
-              <a:rPr lang="en-US" dirty="0"/>
-              <a:t>@ w Razor</a:t>
-            </a:r>
-          </a:p>
-          <a:p>
-            <a:r>
-              <a:rPr lang="en-US" dirty="0"/>
-              <a:t>Session</a:t>
-            </a:r>
-          </a:p>
-          <a:p>
-            <a:r>
-              <a:rPr lang="en-US" dirty="0"/>
-              <a:t>Migrations</a:t>
-            </a:r>
-          </a:p>
-        </p:txBody>
-      </p:sp>
-      <p:pic>
-        <p:nvPicPr>
-          <p:cNvPr id="4" name="Picture 3" descr="5400783+_bcee43d51b91a12592cc1f87e425789f[1].png"/>
-          <p:cNvPicPr>
-            <a:picLocks noChangeAspect="1"/>
-          </p:cNvPicPr>
-          <p:nvPr/>
-        </p:nvPicPr>
-        <p:blipFill>
-          <a:blip r:embed="rId3"/>
-          <a:stretch>
-            <a:fillRect/>
-          </a:stretch>
-        </p:blipFill>
-        <p:spPr>
-          <a:xfrm>
-            <a:off x="3196015" y="3124697"/>
-            <a:ext cx="1623995" cy="1337450"/>
-          </a:xfrm>
-          <a:prstGeom prst="rect">
-            <a:avLst/>
-          </a:prstGeom>
-        </p:spPr>
-      </p:pic>
-      <p:sp>
-        <p:nvSpPr>
-          <p:cNvPr id="6" name="Rectangle 5"/>
-          <p:cNvSpPr/>
-          <p:nvPr/>
-        </p:nvSpPr>
-        <p:spPr>
-          <a:xfrm>
-            <a:off x="4175678" y="4231102"/>
-            <a:ext cx="663498" cy="233380"/>
-          </a:xfrm>
-          <a:prstGeom prst="rect">
-            <a:avLst/>
-          </a:prstGeom>
-        </p:spPr>
-        <p:style>
-          <a:lnRef idx="2">
-            <a:schemeClr val="accent1">
-              <a:shade val="50000"/>
-            </a:schemeClr>
-          </a:lnRef>
-          <a:fillRef idx="1">
-            <a:schemeClr val="accent1"/>
-          </a:fillRef>
-          <a:effectRef idx="0">
-            <a:schemeClr val="accent1"/>
-          </a:effectRef>
-          <a:fontRef idx="minor">
-            <a:schemeClr val="lt1"/>
-          </a:fontRef>
-        </p:style>
-        <p:txBody>
-          <a:bodyPr rtlCol="0" anchor="ctr"/>
-          <a:lstStyle/>
-          <a:p>
-            <a:pPr algn="ctr"/>
-            <a:endParaRPr lang="en-US"/>
+              <a:t> pomijalny narzut obciążeniowy</a:t>
+            </a:r>
           </a:p>
         </p:txBody>
       </p:sp>
     </p:spTree>
     <p:extLst>
       <p:ext uri="{BB962C8B-B14F-4D97-AF65-F5344CB8AC3E}">
-        <p14:creationId xmlns:p14="http://schemas.microsoft.com/office/powerpoint/2010/main" val="571466273"/>
+        <p14:creationId xmlns:p14="http://schemas.microsoft.com/office/powerpoint/2010/main" val="1104519949"/>
       </p:ext>
     </p:extLst>
   </p:cSld>
@@ -6689,36 +6837,9 @@
           <a:chExt cx="0" cy="0"/>
         </a:xfrm>
       </p:grpSpPr>
-      <p:sp>
-        <p:nvSpPr>
-          <p:cNvPr id="2" name="Title 1"/>
-          <p:cNvSpPr>
-            <a:spLocks noGrp="1"/>
-          </p:cNvSpPr>
-          <p:nvPr>
-            <p:ph type="title"/>
-          </p:nvPr>
-        </p:nvSpPr>
-        <p:spPr>
-          <a:xfrm>
-            <a:off x="1747555" y="1629536"/>
-            <a:ext cx="8229600" cy="1399032"/>
-          </a:xfrm>
-        </p:spPr>
-        <p:txBody>
-          <a:bodyPr/>
-          <a:lstStyle/>
-          <a:p>
-            <a:r>
-              <a:rPr lang="en-US" dirty="0"/>
-              <a:t>Są jednak plusy.</a:t>
-            </a:r>
-          </a:p>
-        </p:txBody>
-      </p:sp>
       <p:pic>
         <p:nvPicPr>
-          <p:cNvPr id="4" name="Content Placeholder 3" descr="like[1].png"/>
+          <p:cNvPr id="4" name="Content Placeholder 3" descr="ancient-aliens-guy-orig-guy-1877019145[1].jpg"/>
           <p:cNvPicPr>
             <a:picLocks noGrp="1" noChangeAspect="1"/>
           </p:cNvPicPr>
@@ -6734,15 +6855,99 @@
         </p:blipFill>
         <p:spPr>
           <a:xfrm>
-            <a:off x="2444572" y="3656997"/>
-            <a:ext cx="3836684" cy="1676417"/>
+            <a:off x="4862778" y="223981"/>
+            <a:ext cx="3886316" cy="3399740"/>
           </a:xfrm>
         </p:spPr>
       </p:pic>
+      <p:pic>
+        <p:nvPicPr>
+          <p:cNvPr id="5" name="Content Placeholder 3" descr="ancient-aliens-guy-orig-guy-1877019145[1].jpg"/>
+          <p:cNvPicPr>
+            <a:picLocks noChangeAspect="1"/>
+          </p:cNvPicPr>
+          <p:nvPr/>
+        </p:nvPicPr>
+        <p:blipFill>
+          <a:blip r:embed="rId3"/>
+          <a:stretch>
+            <a:fillRect/>
+          </a:stretch>
+        </p:blipFill>
+        <p:spPr>
+          <a:xfrm flipH="1">
+            <a:off x="618702" y="2235428"/>
+            <a:ext cx="3886316" cy="3399740"/>
+          </a:xfrm>
+          <a:prstGeom prst="rect">
+            <a:avLst/>
+          </a:prstGeom>
+        </p:spPr>
+      </p:pic>
+      <p:sp>
+        <p:nvSpPr>
+          <p:cNvPr id="7" name="TextBox 6"/>
+          <p:cNvSpPr txBox="1"/>
+          <p:nvPr/>
+        </p:nvSpPr>
+        <p:spPr>
+          <a:xfrm>
+            <a:off x="4705815" y="2555218"/>
+            <a:ext cx="4296405" cy="584775"/>
+          </a:xfrm>
+          <a:prstGeom prst="rect">
+            <a:avLst/>
+          </a:prstGeom>
+        </p:spPr>
+        <p:txBody>
+          <a:bodyPr rtlCol="0">
+            <a:spAutoFit/>
+          </a:bodyPr>
+          <a:lstStyle/>
+          <a:p>
+            <a:pPr algn="ctr"/>
+            <a:r>
+              <a:rPr lang="en-US" sz="3200" b="1" dirty="0"/>
+              <a:t>OPTYMALIZACJA</a:t>
+            </a:r>
+            <a:endParaRPr lang="en-US" b="1"/>
+          </a:p>
+        </p:txBody>
+      </p:sp>
+      <p:sp>
+        <p:nvSpPr>
+          <p:cNvPr id="9" name="TextBox 8"/>
+          <p:cNvSpPr txBox="1"/>
+          <p:nvPr/>
+        </p:nvSpPr>
+        <p:spPr>
+          <a:xfrm>
+            <a:off x="418171" y="4600403"/>
+            <a:ext cx="4296405" cy="584775"/>
+          </a:xfrm>
+          <a:prstGeom prst="rect">
+            <a:avLst/>
+          </a:prstGeom>
+        </p:spPr>
+        <p:txBody>
+          <a:bodyPr rtlCol="0">
+            <a:spAutoFit/>
+          </a:bodyPr>
+          <a:lstStyle/>
+          <a:p>
+            <a:pPr algn="ctr"/>
+            <a:r>
+              <a:rPr lang="en-US" sz="3200" b="1" dirty="0"/>
+              <a:t>SKALOWALNOŚĆ</a:t>
+            </a:r>
+            <a:endParaRPr lang="en-US" b="1" dirty="0"/>
+          </a:p>
+        </p:txBody>
+      </p:sp>
     </p:spTree>
     <p:extLst>
       <p:ext uri="{BB962C8B-B14F-4D97-AF65-F5344CB8AC3E}">
-        <p14:creationId xmlns:p14="http://schemas.microsoft.com/office/powerpoint/2010/main" val="2616078675"/>
+        <p14:creationId xmlns:p14="http://schemas.microsoft.com/office/powerpoint/2010/main" val="741371850"/>
       </p:ext>
     </p:extLst>
   </p:cSld>
@@ -6786,7 +6991,7 @@
           <a:p>
             <a:r>
               <a:rPr lang="en-US" dirty="0"/>
-              <a:t>Plusy:</a:t>
+              <a:t>Identity, Model First, EF, ...</a:t>
             </a:r>
           </a:p>
         </p:txBody>
@@ -6801,16 +7006,33 @@
             <p:ph idx="1"/>
           </p:nvPr>
         </p:nvSpPr>
-        <p:spPr/>
+        <p:spPr>
+          <a:xfrm>
+            <a:off x="457200" y="1524344"/>
+            <a:ext cx="8229600" cy="5121595"/>
+          </a:xfrm>
+        </p:spPr>
         <p:txBody>
           <a:bodyPr>
-            <a:normAutofit fontScale="85000" lnSpcReduction="10000"/>
+            <a:normAutofit fontScale="85000" lnSpcReduction="20000"/>
           </a:bodyPr>
           <a:lstStyle/>
           <a:p>
             <a:r>
               <a:rPr lang="en-US" dirty="0"/>
-              <a:t>Własne bindowanie obiektów to jedna klasa </a:t>
+              <a:t>Bindowanie modeli w MVC działa wyłącznie jeśli model ma właściwości a nie zmienne (WTF lvl over 9000)</a:t>
+            </a:r>
+          </a:p>
+          <a:p>
+            <a:r>
+              <a:rPr lang="en-US" dirty="0"/>
+              <a:t>Różnica między zmienną typu instancji obiektu a interfejsem potrafi wysypać całą aplikację</a:t>
+            </a:r>
+          </a:p>
+          <a:p>
+            <a:r>
+              <a:rPr lang="en-US" dirty="0"/>
+              <a:t>Razor błędy w wykonaniu pokazuje dwufazowo: w VS (kompletnie pozbawione sensu </a:t>
             </a:r>
             <a:r>
               <a:rPr lang="en-US" dirty="0" err="1"/>
@@ -6818,63 +7040,19 @@
             </a:r>
             <a:r>
               <a:rPr lang="en-US" dirty="0"/>
-              <a:t> 15 minut pracy</a:t>
+              <a:t> kontekstu) oraz w przeglądarce</a:t>
             </a:r>
           </a:p>
           <a:p>
             <a:r>
               <a:rPr lang="en-US" dirty="0"/>
-              <a:t>Częściowe widoki z toną opcji</a:t>
+              <a:t>Wczytywanie powiązanych obiektów ma bardzo dziwną składnię</a:t>
             </a:r>
           </a:p>
           <a:p>
             <a:r>
               <a:rPr lang="en-US" dirty="0"/>
-              <a:t>Dowolność w rozwijaniu domyślnej klasy użytkownika aplikacji (ApplicationUser)</a:t>
-            </a:r>
-          </a:p>
-          <a:p>
-            <a:r>
-              <a:rPr lang="en-US" dirty="0"/>
-              <a:t>Linq </a:t>
-            </a:r>
-            <a:r>
-              <a:rPr lang="en-US" dirty="0">
-                <a:latin typeface="Century Gothic" charset="0"/>
-              </a:rPr>
-              <a:t>♥ (poza tym, że jest woooolny)</a:t>
-            </a:r>
-          </a:p>
-          <a:p>
-            <a:r>
-              <a:rPr lang="en-US" dirty="0"/>
-              <a:t>Potężny routing</a:t>
-            </a:r>
-          </a:p>
-          <a:p>
-            <a:r>
-              <a:rPr lang="en-US" dirty="0"/>
-              <a:t>Gotowe </a:t>
-            </a:r>
-            <a:r>
-              <a:rPr lang="en-US" dirty="0" err="1"/>
-              <a:t>prototypy</a:t>
-            </a:r>
-            <a:r>
-              <a:rPr lang="en-US" dirty="0"/>
-              <a:t> w Razor okrutnie przyspieszają pisanie stron</a:t>
-            </a:r>
-          </a:p>
-          <a:p>
-            <a:r>
-              <a:rPr lang="en-US" dirty="0"/>
-              <a:t>Domyślny 'styl' nowego projektu to Bootstrap</a:t>
-            </a:r>
-          </a:p>
-          <a:p>
-            <a:r>
-              <a:rPr lang="en-US" dirty="0"/>
-              <a:t>Domyślne modele dla widoków</a:t>
+              <a:t>Dostęp do obiektów kontekstu Http poza kontrolerem to dość długa linia kodu, a wczytanie obiektu użytkownika bez EF przypomina pisanie poezji (dosłownie)</a:t>
             </a:r>
           </a:p>
         </p:txBody>
@@ -6882,7 +7060,7 @@
     </p:spTree>
     <p:extLst>
       <p:ext uri="{BB962C8B-B14F-4D97-AF65-F5344CB8AC3E}">
-        <p14:creationId xmlns:p14="http://schemas.microsoft.com/office/powerpoint/2010/main" val="1363536505"/>
+        <p14:creationId xmlns:p14="http://schemas.microsoft.com/office/powerpoint/2010/main" val="4053780431"/>
       </p:ext>
     </p:extLst>
   </p:cSld>
@@ -6926,7 +7104,15 @@
           <a:p>
             <a:r>
               <a:rPr lang="en-US" dirty="0"/>
-              <a:t>Garść statystyk</a:t>
+              <a:t>I tak dalej, </a:t>
+            </a:r>
+            <a:r>
+              <a:rPr lang="en-US" dirty="0" err="1"/>
+              <a:t>i</a:t>
+            </a:r>
+            <a:r>
+              <a:rPr lang="en-US" dirty="0"/>
+              <a:t> tak dalej...</a:t>
             </a:r>
           </a:p>
         </p:txBody>
@@ -6943,40 +7129,108 @@
         </p:nvSpPr>
         <p:spPr/>
         <p:txBody>
-          <a:bodyPr>
-            <a:normAutofit fontScale="85000" lnSpcReduction="20000"/>
-          </a:bodyPr>
+          <a:bodyPr/>
           <a:lstStyle/>
           <a:p>
             <a:r>
               <a:rPr lang="en-US" dirty="0"/>
-              <a:t>90% czasu poświęconego na projekt to błędy niezależne od woli twórców</a:t>
+              <a:t>[NotMapped]</a:t>
             </a:r>
           </a:p>
           <a:p>
             <a:r>
               <a:rPr lang="en-US" dirty="0"/>
-              <a:t>System reguł dostępu do obiektów powstał w 10 godzin. W tym czasie aplikacja była uruchamiana tak rzadko, jak to tylko możliwe (żeby nie kusić buga).</a:t>
+              <a:t>Konfliktujące konteksty bazy danych</a:t>
             </a:r>
           </a:p>
           <a:p>
             <a:r>
               <a:rPr lang="en-US" dirty="0"/>
-              <a:t>Połowa problemów projektowych zniknęła po porzuceniu podejścia Model First na rzecz Code First</a:t>
+              <a:t>@ w Razor</a:t>
             </a:r>
           </a:p>
           <a:p>
             <a:r>
               <a:rPr lang="en-US" dirty="0"/>
-              <a:t>Na mniej niż 24 godziny do oddania projektu Marcin jeszcze bawił się w poprawianie błędów podczas gdy Mikołaj kończył prezentację</a:t>
-            </a:r>
+              <a:t>Session</a:t>
+            </a:r>
+          </a:p>
+          <a:p>
+            <a:r>
+              <a:rPr lang="en-US" dirty="0"/>
+              <a:t>Migrations</a:t>
+            </a:r>
+          </a:p>
+        </p:txBody>
+      </p:sp>
+      <p:pic>
+        <p:nvPicPr>
+          <p:cNvPr id="4" name="Picture 3" descr="5400783+_bcee43d51b91a12592cc1f87e425789f[1].png"/>
+          <p:cNvPicPr>
+            <a:picLocks noChangeAspect="1"/>
+          </p:cNvPicPr>
+          <p:nvPr/>
+        </p:nvPicPr>
+        <p:blipFill>
+          <a:blip r:embed="rId3"/>
+          <a:stretch>
+            <a:fillRect/>
+          </a:stretch>
+        </p:blipFill>
+        <p:spPr>
+          <a:xfrm>
+            <a:off x="3196015" y="3124697"/>
+            <a:ext cx="1623995" cy="1337450"/>
+          </a:xfrm>
+          <a:prstGeom prst="rect">
+            <a:avLst/>
+          </a:prstGeom>
+        </p:spPr>
+      </p:pic>
+      <p:sp>
+        <p:nvSpPr>
+          <p:cNvPr id="6" name="Rectangle 5"/>
+          <p:cNvSpPr/>
+          <p:nvPr/>
+        </p:nvSpPr>
+        <p:spPr>
+          <a:xfrm>
+            <a:off x="4175678" y="4231102"/>
+            <a:ext cx="663498" cy="233380"/>
+          </a:xfrm>
+          <a:prstGeom prst="rect">
+            <a:avLst/>
+          </a:prstGeom>
+        </p:spPr>
+        <p:style>
+          <a:lnRef idx="2">
+            <a:schemeClr val="accent1">
+              <a:shade val="50000"/>
+            </a:schemeClr>
+          </a:lnRef>
+          <a:fillRef idx="1">
+            <a:schemeClr val="accent1"/>
+          </a:fillRef>
+          <a:effectRef idx="0">
+            <a:schemeClr val="accent1"/>
+          </a:effectRef>
+          <a:fontRef idx="minor">
+            <a:schemeClr val="lt1"/>
+          </a:fontRef>
+        </p:style>
+        <p:txBody>
+          <a:bodyPr rtlCol="0" anchor="ctr"/>
+          <a:lstStyle/>
+          <a:p>
+            <a:pPr algn="ctr"/>
+            <a:endParaRPr lang="en-US"/>
           </a:p>
         </p:txBody>
       </p:sp>
     </p:spTree>
     <p:extLst>
       <p:ext uri="{BB962C8B-B14F-4D97-AF65-F5344CB8AC3E}">
-        <p14:creationId xmlns:p14="http://schemas.microsoft.com/office/powerpoint/2010/main" val="3925434747"/>
+        <p14:creationId xmlns:p14="http://schemas.microsoft.com/office/powerpoint/2010/main" val="571466273"/>
       </p:ext>
     </p:extLst>
   </p:cSld>
@@ -7042,7 +7296,7 @@
           <a:p>
             <a:r>
               <a:rPr lang="pl-PL" dirty="0"/>
-              <a:t>Aplikacja przeglądarkowa pozwalająca na zarządzanie dokumentami w małej firmie</a:t>
+              <a:t>Aplikacja webowa pozwalająca na zarządzanie dokumentami w małej firmie</a:t>
             </a:r>
             <a:endParaRPr lang="en-US" dirty="0"/>
           </a:p>
@@ -7121,6 +7375,320 @@
             <p:ph type="title"/>
           </p:nvPr>
         </p:nvSpPr>
+        <p:spPr>
+          <a:xfrm>
+            <a:off x="1747555" y="1629536"/>
+            <a:ext cx="8229600" cy="1399032"/>
+          </a:xfrm>
+        </p:spPr>
+        <p:txBody>
+          <a:bodyPr/>
+          <a:lstStyle/>
+          <a:p>
+            <a:r>
+              <a:rPr lang="en-US" dirty="0"/>
+              <a:t>Są jednak plusy.</a:t>
+            </a:r>
+          </a:p>
+        </p:txBody>
+      </p:sp>
+      <p:pic>
+        <p:nvPicPr>
+          <p:cNvPr id="4" name="Content Placeholder 3" descr="like[1].png"/>
+          <p:cNvPicPr>
+            <a:picLocks noGrp="1" noChangeAspect="1"/>
+          </p:cNvPicPr>
+          <p:nvPr>
+            <p:ph idx="1"/>
+          </p:nvPr>
+        </p:nvPicPr>
+        <p:blipFill>
+          <a:blip r:embed="rId3"/>
+          <a:stretch>
+            <a:fillRect/>
+          </a:stretch>
+        </p:blipFill>
+        <p:spPr>
+          <a:xfrm>
+            <a:off x="2444572" y="3656997"/>
+            <a:ext cx="3836684" cy="1676417"/>
+          </a:xfrm>
+        </p:spPr>
+      </p:pic>
+    </p:spTree>
+    <p:extLst>
+      <p:ext uri="{BB962C8B-B14F-4D97-AF65-F5344CB8AC3E}">
+        <p14:creationId xmlns:p14="http://schemas.microsoft.com/office/powerpoint/2010/main" val="2616078675"/>
+      </p:ext>
+    </p:extLst>
+  </p:cSld>
+  <p:clrMapOvr>
+    <a:masterClrMapping/>
+  </p:clrMapOvr>
+</p:sld>
+</file>
+
+<file path=ppt/slides/slide21.xml><?xml version="1.0" encoding="utf-8"?>
+<p:sld xmlns:a="http://schemas.openxmlformats.org/drawingml/2006/main" xmlns:r="http://schemas.openxmlformats.org/officeDocument/2006/relationships" xmlns:p="http://schemas.openxmlformats.org/presentationml/2006/main">
+  <p:cSld>
+    <p:spTree>
+      <p:nvGrpSpPr>
+        <p:cNvPr id="1" name=""/>
+        <p:cNvGrpSpPr/>
+        <p:nvPr/>
+      </p:nvGrpSpPr>
+      <p:grpSpPr>
+        <a:xfrm>
+          <a:off x="0" y="0"/>
+          <a:ext cx="0" cy="0"/>
+          <a:chOff x="0" y="0"/>
+          <a:chExt cx="0" cy="0"/>
+        </a:xfrm>
+      </p:grpSpPr>
+      <p:sp>
+        <p:nvSpPr>
+          <p:cNvPr id="2" name="Title 1"/>
+          <p:cNvSpPr>
+            <a:spLocks noGrp="1"/>
+          </p:cNvSpPr>
+          <p:nvPr>
+            <p:ph type="title"/>
+          </p:nvPr>
+        </p:nvSpPr>
+        <p:spPr/>
+        <p:txBody>
+          <a:bodyPr/>
+          <a:lstStyle/>
+          <a:p>
+            <a:r>
+              <a:rPr lang="en-US" dirty="0"/>
+              <a:t>Plusy:</a:t>
+            </a:r>
+          </a:p>
+        </p:txBody>
+      </p:sp>
+      <p:sp>
+        <p:nvSpPr>
+          <p:cNvPr id="3" name="Content Placeholder 2"/>
+          <p:cNvSpPr>
+            <a:spLocks noGrp="1"/>
+          </p:cNvSpPr>
+          <p:nvPr>
+            <p:ph idx="1"/>
+          </p:nvPr>
+        </p:nvSpPr>
+        <p:spPr/>
+        <p:txBody>
+          <a:bodyPr>
+            <a:normAutofit fontScale="85000" lnSpcReduction="10000"/>
+          </a:bodyPr>
+          <a:lstStyle/>
+          <a:p>
+            <a:r>
+              <a:rPr lang="en-US" dirty="0"/>
+              <a:t>Własne bindowanie obiektów to jedna klasa </a:t>
+            </a:r>
+            <a:r>
+              <a:rPr lang="en-US" dirty="0" err="1"/>
+              <a:t>i</a:t>
+            </a:r>
+            <a:r>
+              <a:rPr lang="en-US" dirty="0"/>
+              <a:t> 15 minut pracy</a:t>
+            </a:r>
+          </a:p>
+          <a:p>
+            <a:r>
+              <a:rPr lang="en-US" dirty="0"/>
+              <a:t>Częściowe widoki z toną opcji</a:t>
+            </a:r>
+          </a:p>
+          <a:p>
+            <a:r>
+              <a:rPr lang="en-US" dirty="0"/>
+              <a:t>Dowolność w rozwijaniu domyślnej klasy użytkownika aplikacji (ApplicationUser)</a:t>
+            </a:r>
+          </a:p>
+          <a:p>
+            <a:r>
+              <a:rPr lang="en-US" dirty="0"/>
+              <a:t>Linq </a:t>
+            </a:r>
+            <a:r>
+              <a:rPr lang="en-US" dirty="0">
+                <a:latin typeface="Century Gothic" charset="0"/>
+              </a:rPr>
+              <a:t>♥ (poza tym, że jest woooolny)</a:t>
+            </a:r>
+          </a:p>
+          <a:p>
+            <a:r>
+              <a:rPr lang="en-US" dirty="0"/>
+              <a:t>Potężny routing</a:t>
+            </a:r>
+          </a:p>
+          <a:p>
+            <a:r>
+              <a:rPr lang="en-US" dirty="0"/>
+              <a:t>Gotowe </a:t>
+            </a:r>
+            <a:r>
+              <a:rPr lang="en-US" dirty="0" err="1"/>
+              <a:t>prototypy</a:t>
+            </a:r>
+            <a:r>
+              <a:rPr lang="en-US" dirty="0"/>
+              <a:t> w Razor okrutnie przyspieszają pisanie stron</a:t>
+            </a:r>
+          </a:p>
+          <a:p>
+            <a:r>
+              <a:rPr lang="en-US" dirty="0"/>
+              <a:t>Domyślny 'styl' nowego projektu to Bootstrap</a:t>
+            </a:r>
+          </a:p>
+          <a:p>
+            <a:r>
+              <a:rPr lang="en-US" dirty="0"/>
+              <a:t>Domyślne modele dla widoków</a:t>
+            </a:r>
+          </a:p>
+        </p:txBody>
+      </p:sp>
+    </p:spTree>
+    <p:extLst>
+      <p:ext uri="{BB962C8B-B14F-4D97-AF65-F5344CB8AC3E}">
+        <p14:creationId xmlns:p14="http://schemas.microsoft.com/office/powerpoint/2010/main" val="1363536505"/>
+      </p:ext>
+    </p:extLst>
+  </p:cSld>
+  <p:clrMapOvr>
+    <a:masterClrMapping/>
+  </p:clrMapOvr>
+</p:sld>
+</file>
+
+<file path=ppt/slides/slide22.xml><?xml version="1.0" encoding="utf-8"?>
+<p:sld xmlns:a="http://schemas.openxmlformats.org/drawingml/2006/main" xmlns:r="http://schemas.openxmlformats.org/officeDocument/2006/relationships" xmlns:p="http://schemas.openxmlformats.org/presentationml/2006/main">
+  <p:cSld>
+    <p:spTree>
+      <p:nvGrpSpPr>
+        <p:cNvPr id="1" name=""/>
+        <p:cNvGrpSpPr/>
+        <p:nvPr/>
+      </p:nvGrpSpPr>
+      <p:grpSpPr>
+        <a:xfrm>
+          <a:off x="0" y="0"/>
+          <a:ext cx="0" cy="0"/>
+          <a:chOff x="0" y="0"/>
+          <a:chExt cx="0" cy="0"/>
+        </a:xfrm>
+      </p:grpSpPr>
+      <p:sp>
+        <p:nvSpPr>
+          <p:cNvPr id="2" name="Title 1"/>
+          <p:cNvSpPr>
+            <a:spLocks noGrp="1"/>
+          </p:cNvSpPr>
+          <p:nvPr>
+            <p:ph type="title"/>
+          </p:nvPr>
+        </p:nvSpPr>
+        <p:spPr/>
+        <p:txBody>
+          <a:bodyPr/>
+          <a:lstStyle/>
+          <a:p>
+            <a:r>
+              <a:rPr lang="en-US" dirty="0"/>
+              <a:t>Garść statystyk</a:t>
+            </a:r>
+          </a:p>
+        </p:txBody>
+      </p:sp>
+      <p:sp>
+        <p:nvSpPr>
+          <p:cNvPr id="3" name="Content Placeholder 2"/>
+          <p:cNvSpPr>
+            <a:spLocks noGrp="1"/>
+          </p:cNvSpPr>
+          <p:nvPr>
+            <p:ph idx="1"/>
+          </p:nvPr>
+        </p:nvSpPr>
+        <p:spPr/>
+        <p:txBody>
+          <a:bodyPr>
+            <a:normAutofit fontScale="85000" lnSpcReduction="20000"/>
+          </a:bodyPr>
+          <a:lstStyle/>
+          <a:p>
+            <a:r>
+              <a:rPr lang="en-US" dirty="0"/>
+              <a:t>90% czasu poświęconego na projekt to błędy niezależne od woli twórców</a:t>
+            </a:r>
+          </a:p>
+          <a:p>
+            <a:r>
+              <a:rPr lang="en-US" dirty="0"/>
+              <a:t>System reguł dostępu do obiektów powstał w 10 godzin. W tym czasie aplikacja była uruchamiana tak rzadko, jak to tylko możliwe (żeby nie kusić buga).</a:t>
+            </a:r>
+          </a:p>
+          <a:p>
+            <a:r>
+              <a:rPr lang="en-US" dirty="0"/>
+              <a:t>Połowa problemów projektowych zniknęła po porzuceniu podejścia Model First na rzecz Code First</a:t>
+            </a:r>
+          </a:p>
+          <a:p>
+            <a:r>
+              <a:rPr lang="en-US" dirty="0"/>
+              <a:t>Na mniej niż 24 godziny do oddania projektu Marcin jeszcze bawił się w poprawianie błędów podczas gdy Mikołaj kończył prezentację</a:t>
+            </a:r>
+          </a:p>
+        </p:txBody>
+      </p:sp>
+    </p:spTree>
+    <p:extLst>
+      <p:ext uri="{BB962C8B-B14F-4D97-AF65-F5344CB8AC3E}">
+        <p14:creationId xmlns:p14="http://schemas.microsoft.com/office/powerpoint/2010/main" val="3925434747"/>
+      </p:ext>
+    </p:extLst>
+  </p:cSld>
+  <p:clrMapOvr>
+    <a:masterClrMapping/>
+  </p:clrMapOvr>
+</p:sld>
+</file>
+
+<file path=ppt/slides/slide23.xml><?xml version="1.0" encoding="utf-8"?>
+<p:sld xmlns:a="http://schemas.openxmlformats.org/drawingml/2006/main" xmlns:r="http://schemas.openxmlformats.org/officeDocument/2006/relationships" xmlns:p="http://schemas.openxmlformats.org/presentationml/2006/main">
+  <p:cSld>
+    <p:spTree>
+      <p:nvGrpSpPr>
+        <p:cNvPr id="1" name=""/>
+        <p:cNvGrpSpPr/>
+        <p:nvPr/>
+      </p:nvGrpSpPr>
+      <p:grpSpPr>
+        <a:xfrm>
+          <a:off x="0" y="0"/>
+          <a:ext cx="0" cy="0"/>
+          <a:chOff x="0" y="0"/>
+          <a:chExt cx="0" cy="0"/>
+        </a:xfrm>
+      </p:grpSpPr>
+      <p:sp>
+        <p:nvSpPr>
+          <p:cNvPr id="2" name="Title 1"/>
+          <p:cNvSpPr>
+            <a:spLocks noGrp="1"/>
+          </p:cNvSpPr>
+          <p:nvPr>
+            <p:ph type="title"/>
+          </p:nvPr>
+        </p:nvSpPr>
         <p:spPr/>
         <p:txBody>
           <a:bodyPr/>
@@ -7146,7 +7714,7 @@
 </p:sld>
 </file>
 
-<file path=ppt/slides/slide21.xml><?xml version="1.0" encoding="utf-8"?>
+<file path=ppt/slides/slide24.xml><?xml version="1.0" encoding="utf-8"?>
 <p:sld xmlns:a="http://schemas.openxmlformats.org/drawingml/2006/main" xmlns:r="http://schemas.openxmlformats.org/officeDocument/2006/relationships" xmlns:p="http://schemas.openxmlformats.org/presentationml/2006/main">
   <p:cSld>
     <p:spTree>
@@ -7283,7 +7851,7 @@
           <a:p>
             <a:r>
               <a:rPr lang="pl-PL" dirty="0"/>
-              <a:t>Dokument może mieć wiele wersji i swoje komentarze</a:t>
+              <a:t>Dokument może mieć wiele wersji, swoje komentarze</a:t>
             </a:r>
           </a:p>
           <a:p>
@@ -7364,7 +7932,7 @@
           <a:p>
             <a:r>
               <a:rPr lang="en-US" dirty="0"/>
-              <a:t>Problem powstaje, gdy coś nie działa </a:t>
+              <a:t>Problem powstaje, gdy coś działać powinno, ale nie działa, </a:t>
             </a:r>
             <a:r>
               <a:rPr lang="en-US" dirty="0" err="1"/>
@@ -7397,6 +7965,255 @@
 </file>
 
 <file path=ppt/slides/slide5.xml><?xml version="1.0" encoding="utf-8"?>
+<p:sld xmlns:a="http://schemas.openxmlformats.org/drawingml/2006/main" xmlns:r="http://schemas.openxmlformats.org/officeDocument/2006/relationships" xmlns:p="http://schemas.openxmlformats.org/presentationml/2006/main">
+  <p:cSld>
+    <p:spTree>
+      <p:nvGrpSpPr>
+        <p:cNvPr id="1" name=""/>
+        <p:cNvGrpSpPr/>
+        <p:nvPr/>
+      </p:nvGrpSpPr>
+      <p:grpSpPr>
+        <a:xfrm>
+          <a:off x="0" y="0"/>
+          <a:ext cx="0" cy="0"/>
+          <a:chOff x="0" y="0"/>
+          <a:chExt cx="0" cy="0"/>
+        </a:xfrm>
+      </p:grpSpPr>
+      <p:sp>
+        <p:nvSpPr>
+          <p:cNvPr id="2" name="Title 1"/>
+          <p:cNvSpPr>
+            <a:spLocks noGrp="1"/>
+          </p:cNvSpPr>
+          <p:nvPr>
+            <p:ph type="title"/>
+          </p:nvPr>
+        </p:nvSpPr>
+        <p:spPr/>
+        <p:txBody>
+          <a:bodyPr/>
+          <a:lstStyle/>
+          <a:p>
+            <a:r>
+              <a:rPr lang="en-US" dirty="0"/>
+              <a:t>Let's talk application models</a:t>
+            </a:r>
+          </a:p>
+        </p:txBody>
+      </p:sp>
+      <p:sp>
+        <p:nvSpPr>
+          <p:cNvPr id="3" name="Text Placeholder 2"/>
+          <p:cNvSpPr>
+            <a:spLocks noGrp="1"/>
+          </p:cNvSpPr>
+          <p:nvPr>
+            <p:ph type="body" idx="1"/>
+          </p:nvPr>
+        </p:nvSpPr>
+        <p:spPr>
+          <a:xfrm>
+            <a:off x="381000" y="1633538"/>
+            <a:ext cx="6335485" cy="2286000"/>
+          </a:xfrm>
+        </p:spPr>
+        <p:txBody>
+          <a:bodyPr/>
+          <a:lstStyle/>
+          <a:p>
+            <a:r>
+              <a:rPr lang="en-US" dirty="0"/>
+              <a:t>Porozmawiajmy o modelach aplikacji</a:t>
+            </a:r>
+          </a:p>
+        </p:txBody>
+      </p:sp>
+    </p:spTree>
+    <p:extLst>
+      <p:ext uri="{BB962C8B-B14F-4D97-AF65-F5344CB8AC3E}">
+        <p14:creationId xmlns:p14="http://schemas.microsoft.com/office/powerpoint/2010/main" val="1762417695"/>
+      </p:ext>
+    </p:extLst>
+  </p:cSld>
+  <p:clrMapOvr>
+    <a:masterClrMapping/>
+  </p:clrMapOvr>
+</p:sld>
+</file>
+
+<file path=ppt/slides/slide6.xml><?xml version="1.0" encoding="utf-8"?>
+<p:sld xmlns:a="http://schemas.openxmlformats.org/drawingml/2006/main" xmlns:r="http://schemas.openxmlformats.org/officeDocument/2006/relationships" xmlns:p="http://schemas.openxmlformats.org/presentationml/2006/main">
+  <p:cSld>
+    <p:spTree>
+      <p:nvGrpSpPr>
+        <p:cNvPr id="1" name=""/>
+        <p:cNvGrpSpPr/>
+        <p:nvPr/>
+      </p:nvGrpSpPr>
+      <p:grpSpPr>
+        <a:xfrm>
+          <a:off x="0" y="0"/>
+          <a:ext cx="0" cy="0"/>
+          <a:chOff x="0" y="0"/>
+          <a:chExt cx="0" cy="0"/>
+        </a:xfrm>
+      </p:grpSpPr>
+      <p:sp>
+        <p:nvSpPr>
+          <p:cNvPr id="2" name="Title 1"/>
+          <p:cNvSpPr>
+            <a:spLocks noGrp="1"/>
+          </p:cNvSpPr>
+          <p:nvPr>
+            <p:ph type="title"/>
+          </p:nvPr>
+        </p:nvSpPr>
+        <p:spPr/>
+        <p:txBody>
+          <a:bodyPr/>
+          <a:lstStyle/>
+          <a:p>
+            <a:r>
+              <a:rPr lang="en-US" dirty="0"/>
+              <a:t>Entity Framework, Model First</a:t>
+            </a:r>
+          </a:p>
+        </p:txBody>
+      </p:sp>
+      <p:sp>
+        <p:nvSpPr>
+          <p:cNvPr id="3" name="Content Placeholder 2"/>
+          <p:cNvSpPr>
+            <a:spLocks noGrp="1"/>
+          </p:cNvSpPr>
+          <p:nvPr>
+            <p:ph idx="1"/>
+          </p:nvPr>
+        </p:nvSpPr>
+        <p:spPr/>
+        <p:txBody>
+          <a:bodyPr/>
+          <a:lstStyle/>
+          <a:p>
+            <a:r>
+              <a:rPr lang="en-US" dirty="0"/>
+              <a:t>Motto twórców to "Zrób to po naszemu albo nie zrób tego wcale"</a:t>
+            </a:r>
+          </a:p>
+          <a:p>
+            <a:r>
+              <a:rPr lang="en-US" dirty="0"/>
+              <a:t>Dzięki Model First zaprojektujesz graficznie całą bazę danych ale nie zintegrujesz tego z istniejącymi tabelami w bazie</a:t>
+            </a:r>
+          </a:p>
+          <a:p>
+            <a:r>
+              <a:rPr lang="en-US" dirty="0"/>
+              <a:t>Dlaczego? Nie wiem, po tym incydencie projekt powstał od nowa.</a:t>
+            </a:r>
+          </a:p>
+        </p:txBody>
+      </p:sp>
+    </p:spTree>
+    <p:extLst>
+      <p:ext uri="{BB962C8B-B14F-4D97-AF65-F5344CB8AC3E}">
+        <p14:creationId xmlns:p14="http://schemas.microsoft.com/office/powerpoint/2010/main" val="4288666204"/>
+      </p:ext>
+    </p:extLst>
+  </p:cSld>
+  <p:clrMapOvr>
+    <a:masterClrMapping/>
+  </p:clrMapOvr>
+</p:sld>
+</file>
+
+<file path=ppt/slides/slide7.xml><?xml version="1.0" encoding="utf-8"?>
+<p:sld xmlns:a="http://schemas.openxmlformats.org/drawingml/2006/main" xmlns:r="http://schemas.openxmlformats.org/officeDocument/2006/relationships" xmlns:p="http://schemas.openxmlformats.org/presentationml/2006/main">
+  <p:cSld>
+    <p:spTree>
+      <p:nvGrpSpPr>
+        <p:cNvPr id="1" name=""/>
+        <p:cNvGrpSpPr/>
+        <p:nvPr/>
+      </p:nvGrpSpPr>
+      <p:grpSpPr>
+        <a:xfrm>
+          <a:off x="0" y="0"/>
+          <a:ext cx="0" cy="0"/>
+          <a:chOff x="0" y="0"/>
+          <a:chExt cx="0" cy="0"/>
+        </a:xfrm>
+      </p:grpSpPr>
+      <p:sp>
+        <p:nvSpPr>
+          <p:cNvPr id="2" name="Title 1"/>
+          <p:cNvSpPr>
+            <a:spLocks noGrp="1"/>
+          </p:cNvSpPr>
+          <p:nvPr>
+            <p:ph type="title"/>
+          </p:nvPr>
+        </p:nvSpPr>
+        <p:spPr>
+          <a:xfrm>
+            <a:off x="1102378" y="4580626"/>
+            <a:ext cx="8229600" cy="1399032"/>
+          </a:xfrm>
+        </p:spPr>
+        <p:txBody>
+          <a:bodyPr/>
+          <a:lstStyle/>
+          <a:p>
+            <a:r>
+              <a:rPr lang="en-US" dirty="0"/>
+              <a:t>Chwyt </a:t>
+            </a:r>
+            <a:r>
+              <a:rPr lang="en-US" dirty="0" err="1"/>
+              <a:t>marketingooowy</a:t>
+            </a:r>
+          </a:p>
+        </p:txBody>
+      </p:sp>
+      <p:pic>
+        <p:nvPicPr>
+          <p:cNvPr id="4" name="Content Placeholder 3" descr="blog_ot_4627394_6981186_tr_kabaret_ani_mru_mru__5_[1].jpg"/>
+          <p:cNvPicPr>
+            <a:picLocks noGrp="1" noChangeAspect="1"/>
+          </p:cNvPicPr>
+          <p:nvPr>
+            <p:ph idx="1"/>
+          </p:nvPr>
+        </p:nvPicPr>
+        <p:blipFill>
+          <a:blip r:embed="rId3"/>
+          <a:stretch>
+            <a:fillRect/>
+          </a:stretch>
+        </p:blipFill>
+        <p:spPr>
+          <a:xfrm>
+            <a:off x="2571418" y="1707757"/>
+            <a:ext cx="3810000" cy="2867025"/>
+          </a:xfrm>
+        </p:spPr>
+      </p:pic>
+    </p:spTree>
+    <p:extLst>
+      <p:ext uri="{BB962C8B-B14F-4D97-AF65-F5344CB8AC3E}">
+        <p14:creationId xmlns:p14="http://schemas.microsoft.com/office/powerpoint/2010/main" val="3817406960"/>
+      </p:ext>
+    </p:extLst>
+  </p:cSld>
+  <p:clrMapOvr>
+    <a:masterClrMapping/>
+  </p:clrMapOvr>
+</p:sld>
+</file>
+
+<file path=ppt/slides/slide8.xml><?xml version="1.0" encoding="utf-8"?>
 <p:sld xmlns:a="http://schemas.openxmlformats.org/drawingml/2006/main" xmlns:r="http://schemas.openxmlformats.org/officeDocument/2006/relationships" xmlns:p="http://schemas.openxmlformats.org/presentationml/2006/main">
   <p:cSld>
     <p:spTree>
@@ -7473,263 +8290,6 @@
 </p:sld>
 </file>
 
-<file path=ppt/slides/slide6.xml><?xml version="1.0" encoding="utf-8"?>
-<p:sld xmlns:a="http://schemas.openxmlformats.org/drawingml/2006/main" xmlns:r="http://schemas.openxmlformats.org/officeDocument/2006/relationships" xmlns:p="http://schemas.openxmlformats.org/presentationml/2006/main">
-  <p:cSld>
-    <p:spTree>
-      <p:nvGrpSpPr>
-        <p:cNvPr id="1" name=""/>
-        <p:cNvGrpSpPr/>
-        <p:nvPr/>
-      </p:nvGrpSpPr>
-      <p:grpSpPr>
-        <a:xfrm>
-          <a:off x="0" y="0"/>
-          <a:ext cx="0" cy="0"/>
-          <a:chOff x="0" y="0"/>
-          <a:chExt cx="0" cy="0"/>
-        </a:xfrm>
-      </p:grpSpPr>
-      <p:sp>
-        <p:nvSpPr>
-          <p:cNvPr id="2" name="Title 1"/>
-          <p:cNvSpPr>
-            <a:spLocks noGrp="1"/>
-          </p:cNvSpPr>
-          <p:nvPr>
-            <p:ph type="title"/>
-          </p:nvPr>
-        </p:nvSpPr>
-        <p:spPr/>
-        <p:txBody>
-          <a:bodyPr/>
-          <a:lstStyle/>
-          <a:p>
-            <a:r>
-              <a:rPr lang="en-US" dirty="0"/>
-              <a:t>Entity Framework, Model First</a:t>
-            </a:r>
-          </a:p>
-        </p:txBody>
-      </p:sp>
-      <p:sp>
-        <p:nvSpPr>
-          <p:cNvPr id="3" name="Content Placeholder 2"/>
-          <p:cNvSpPr>
-            <a:spLocks noGrp="1"/>
-          </p:cNvSpPr>
-          <p:nvPr>
-            <p:ph idx="1"/>
-          </p:nvPr>
-        </p:nvSpPr>
-        <p:spPr/>
-        <p:txBody>
-          <a:bodyPr/>
-          <a:lstStyle/>
-          <a:p>
-            <a:r>
-              <a:rPr lang="en-US" dirty="0"/>
-              <a:t>Motto twórców to "Zrób to po naszemu albo nie zrób tego wcale"</a:t>
-            </a:r>
-          </a:p>
-          <a:p>
-            <a:r>
-              <a:rPr lang="en-US" dirty="0"/>
-              <a:t>Dzięki Model First zaprojektujesz graficznie całą bazę danych ale nie zintegrujesz tego z istniejącymi tabelami w bazie</a:t>
-            </a:r>
-          </a:p>
-          <a:p>
-            <a:r>
-              <a:rPr lang="en-US" dirty="0"/>
-              <a:t>Dlaczego? Nie wiem, po tym incydencie projekt powstał od nowa.</a:t>
-            </a:r>
-          </a:p>
-        </p:txBody>
-      </p:sp>
-    </p:spTree>
-    <p:extLst>
-      <p:ext uri="{BB962C8B-B14F-4D97-AF65-F5344CB8AC3E}">
-        <p14:creationId xmlns:p14="http://schemas.microsoft.com/office/powerpoint/2010/main" val="4288666204"/>
-      </p:ext>
-    </p:extLst>
-  </p:cSld>
-  <p:clrMapOvr>
-    <a:masterClrMapping/>
-  </p:clrMapOvr>
-</p:sld>
-</file>
-
-<file path=ppt/slides/slide7.xml><?xml version="1.0" encoding="utf-8"?>
-<p:sld xmlns:a="http://schemas.openxmlformats.org/drawingml/2006/main" xmlns:r="http://schemas.openxmlformats.org/officeDocument/2006/relationships" xmlns:p="http://schemas.openxmlformats.org/presentationml/2006/main">
-  <p:cSld>
-    <p:spTree>
-      <p:nvGrpSpPr>
-        <p:cNvPr id="1" name=""/>
-        <p:cNvGrpSpPr/>
-        <p:nvPr/>
-      </p:nvGrpSpPr>
-      <p:grpSpPr>
-        <a:xfrm>
-          <a:off x="0" y="0"/>
-          <a:ext cx="0" cy="0"/>
-          <a:chOff x="0" y="0"/>
-          <a:chExt cx="0" cy="0"/>
-        </a:xfrm>
-      </p:grpSpPr>
-      <p:sp>
-        <p:nvSpPr>
-          <p:cNvPr id="2" name="Title 1"/>
-          <p:cNvSpPr>
-            <a:spLocks noGrp="1"/>
-          </p:cNvSpPr>
-          <p:nvPr>
-            <p:ph type="title"/>
-          </p:nvPr>
-        </p:nvSpPr>
-        <p:spPr/>
-        <p:txBody>
-          <a:bodyPr/>
-          <a:lstStyle/>
-          <a:p>
-            <a:r>
-              <a:rPr lang="en-US" dirty="0"/>
-              <a:t>... powstał od nowa...?</a:t>
-            </a:r>
-          </a:p>
-        </p:txBody>
-      </p:sp>
-      <p:sp>
-        <p:nvSpPr>
-          <p:cNvPr id="3" name="Content Placeholder 2"/>
-          <p:cNvSpPr>
-            <a:spLocks noGrp="1"/>
-          </p:cNvSpPr>
-          <p:nvPr>
-            <p:ph idx="1"/>
-          </p:nvPr>
-        </p:nvSpPr>
-        <p:spPr/>
-        <p:txBody>
-          <a:bodyPr/>
-          <a:lstStyle/>
-          <a:p>
-            <a:r>
-              <a:rPr lang="en-US" dirty="0"/>
-              <a:t>Tak, przez kolejny problem.</a:t>
-            </a:r>
-          </a:p>
-          <a:p>
-            <a:r>
-              <a:rPr lang="en-US" dirty="0"/>
-              <a:t>Simple Membership, framework do zarządzania użytkownikami nie mógł się "dogadać" z faktem istnienia Entity Framework w całości projektu.</a:t>
-            </a:r>
-          </a:p>
-          <a:p>
-            <a:r>
-              <a:rPr lang="en-US" dirty="0"/>
-              <a:t>Albo EF z SM, tak czy inaczej nie działało.</a:t>
-            </a:r>
-          </a:p>
-        </p:txBody>
-      </p:sp>
-    </p:spTree>
-    <p:extLst>
-      <p:ext uri="{BB962C8B-B14F-4D97-AF65-F5344CB8AC3E}">
-        <p14:creationId xmlns:p14="http://schemas.microsoft.com/office/powerpoint/2010/main" val="2208058564"/>
-      </p:ext>
-    </p:extLst>
-  </p:cSld>
-  <p:clrMapOvr>
-    <a:masterClrMapping/>
-  </p:clrMapOvr>
-</p:sld>
-</file>
-
-<file path=ppt/slides/slide8.xml><?xml version="1.0" encoding="utf-8"?>
-<p:sld xmlns:a="http://schemas.openxmlformats.org/drawingml/2006/main" xmlns:r="http://schemas.openxmlformats.org/officeDocument/2006/relationships" xmlns:p="http://schemas.openxmlformats.org/presentationml/2006/main">
-  <p:cSld>
-    <p:spTree>
-      <p:nvGrpSpPr>
-        <p:cNvPr id="1" name=""/>
-        <p:cNvGrpSpPr/>
-        <p:nvPr/>
-      </p:nvGrpSpPr>
-      <p:grpSpPr>
-        <a:xfrm>
-          <a:off x="0" y="0"/>
-          <a:ext cx="0" cy="0"/>
-          <a:chOff x="0" y="0"/>
-          <a:chExt cx="0" cy="0"/>
-        </a:xfrm>
-      </p:grpSpPr>
-      <p:sp>
-        <p:nvSpPr>
-          <p:cNvPr id="2" name="Title 1"/>
-          <p:cNvSpPr>
-            <a:spLocks noGrp="1"/>
-          </p:cNvSpPr>
-          <p:nvPr>
-            <p:ph type="title"/>
-          </p:nvPr>
-        </p:nvSpPr>
-        <p:spPr>
-          <a:xfrm>
-            <a:off x="457200" y="268288"/>
-            <a:ext cx="8492450" cy="1398587"/>
-          </a:xfrm>
-        </p:spPr>
-        <p:txBody>
-          <a:bodyPr/>
-          <a:lstStyle/>
-          <a:p>
-            <a:r>
-              <a:rPr lang="en-US" dirty="0"/>
-              <a:t>Nowy projekt, nowe możliwości</a:t>
-            </a:r>
-          </a:p>
-        </p:txBody>
-      </p:sp>
-      <p:sp>
-        <p:nvSpPr>
-          <p:cNvPr id="3" name="Content Placeholder 2"/>
-          <p:cNvSpPr>
-            <a:spLocks noGrp="1"/>
-          </p:cNvSpPr>
-          <p:nvPr>
-            <p:ph idx="1"/>
-          </p:nvPr>
-        </p:nvSpPr>
-        <p:spPr/>
-        <p:txBody>
-          <a:bodyPr/>
-          <a:lstStyle/>
-          <a:p>
-            <a:r>
-              <a:rPr lang="en-US" dirty="0"/>
-              <a:t>Przestawiliśmy się na Identity, nowy flagowy framework z toną opcji dostosowania. I miał możliwość integracji z Entity Framework...!</a:t>
-            </a:r>
-          </a:p>
-          <a:p>
-            <a:r>
-              <a:rPr lang="en-US" dirty="0"/>
-              <a:t>Jest jedno 'ale'.</a:t>
-            </a:r>
-          </a:p>
-        </p:txBody>
-      </p:sp>
-    </p:spTree>
-    <p:extLst>
-      <p:ext uri="{BB962C8B-B14F-4D97-AF65-F5344CB8AC3E}">
-        <p14:creationId xmlns:p14="http://schemas.microsoft.com/office/powerpoint/2010/main" val="1616709199"/>
-      </p:ext>
-    </p:extLst>
-  </p:cSld>
-  <p:clrMapOvr>
-    <a:masterClrMapping/>
-  </p:clrMapOvr>
-</p:sld>
-</file>
-
 <file path=ppt/slides/slide9.xml><?xml version="1.0" encoding="utf-8"?>
 <p:sld xmlns:a="http://schemas.openxmlformats.org/drawingml/2006/main" xmlns:r="http://schemas.openxmlformats.org/officeDocument/2006/relationships" xmlns:p="http://schemas.openxmlformats.org/presentationml/2006/main">
   <p:cSld>
@@ -7764,38 +8324,49 @@
           <a:p>
             <a:r>
               <a:rPr lang="en-US" dirty="0"/>
-              <a:t>ID użytkownika to string.</a:t>
-            </a:r>
-          </a:p>
-        </p:txBody>
-      </p:sp>
-      <p:pic>
-        <p:nvPicPr>
-          <p:cNvPr id="4" name="Content Placeholder 3" descr="steamworkshop_webupload_previewfile_393207598_preview.png"/>
-          <p:cNvPicPr>
-            <a:picLocks noGrp="1" noChangeAspect="1"/>
-          </p:cNvPicPr>
+              <a:t>... powstał od nowa...?</a:t>
+            </a:r>
+          </a:p>
+        </p:txBody>
+      </p:sp>
+      <p:sp>
+        <p:nvSpPr>
+          <p:cNvPr id="3" name="Content Placeholder 2"/>
+          <p:cNvSpPr>
+            <a:spLocks noGrp="1"/>
+          </p:cNvSpPr>
           <p:nvPr>
             <p:ph idx="1"/>
           </p:nvPr>
-        </p:nvPicPr>
-        <p:blipFill>
-          <a:blip r:embed="rId3"/>
-          <a:stretch>
-            <a:fillRect/>
-          </a:stretch>
-        </p:blipFill>
-        <p:spPr>
-          <a:xfrm>
-            <a:off x="2276819" y="1882775"/>
-            <a:ext cx="4590361" cy="4572000"/>
-          </a:xfrm>
-        </p:spPr>
-      </p:pic>
+        </p:nvSpPr>
+        <p:spPr/>
+        <p:txBody>
+          <a:bodyPr/>
+          <a:lstStyle/>
+          <a:p>
+            <a:r>
+              <a:rPr lang="en-US" dirty="0"/>
+              <a:t>Tak, przez kolejny problem.</a:t>
+            </a:r>
+          </a:p>
+          <a:p>
+            <a:r>
+              <a:rPr lang="en-US" dirty="0"/>
+              <a:t>Simple Membership, framework do zarządzania użytkownikami nie mógł się "dogadać" z faktem istnienia Entity Framework w całości projektu.</a:t>
+            </a:r>
+          </a:p>
+          <a:p>
+            <a:r>
+              <a:rPr lang="en-US" dirty="0"/>
+              <a:t>Albo EF z SM, tak czy inaczej nie działało.</a:t>
+            </a:r>
+          </a:p>
+        </p:txBody>
+      </p:sp>
     </p:spTree>
     <p:extLst>
       <p:ext uri="{BB962C8B-B14F-4D97-AF65-F5344CB8AC3E}">
-        <p14:creationId xmlns:p14="http://schemas.microsoft.com/office/powerpoint/2010/main" val="726893608"/>
+        <p14:creationId xmlns:p14="http://schemas.microsoft.com/office/powerpoint/2010/main" val="2208058564"/>
       </p:ext>
     </p:extLst>
   </p:cSld>
